--- a/Literature survey 3.pptx
+++ b/Literature survey 3.pptx
@@ -200,6 +200,7 @@
           <a:p>
             <a:fld id="{22ED1691-0AF3-48C3-879F-E9ED8642D406}" type="datetimeFigureOut">
               <a:rPr lang="en-US" smtClean="0"/>
+              <a:pPr/>
               <a:t>11/10/2020</a:t>
             </a:fld>
             <a:endParaRPr lang="en-IN"/>
@@ -361,6 +362,7 @@
           <a:p>
             <a:fld id="{F1EF98E6-0E5C-4505-97A7-FC8F73178400}" type="slidenum">
               <a:rPr lang="en-IN" smtClean="0"/>
+              <a:pPr/>
               <a:t>‹#›</a:t>
             </a:fld>
             <a:endParaRPr lang="en-IN"/>
@@ -702,6 +704,7 @@
           <a:p>
             <a:fld id="{2AC6D9E3-D752-4B08-B9DB-6BD984391A6E}" type="datetimeFigureOut">
               <a:rPr lang="en-US" smtClean="0"/>
+              <a:pPr/>
               <a:t>11/10/2020</a:t>
             </a:fld>
             <a:endParaRPr lang="en-IN"/>
@@ -744,6 +747,7 @@
           <a:p>
             <a:fld id="{CCDE5E65-03AF-49C8-AFB9-412129D912D4}" type="slidenum">
               <a:rPr lang="en-IN" smtClean="0"/>
+              <a:pPr/>
               <a:t>‹#›</a:t>
             </a:fld>
             <a:endParaRPr lang="en-IN"/>
@@ -867,6 +871,7 @@
           <a:p>
             <a:fld id="{2AC6D9E3-D752-4B08-B9DB-6BD984391A6E}" type="datetimeFigureOut">
               <a:rPr lang="en-US" smtClean="0"/>
+              <a:pPr/>
               <a:t>11/10/2020</a:t>
             </a:fld>
             <a:endParaRPr lang="en-IN"/>
@@ -909,6 +914,7 @@
           <a:p>
             <a:fld id="{CCDE5E65-03AF-49C8-AFB9-412129D912D4}" type="slidenum">
               <a:rPr lang="en-IN" smtClean="0"/>
+              <a:pPr/>
               <a:t>‹#›</a:t>
             </a:fld>
             <a:endParaRPr lang="en-IN"/>
@@ -1042,6 +1048,7 @@
           <a:p>
             <a:fld id="{2AC6D9E3-D752-4B08-B9DB-6BD984391A6E}" type="datetimeFigureOut">
               <a:rPr lang="en-US" smtClean="0"/>
+              <a:pPr/>
               <a:t>11/10/2020</a:t>
             </a:fld>
             <a:endParaRPr lang="en-IN"/>
@@ -1084,6 +1091,7 @@
           <a:p>
             <a:fld id="{CCDE5E65-03AF-49C8-AFB9-412129D912D4}" type="slidenum">
               <a:rPr lang="en-IN" smtClean="0"/>
+              <a:pPr/>
               <a:t>‹#›</a:t>
             </a:fld>
             <a:endParaRPr lang="en-IN"/>
@@ -1618,6 +1626,7 @@
           <a:p>
             <a:fld id="{2AC6D9E3-D752-4B08-B9DB-6BD984391A6E}" type="datetimeFigureOut">
               <a:rPr lang="en-US" smtClean="0"/>
+              <a:pPr/>
               <a:t>11/10/2020</a:t>
             </a:fld>
             <a:endParaRPr lang="en-IN"/>
@@ -1660,6 +1669,7 @@
           <a:p>
             <a:fld id="{CCDE5E65-03AF-49C8-AFB9-412129D912D4}" type="slidenum">
               <a:rPr lang="en-IN" smtClean="0"/>
+              <a:pPr/>
               <a:t>‹#›</a:t>
             </a:fld>
             <a:endParaRPr lang="en-IN"/>
@@ -1859,6 +1869,7 @@
           <a:p>
             <a:fld id="{2AC6D9E3-D752-4B08-B9DB-6BD984391A6E}" type="datetimeFigureOut">
               <a:rPr lang="en-US" smtClean="0"/>
+              <a:pPr/>
               <a:t>11/10/2020</a:t>
             </a:fld>
             <a:endParaRPr lang="en-IN"/>
@@ -1901,6 +1912,7 @@
           <a:p>
             <a:fld id="{CCDE5E65-03AF-49C8-AFB9-412129D912D4}" type="slidenum">
               <a:rPr lang="en-IN" smtClean="0"/>
+              <a:pPr/>
               <a:t>‹#›</a:t>
             </a:fld>
             <a:endParaRPr lang="en-IN"/>
@@ -2142,6 +2154,7 @@
           <a:p>
             <a:fld id="{2AC6D9E3-D752-4B08-B9DB-6BD984391A6E}" type="datetimeFigureOut">
               <a:rPr lang="en-US" smtClean="0"/>
+              <a:pPr/>
               <a:t>11/10/2020</a:t>
             </a:fld>
             <a:endParaRPr lang="en-IN"/>
@@ -2184,6 +2197,7 @@
           <a:p>
             <a:fld id="{CCDE5E65-03AF-49C8-AFB9-412129D912D4}" type="slidenum">
               <a:rPr lang="en-IN" smtClean="0"/>
+              <a:pPr/>
               <a:t>‹#›</a:t>
             </a:fld>
             <a:endParaRPr lang="en-IN"/>
@@ -2559,6 +2573,7 @@
           <a:p>
             <a:fld id="{2AC6D9E3-D752-4B08-B9DB-6BD984391A6E}" type="datetimeFigureOut">
               <a:rPr lang="en-US" smtClean="0"/>
+              <a:pPr/>
               <a:t>11/10/2020</a:t>
             </a:fld>
             <a:endParaRPr lang="en-IN"/>
@@ -2601,6 +2616,7 @@
           <a:p>
             <a:fld id="{CCDE5E65-03AF-49C8-AFB9-412129D912D4}" type="slidenum">
               <a:rPr lang="en-IN" smtClean="0"/>
+              <a:pPr/>
               <a:t>‹#›</a:t>
             </a:fld>
             <a:endParaRPr lang="en-IN"/>
@@ -2672,6 +2688,7 @@
           <a:p>
             <a:fld id="{2AC6D9E3-D752-4B08-B9DB-6BD984391A6E}" type="datetimeFigureOut">
               <a:rPr lang="en-US" smtClean="0"/>
+              <a:pPr/>
               <a:t>11/10/2020</a:t>
             </a:fld>
             <a:endParaRPr lang="en-IN"/>
@@ -2714,6 +2731,7 @@
           <a:p>
             <a:fld id="{CCDE5E65-03AF-49C8-AFB9-412129D912D4}" type="slidenum">
               <a:rPr lang="en-IN" smtClean="0"/>
+              <a:pPr/>
               <a:t>‹#›</a:t>
             </a:fld>
             <a:endParaRPr lang="en-IN"/>
@@ -2762,6 +2780,7 @@
           <a:p>
             <a:fld id="{2AC6D9E3-D752-4B08-B9DB-6BD984391A6E}" type="datetimeFigureOut">
               <a:rPr lang="en-US" smtClean="0"/>
+              <a:pPr/>
               <a:t>11/10/2020</a:t>
             </a:fld>
             <a:endParaRPr lang="en-IN"/>
@@ -2804,6 +2823,7 @@
           <a:p>
             <a:fld id="{CCDE5E65-03AF-49C8-AFB9-412129D912D4}" type="slidenum">
               <a:rPr lang="en-IN" smtClean="0"/>
+              <a:pPr/>
               <a:t>‹#›</a:t>
             </a:fld>
             <a:endParaRPr lang="en-IN"/>
@@ -3034,6 +3054,7 @@
           <a:p>
             <a:fld id="{2AC6D9E3-D752-4B08-B9DB-6BD984391A6E}" type="datetimeFigureOut">
               <a:rPr lang="en-US" smtClean="0"/>
+              <a:pPr/>
               <a:t>11/10/2020</a:t>
             </a:fld>
             <a:endParaRPr lang="en-IN"/>
@@ -3076,6 +3097,7 @@
           <a:p>
             <a:fld id="{CCDE5E65-03AF-49C8-AFB9-412129D912D4}" type="slidenum">
               <a:rPr lang="en-IN" smtClean="0"/>
+              <a:pPr/>
               <a:t>‹#›</a:t>
             </a:fld>
             <a:endParaRPr lang="en-IN"/>
@@ -3282,6 +3304,7 @@
           <a:p>
             <a:fld id="{2AC6D9E3-D752-4B08-B9DB-6BD984391A6E}" type="datetimeFigureOut">
               <a:rPr lang="en-US" smtClean="0"/>
+              <a:pPr/>
               <a:t>11/10/2020</a:t>
             </a:fld>
             <a:endParaRPr lang="en-IN"/>
@@ -3324,6 +3347,7 @@
           <a:p>
             <a:fld id="{CCDE5E65-03AF-49C8-AFB9-412129D912D4}" type="slidenum">
               <a:rPr lang="en-IN" smtClean="0"/>
+              <a:pPr/>
               <a:t>‹#›</a:t>
             </a:fld>
             <a:endParaRPr lang="en-IN"/>
@@ -3490,6 +3514,7 @@
           <a:p>
             <a:fld id="{2AC6D9E3-D752-4B08-B9DB-6BD984391A6E}" type="datetimeFigureOut">
               <a:rPr lang="en-US" smtClean="0"/>
+              <a:pPr/>
               <a:t>11/10/2020</a:t>
             </a:fld>
             <a:endParaRPr lang="en-IN"/>
@@ -3568,6 +3593,7 @@
           <a:p>
             <a:fld id="{CCDE5E65-03AF-49C8-AFB9-412129D912D4}" type="slidenum">
               <a:rPr lang="en-IN" smtClean="0"/>
+              <a:pPr/>
               <a:t>‹#›</a:t>
             </a:fld>
             <a:endParaRPr lang="en-IN"/>
@@ -3932,6 +3958,13 @@
   <p:clrMapOvr>
     <a:masterClrMapping/>
   </p:clrMapOvr>
+  <p:timing>
+    <p:tnLst>
+      <p:par>
+        <p:cTn id="1" dur="indefinite" restart="never" nodeType="tmRoot"/>
+      </p:par>
+    </p:tnLst>
+  </p:timing>
 </p:sld>
 </file>
 
@@ -3993,6 +4026,13 @@
   <p:clrMapOvr>
     <a:masterClrMapping/>
   </p:clrMapOvr>
+  <p:timing>
+    <p:tnLst>
+      <p:par>
+        <p:cTn id="1" dur="indefinite" restart="never" nodeType="tmRoot"/>
+      </p:par>
+    </p:tnLst>
+  </p:timing>
 </p:sld>
 </file>
 
@@ -4110,7 +4150,7 @@
         </p:nvSpPr>
         <p:spPr>
           <a:xfrm>
-            <a:off x="0" y="1233858"/>
+            <a:off x="0" y="1371600"/>
             <a:ext cx="4090800" cy="369332"/>
           </a:xfrm>
           <a:prstGeom prst="rect">
@@ -4385,6 +4425,13 @@
   <p:clrMapOvr>
     <a:masterClrMapping/>
   </p:clrMapOvr>
+  <p:timing>
+    <p:tnLst>
+      <p:par>
+        <p:cTn id="1" dur="indefinite" restart="never" nodeType="tmRoot"/>
+      </p:par>
+    </p:tnLst>
+  </p:timing>
 </p:sld>
 </file>
 
@@ -4435,6 +4482,13 @@
   <p:clrMapOvr>
     <a:masterClrMapping/>
   </p:clrMapOvr>
+  <p:timing>
+    <p:tnLst>
+      <p:par>
+        <p:cTn id="1" dur="indefinite" restart="never" nodeType="tmRoot"/>
+      </p:par>
+    </p:tnLst>
+  </p:timing>
 </p:sld>
 </file>
 
@@ -4547,6 +4601,13 @@
   <p:clrMapOvr>
     <a:masterClrMapping/>
   </p:clrMapOvr>
+  <p:timing>
+    <p:tnLst>
+      <p:par>
+        <p:cTn id="1" dur="indefinite" restart="never" nodeType="tmRoot"/>
+      </p:par>
+    </p:tnLst>
+  </p:timing>
 </p:sld>
 </file>
 
@@ -4597,6 +4658,13 @@
   <p:clrMapOvr>
     <a:masterClrMapping/>
   </p:clrMapOvr>
+  <p:timing>
+    <p:tnLst>
+      <p:par>
+        <p:cTn id="1" dur="indefinite" restart="never" nodeType="tmRoot"/>
+      </p:par>
+    </p:tnLst>
+  </p:timing>
 </p:sld>
 </file>
 
@@ -5272,6 +5340,13 @@
   <p:clrMapOvr>
     <a:masterClrMapping/>
   </p:clrMapOvr>
+  <p:timing>
+    <p:tnLst>
+      <p:par>
+        <p:cTn id="1" dur="indefinite" restart="never" nodeType="tmRoot"/>
+      </p:par>
+    </p:tnLst>
+  </p:timing>
 </p:sld>
 </file>
 

--- a/Literature survey 3.pptx
+++ b/Literature survey 3.pptx
@@ -1,22 +1,26 @@
 
 <file path=ppt/presentation.xml><?xml version="1.0" encoding="utf-8"?>
-<p:presentation xmlns:a="http://schemas.openxmlformats.org/drawingml/2006/main" xmlns:r="http://schemas.openxmlformats.org/officeDocument/2006/relationships" xmlns:p="http://schemas.openxmlformats.org/presentationml/2006/main" saveSubsetFonts="1">
+<p:presentation xmlns:a="http://schemas.openxmlformats.org/drawingml/2006/main" xmlns:r="http://schemas.openxmlformats.org/officeDocument/2006/relationships" xmlns:p="http://schemas.openxmlformats.org/presentationml/2006/main">
   <p:sldMasterIdLst>
     <p:sldMasterId id="2147483648" r:id="rId1"/>
   </p:sldMasterIdLst>
   <p:notesMasterIdLst>
-    <p:notesMasterId r:id="rId11"/>
+    <p:notesMasterId r:id="rId4"/>
   </p:notesMasterIdLst>
   <p:sldIdLst>
-    <p:sldId id="257" r:id="rId2"/>
-    <p:sldId id="258" r:id="rId3"/>
-    <p:sldId id="259" r:id="rId4"/>
-    <p:sldId id="260" r:id="rId5"/>
-    <p:sldId id="261" r:id="rId6"/>
-    <p:sldId id="262" r:id="rId7"/>
-    <p:sldId id="263" r:id="rId8"/>
-    <p:sldId id="264" r:id="rId9"/>
-    <p:sldId id="265" r:id="rId10"/>
+    <p:sldId id="257" r:id="rId3"/>
+    <p:sldId id="266" r:id="rId5"/>
+    <p:sldId id="270" r:id="rId6"/>
+    <p:sldId id="271" r:id="rId7"/>
+    <p:sldId id="272" r:id="rId8"/>
+    <p:sldId id="258" r:id="rId9"/>
+    <p:sldId id="259" r:id="rId10"/>
+    <p:sldId id="260" r:id="rId11"/>
+    <p:sldId id="261" r:id="rId12"/>
+    <p:sldId id="262" r:id="rId13"/>
+    <p:sldId id="263" r:id="rId14"/>
+    <p:sldId id="264" r:id="rId15"/>
+    <p:sldId id="265" r:id="rId16"/>
   </p:sldIdLst>
   <p:sldSz cx="9144000" cy="6858000" type="screen4x3"/>
   <p:notesSz cx="6858000" cy="9144000"/>
@@ -200,8 +204,6 @@
           <a:p>
             <a:fld id="{22ED1691-0AF3-48C3-879F-E9ED8642D406}" type="datetimeFigureOut">
               <a:rPr lang="en-US" smtClean="0"/>
-              <a:pPr/>
-              <a:t>11/10/2020</a:t>
             </a:fld>
             <a:endParaRPr lang="en-IN"/>
           </a:p>
@@ -270,6 +272,7 @@
               <a:rPr lang="en-US" smtClean="0"/>
               <a:t>Click to edit Master text styles</a:t>
             </a:r>
+            <a:endParaRPr lang="en-US" smtClean="0"/>
           </a:p>
           <a:p>
             <a:pPr lvl="1"/>
@@ -277,6 +280,7 @@
               <a:rPr lang="en-US" smtClean="0"/>
               <a:t>Second level</a:t>
             </a:r>
+            <a:endParaRPr lang="en-US" smtClean="0"/>
           </a:p>
           <a:p>
             <a:pPr lvl="2"/>
@@ -284,6 +288,7 @@
               <a:rPr lang="en-US" smtClean="0"/>
               <a:t>Third level</a:t>
             </a:r>
+            <a:endParaRPr lang="en-US" smtClean="0"/>
           </a:p>
           <a:p>
             <a:pPr lvl="3"/>
@@ -291,6 +296,7 @@
               <a:rPr lang="en-US" smtClean="0"/>
               <a:t>Fourth level</a:t>
             </a:r>
+            <a:endParaRPr lang="en-US" smtClean="0"/>
           </a:p>
           <a:p>
             <a:pPr lvl="4"/>
@@ -362,8 +368,6 @@
           <a:p>
             <a:fld id="{F1EF98E6-0E5C-4505-97A7-FC8F73178400}" type="slidenum">
               <a:rPr lang="en-IN" smtClean="0"/>
-              <a:pPr/>
-              <a:t>‹#›</a:t>
             </a:fld>
             <a:endParaRPr lang="en-IN"/>
           </a:p>
@@ -523,6 +527,94 @@
 </p:notes>
 </file>
 
+<file path=ppt/notesSlides/notesSlide2.xml><?xml version="1.0" encoding="utf-8"?>
+<p:notes xmlns:a="http://schemas.openxmlformats.org/drawingml/2006/main" xmlns:r="http://schemas.openxmlformats.org/officeDocument/2006/relationships" xmlns:p="http://schemas.openxmlformats.org/presentationml/2006/main">
+  <p:cSld>
+    <p:spTree>
+      <p:nvGrpSpPr>
+        <p:cNvPr id="1" name=""/>
+        <p:cNvGrpSpPr/>
+        <p:nvPr/>
+      </p:nvGrpSpPr>
+      <p:grpSpPr/>
+      <p:sp>
+        <p:nvSpPr>
+          <p:cNvPr id="2" name="Slide Image Placeholder 1"/>
+          <p:cNvSpPr/>
+          <p:nvPr>
+            <p:ph type="sldImg" idx="2"/>
+          </p:nvPr>
+        </p:nvSpPr>
+        <p:spPr/>
+      </p:sp>
+      <p:sp>
+        <p:nvSpPr>
+          <p:cNvPr id="3" name="Text Placeholder 2"/>
+          <p:cNvSpPr/>
+          <p:nvPr>
+            <p:ph type="body" idx="3"/>
+          </p:nvPr>
+        </p:nvSpPr>
+        <p:spPr/>
+        <p:txBody>
+          <a:bodyPr/>
+          <a:p>
+            <a:endParaRPr lang="en-US"/>
+          </a:p>
+        </p:txBody>
+      </p:sp>
+    </p:spTree>
+  </p:cSld>
+  <p:clrMapOvr>
+    <a:masterClrMapping/>
+  </p:clrMapOvr>
+</p:notes>
+</file>
+
+<file path=ppt/notesSlides/notesSlide3.xml><?xml version="1.0" encoding="utf-8"?>
+<p:notes xmlns:a="http://schemas.openxmlformats.org/drawingml/2006/main" xmlns:r="http://schemas.openxmlformats.org/officeDocument/2006/relationships" xmlns:p="http://schemas.openxmlformats.org/presentationml/2006/main">
+  <p:cSld>
+    <p:spTree>
+      <p:nvGrpSpPr>
+        <p:cNvPr id="1" name=""/>
+        <p:cNvGrpSpPr/>
+        <p:nvPr/>
+      </p:nvGrpSpPr>
+      <p:grpSpPr/>
+      <p:sp>
+        <p:nvSpPr>
+          <p:cNvPr id="2" name="Slide Image Placeholder 1"/>
+          <p:cNvSpPr/>
+          <p:nvPr>
+            <p:ph type="sldImg" idx="2"/>
+          </p:nvPr>
+        </p:nvSpPr>
+        <p:spPr/>
+      </p:sp>
+      <p:sp>
+        <p:nvSpPr>
+          <p:cNvPr id="3" name="Text Placeholder 2"/>
+          <p:cNvSpPr/>
+          <p:nvPr>
+            <p:ph type="body" idx="3"/>
+          </p:nvPr>
+        </p:nvSpPr>
+        <p:spPr/>
+        <p:txBody>
+          <a:bodyPr/>
+          <a:p>
+            <a:endParaRPr lang="en-US"/>
+          </a:p>
+        </p:txBody>
+      </p:sp>
+    </p:spTree>
+  </p:cSld>
+  <p:clrMapOvr>
+    <a:masterClrMapping/>
+  </p:clrMapOvr>
+</p:notes>
+</file>
+
 <file path=ppt/slideLayouts/slideLayout1.xml><?xml version="1.0" encoding="utf-8"?>
 <p:sldLayout xmlns:a="http://schemas.openxmlformats.org/drawingml/2006/main" xmlns:r="http://schemas.openxmlformats.org/officeDocument/2006/relationships" xmlns:p="http://schemas.openxmlformats.org/presentationml/2006/main" type="title" preserve="1">
   <p:cSld name="Title Slide">
@@ -704,8 +796,6 @@
           <a:p>
             <a:fld id="{2AC6D9E3-D752-4B08-B9DB-6BD984391A6E}" type="datetimeFigureOut">
               <a:rPr lang="en-US" smtClean="0"/>
-              <a:pPr/>
-              <a:t>11/10/2020</a:t>
             </a:fld>
             <a:endParaRPr lang="en-IN"/>
           </a:p>
@@ -747,8 +837,6 @@
           <a:p>
             <a:fld id="{CCDE5E65-03AF-49C8-AFB9-412129D912D4}" type="slidenum">
               <a:rPr lang="en-IN" smtClean="0"/>
-              <a:pPr/>
-              <a:t>‹#›</a:t>
             </a:fld>
             <a:endParaRPr lang="en-IN"/>
           </a:p>
@@ -822,6 +910,7 @@
               <a:rPr lang="en-US" smtClean="0"/>
               <a:t>Click to edit Master text styles</a:t>
             </a:r>
+            <a:endParaRPr lang="en-US" smtClean="0"/>
           </a:p>
           <a:p>
             <a:pPr lvl="1"/>
@@ -829,6 +918,7 @@
               <a:rPr lang="en-US" smtClean="0"/>
               <a:t>Second level</a:t>
             </a:r>
+            <a:endParaRPr lang="en-US" smtClean="0"/>
           </a:p>
           <a:p>
             <a:pPr lvl="2"/>
@@ -836,6 +926,7 @@
               <a:rPr lang="en-US" smtClean="0"/>
               <a:t>Third level</a:t>
             </a:r>
+            <a:endParaRPr lang="en-US" smtClean="0"/>
           </a:p>
           <a:p>
             <a:pPr lvl="3"/>
@@ -843,6 +934,7 @@
               <a:rPr lang="en-US" smtClean="0"/>
               <a:t>Fourth level</a:t>
             </a:r>
+            <a:endParaRPr lang="en-US" smtClean="0"/>
           </a:p>
           <a:p>
             <a:pPr lvl="4"/>
@@ -871,8 +963,6 @@
           <a:p>
             <a:fld id="{2AC6D9E3-D752-4B08-B9DB-6BD984391A6E}" type="datetimeFigureOut">
               <a:rPr lang="en-US" smtClean="0"/>
-              <a:pPr/>
-              <a:t>11/10/2020</a:t>
             </a:fld>
             <a:endParaRPr lang="en-IN"/>
           </a:p>
@@ -914,8 +1004,6 @@
           <a:p>
             <a:fld id="{CCDE5E65-03AF-49C8-AFB9-412129D912D4}" type="slidenum">
               <a:rPr lang="en-IN" smtClean="0"/>
-              <a:pPr/>
-              <a:t>‹#›</a:t>
             </a:fld>
             <a:endParaRPr lang="en-IN"/>
           </a:p>
@@ -999,6 +1087,7 @@
               <a:rPr lang="en-US" smtClean="0"/>
               <a:t>Click to edit Master text styles</a:t>
             </a:r>
+            <a:endParaRPr lang="en-US" smtClean="0"/>
           </a:p>
           <a:p>
             <a:pPr lvl="1"/>
@@ -1006,6 +1095,7 @@
               <a:rPr lang="en-US" smtClean="0"/>
               <a:t>Second level</a:t>
             </a:r>
+            <a:endParaRPr lang="en-US" smtClean="0"/>
           </a:p>
           <a:p>
             <a:pPr lvl="2"/>
@@ -1013,6 +1103,7 @@
               <a:rPr lang="en-US" smtClean="0"/>
               <a:t>Third level</a:t>
             </a:r>
+            <a:endParaRPr lang="en-US" smtClean="0"/>
           </a:p>
           <a:p>
             <a:pPr lvl="3"/>
@@ -1020,6 +1111,7 @@
               <a:rPr lang="en-US" smtClean="0"/>
               <a:t>Fourth level</a:t>
             </a:r>
+            <a:endParaRPr lang="en-US" smtClean="0"/>
           </a:p>
           <a:p>
             <a:pPr lvl="4"/>
@@ -1048,8 +1140,6 @@
           <a:p>
             <a:fld id="{2AC6D9E3-D752-4B08-B9DB-6BD984391A6E}" type="datetimeFigureOut">
               <a:rPr lang="en-US" smtClean="0"/>
-              <a:pPr/>
-              <a:t>11/10/2020</a:t>
             </a:fld>
             <a:endParaRPr lang="en-IN"/>
           </a:p>
@@ -1091,8 +1181,6 @@
           <a:p>
             <a:fld id="{CCDE5E65-03AF-49C8-AFB9-412129D912D4}" type="slidenum">
               <a:rPr lang="en-IN" smtClean="0"/>
-              <a:pPr/>
-              <a:t>‹#›</a:t>
             </a:fld>
             <a:endParaRPr lang="en-IN"/>
           </a:p>
@@ -1107,7 +1195,7 @@
 </file>
 
 <file path=ppt/slideLayouts/slideLayout12.xml><?xml version="1.0" encoding="utf-8"?>
-<p:sldLayout xmlns:a="http://schemas.openxmlformats.org/drawingml/2006/main" xmlns:r="http://schemas.openxmlformats.org/officeDocument/2006/relationships" xmlns:p="http://schemas.openxmlformats.org/presentationml/2006/main" matchingName="Title and body" type="tx">
+<p:sldLayout xmlns:a="http://schemas.openxmlformats.org/drawingml/2006/main" xmlns:r="http://schemas.openxmlformats.org/officeDocument/2006/relationships" xmlns:p="http://schemas.openxmlformats.org/presentationml/2006/main" type="tx" matchingName="Title and body">
   <p:cSld name="Title and body">
     <p:spTree>
       <p:nvGrpSpPr>
@@ -1159,7 +1247,6 @@
               </a:spcAft>
               <a:buNone/>
             </a:pPr>
-            <a:endParaRPr/>
           </a:p>
         </p:txBody>
       </p:sp>
@@ -1287,9 +1374,7 @@
               <a:defRPr/>
             </a:lvl9pPr>
           </a:lstStyle>
-          <a:p>
-            <a:endParaRPr/>
-          </a:p>
+          <a:p/>
         </p:txBody>
       </p:sp>
       <p:sp>
@@ -1416,9 +1501,7 @@
               <a:defRPr/>
             </a:lvl9pPr>
           </a:lstStyle>
-          <a:p>
-            <a:endParaRPr/>
-          </a:p>
+          <a:p/>
         </p:txBody>
       </p:sp>
       <p:sp>
@@ -1494,16 +1577,6 @@
             </a:pPr>
             <a:fld id="{00000000-1234-1234-1234-123412341234}" type="slidenum">
               <a:rPr lang="en-GB"/>
-              <a:pPr marL="0" lvl="0" indent="0" algn="r" rtl="0">
-                <a:spcBef>
-                  <a:spcPts val="0"/>
-                </a:spcBef>
-                <a:spcAft>
-                  <a:spcPts val="0"/>
-                </a:spcAft>
-                <a:buNone/>
-              </a:pPr>
-              <a:t>‹#›</a:t>
             </a:fld>
             <a:endParaRPr lang="en-GB"/>
           </a:p>
@@ -1577,6 +1650,7 @@
               <a:rPr lang="en-US" smtClean="0"/>
               <a:t>Click to edit Master text styles</a:t>
             </a:r>
+            <a:endParaRPr lang="en-US" smtClean="0"/>
           </a:p>
           <a:p>
             <a:pPr lvl="1"/>
@@ -1584,6 +1658,7 @@
               <a:rPr lang="en-US" smtClean="0"/>
               <a:t>Second level</a:t>
             </a:r>
+            <a:endParaRPr lang="en-US" smtClean="0"/>
           </a:p>
           <a:p>
             <a:pPr lvl="2"/>
@@ -1591,6 +1666,7 @@
               <a:rPr lang="en-US" smtClean="0"/>
               <a:t>Third level</a:t>
             </a:r>
+            <a:endParaRPr lang="en-US" smtClean="0"/>
           </a:p>
           <a:p>
             <a:pPr lvl="3"/>
@@ -1598,6 +1674,7 @@
               <a:rPr lang="en-US" smtClean="0"/>
               <a:t>Fourth level</a:t>
             </a:r>
+            <a:endParaRPr lang="en-US" smtClean="0"/>
           </a:p>
           <a:p>
             <a:pPr lvl="4"/>
@@ -1626,8 +1703,6 @@
           <a:p>
             <a:fld id="{2AC6D9E3-D752-4B08-B9DB-6BD984391A6E}" type="datetimeFigureOut">
               <a:rPr lang="en-US" smtClean="0"/>
-              <a:pPr/>
-              <a:t>11/10/2020</a:t>
             </a:fld>
             <a:endParaRPr lang="en-IN"/>
           </a:p>
@@ -1669,8 +1744,6 @@
           <a:p>
             <a:fld id="{CCDE5E65-03AF-49C8-AFB9-412129D912D4}" type="slidenum">
               <a:rPr lang="en-IN" smtClean="0"/>
-              <a:pPr/>
-              <a:t>‹#›</a:t>
             </a:fld>
             <a:endParaRPr lang="en-IN"/>
           </a:p>
@@ -1849,6 +1922,7 @@
               <a:rPr lang="en-US" smtClean="0"/>
               <a:t>Click to edit Master text styles</a:t>
             </a:r>
+            <a:endParaRPr lang="en-US" smtClean="0"/>
           </a:p>
         </p:txBody>
       </p:sp>
@@ -1869,8 +1943,6 @@
           <a:p>
             <a:fld id="{2AC6D9E3-D752-4B08-B9DB-6BD984391A6E}" type="datetimeFigureOut">
               <a:rPr lang="en-US" smtClean="0"/>
-              <a:pPr/>
-              <a:t>11/10/2020</a:t>
             </a:fld>
             <a:endParaRPr lang="en-IN"/>
           </a:p>
@@ -1912,8 +1984,6 @@
           <a:p>
             <a:fld id="{CCDE5E65-03AF-49C8-AFB9-412129D912D4}" type="slidenum">
               <a:rPr lang="en-IN" smtClean="0"/>
-              <a:pPr/>
-              <a:t>‹#›</a:t>
             </a:fld>
             <a:endParaRPr lang="en-IN"/>
           </a:p>
@@ -2020,6 +2090,7 @@
               <a:rPr lang="en-US" smtClean="0"/>
               <a:t>Click to edit Master text styles</a:t>
             </a:r>
+            <a:endParaRPr lang="en-US" smtClean="0"/>
           </a:p>
           <a:p>
             <a:pPr lvl="1"/>
@@ -2027,6 +2098,7 @@
               <a:rPr lang="en-US" smtClean="0"/>
               <a:t>Second level</a:t>
             </a:r>
+            <a:endParaRPr lang="en-US" smtClean="0"/>
           </a:p>
           <a:p>
             <a:pPr lvl="2"/>
@@ -2034,6 +2106,7 @@
               <a:rPr lang="en-US" smtClean="0"/>
               <a:t>Third level</a:t>
             </a:r>
+            <a:endParaRPr lang="en-US" smtClean="0"/>
           </a:p>
           <a:p>
             <a:pPr lvl="3"/>
@@ -2041,6 +2114,7 @@
               <a:rPr lang="en-US" smtClean="0"/>
               <a:t>Fourth level</a:t>
             </a:r>
+            <a:endParaRPr lang="en-US" smtClean="0"/>
           </a:p>
           <a:p>
             <a:pPr lvl="4"/>
@@ -2105,6 +2179,7 @@
               <a:rPr lang="en-US" smtClean="0"/>
               <a:t>Click to edit Master text styles</a:t>
             </a:r>
+            <a:endParaRPr lang="en-US" smtClean="0"/>
           </a:p>
           <a:p>
             <a:pPr lvl="1"/>
@@ -2112,6 +2187,7 @@
               <a:rPr lang="en-US" smtClean="0"/>
               <a:t>Second level</a:t>
             </a:r>
+            <a:endParaRPr lang="en-US" smtClean="0"/>
           </a:p>
           <a:p>
             <a:pPr lvl="2"/>
@@ -2119,6 +2195,7 @@
               <a:rPr lang="en-US" smtClean="0"/>
               <a:t>Third level</a:t>
             </a:r>
+            <a:endParaRPr lang="en-US" smtClean="0"/>
           </a:p>
           <a:p>
             <a:pPr lvl="3"/>
@@ -2126,6 +2203,7 @@
               <a:rPr lang="en-US" smtClean="0"/>
               <a:t>Fourth level</a:t>
             </a:r>
+            <a:endParaRPr lang="en-US" smtClean="0"/>
           </a:p>
           <a:p>
             <a:pPr lvl="4"/>
@@ -2154,8 +2232,6 @@
           <a:p>
             <a:fld id="{2AC6D9E3-D752-4B08-B9DB-6BD984391A6E}" type="datetimeFigureOut">
               <a:rPr lang="en-US" smtClean="0"/>
-              <a:pPr/>
-              <a:t>11/10/2020</a:t>
             </a:fld>
             <a:endParaRPr lang="en-IN"/>
           </a:p>
@@ -2197,8 +2273,6 @@
           <a:p>
             <a:fld id="{CCDE5E65-03AF-49C8-AFB9-412129D912D4}" type="slidenum">
               <a:rPr lang="en-IN" smtClean="0"/>
-              <a:pPr/>
-              <a:t>‹#›</a:t>
             </a:fld>
             <a:endParaRPr lang="en-IN"/>
           </a:p>
@@ -2318,6 +2392,7 @@
               <a:rPr lang="en-US" smtClean="0"/>
               <a:t>Click to edit Master text styles</a:t>
             </a:r>
+            <a:endParaRPr lang="en-US" smtClean="0"/>
           </a:p>
         </p:txBody>
       </p:sp>
@@ -2374,6 +2449,7 @@
               <a:rPr lang="en-US" smtClean="0"/>
               <a:t>Click to edit Master text styles</a:t>
             </a:r>
+            <a:endParaRPr lang="en-US" smtClean="0"/>
           </a:p>
           <a:p>
             <a:pPr lvl="1"/>
@@ -2381,6 +2457,7 @@
               <a:rPr lang="en-US" smtClean="0"/>
               <a:t>Second level</a:t>
             </a:r>
+            <a:endParaRPr lang="en-US" smtClean="0"/>
           </a:p>
           <a:p>
             <a:pPr lvl="2"/>
@@ -2388,6 +2465,7 @@
               <a:rPr lang="en-US" smtClean="0"/>
               <a:t>Third level</a:t>
             </a:r>
+            <a:endParaRPr lang="en-US" smtClean="0"/>
           </a:p>
           <a:p>
             <a:pPr lvl="3"/>
@@ -2395,6 +2473,7 @@
               <a:rPr lang="en-US" smtClean="0"/>
               <a:t>Fourth level</a:t>
             </a:r>
+            <a:endParaRPr lang="en-US" smtClean="0"/>
           </a:p>
           <a:p>
             <a:pPr lvl="4"/>
@@ -2468,6 +2547,7 @@
               <a:rPr lang="en-US" smtClean="0"/>
               <a:t>Click to edit Master text styles</a:t>
             </a:r>
+            <a:endParaRPr lang="en-US" smtClean="0"/>
           </a:p>
         </p:txBody>
       </p:sp>
@@ -2524,6 +2604,7 @@
               <a:rPr lang="en-US" smtClean="0"/>
               <a:t>Click to edit Master text styles</a:t>
             </a:r>
+            <a:endParaRPr lang="en-US" smtClean="0"/>
           </a:p>
           <a:p>
             <a:pPr lvl="1"/>
@@ -2531,6 +2612,7 @@
               <a:rPr lang="en-US" smtClean="0"/>
               <a:t>Second level</a:t>
             </a:r>
+            <a:endParaRPr lang="en-US" smtClean="0"/>
           </a:p>
           <a:p>
             <a:pPr lvl="2"/>
@@ -2538,6 +2620,7 @@
               <a:rPr lang="en-US" smtClean="0"/>
               <a:t>Third level</a:t>
             </a:r>
+            <a:endParaRPr lang="en-US" smtClean="0"/>
           </a:p>
           <a:p>
             <a:pPr lvl="3"/>
@@ -2545,6 +2628,7 @@
               <a:rPr lang="en-US" smtClean="0"/>
               <a:t>Fourth level</a:t>
             </a:r>
+            <a:endParaRPr lang="en-US" smtClean="0"/>
           </a:p>
           <a:p>
             <a:pPr lvl="4"/>
@@ -2573,8 +2657,6 @@
           <a:p>
             <a:fld id="{2AC6D9E3-D752-4B08-B9DB-6BD984391A6E}" type="datetimeFigureOut">
               <a:rPr lang="en-US" smtClean="0"/>
-              <a:pPr/>
-              <a:t>11/10/2020</a:t>
             </a:fld>
             <a:endParaRPr lang="en-IN"/>
           </a:p>
@@ -2616,8 +2698,6 @@
           <a:p>
             <a:fld id="{CCDE5E65-03AF-49C8-AFB9-412129D912D4}" type="slidenum">
               <a:rPr lang="en-IN" smtClean="0"/>
-              <a:pPr/>
-              <a:t>‹#›</a:t>
             </a:fld>
             <a:endParaRPr lang="en-IN"/>
           </a:p>
@@ -2688,8 +2768,6 @@
           <a:p>
             <a:fld id="{2AC6D9E3-D752-4B08-B9DB-6BD984391A6E}" type="datetimeFigureOut">
               <a:rPr lang="en-US" smtClean="0"/>
-              <a:pPr/>
-              <a:t>11/10/2020</a:t>
             </a:fld>
             <a:endParaRPr lang="en-IN"/>
           </a:p>
@@ -2731,8 +2809,6 @@
           <a:p>
             <a:fld id="{CCDE5E65-03AF-49C8-AFB9-412129D912D4}" type="slidenum">
               <a:rPr lang="en-IN" smtClean="0"/>
-              <a:pPr/>
-              <a:t>‹#›</a:t>
             </a:fld>
             <a:endParaRPr lang="en-IN"/>
           </a:p>
@@ -2780,8 +2856,6 @@
           <a:p>
             <a:fld id="{2AC6D9E3-D752-4B08-B9DB-6BD984391A6E}" type="datetimeFigureOut">
               <a:rPr lang="en-US" smtClean="0"/>
-              <a:pPr/>
-              <a:t>11/10/2020</a:t>
             </a:fld>
             <a:endParaRPr lang="en-IN"/>
           </a:p>
@@ -2823,8 +2897,6 @@
           <a:p>
             <a:fld id="{CCDE5E65-03AF-49C8-AFB9-412129D912D4}" type="slidenum">
               <a:rPr lang="en-IN" smtClean="0"/>
-              <a:pPr/>
-              <a:t>‹#›</a:t>
             </a:fld>
             <a:endParaRPr lang="en-IN"/>
           </a:p>
@@ -2940,6 +3012,7 @@
               <a:rPr lang="en-US" smtClean="0"/>
               <a:t>Click to edit Master text styles</a:t>
             </a:r>
+            <a:endParaRPr lang="en-US" smtClean="0"/>
           </a:p>
           <a:p>
             <a:pPr lvl="1"/>
@@ -2947,6 +3020,7 @@
               <a:rPr lang="en-US" smtClean="0"/>
               <a:t>Second level</a:t>
             </a:r>
+            <a:endParaRPr lang="en-US" smtClean="0"/>
           </a:p>
           <a:p>
             <a:pPr lvl="2"/>
@@ -2954,6 +3028,7 @@
               <a:rPr lang="en-US" smtClean="0"/>
               <a:t>Third level</a:t>
             </a:r>
+            <a:endParaRPr lang="en-US" smtClean="0"/>
           </a:p>
           <a:p>
             <a:pPr lvl="3"/>
@@ -2961,6 +3036,7 @@
               <a:rPr lang="en-US" smtClean="0"/>
               <a:t>Fourth level</a:t>
             </a:r>
+            <a:endParaRPr lang="en-US" smtClean="0"/>
           </a:p>
           <a:p>
             <a:pPr lvl="4"/>
@@ -3034,6 +3110,7 @@
               <a:rPr lang="en-US" smtClean="0"/>
               <a:t>Click to edit Master text styles</a:t>
             </a:r>
+            <a:endParaRPr lang="en-US" smtClean="0"/>
           </a:p>
         </p:txBody>
       </p:sp>
@@ -3054,8 +3131,6 @@
           <a:p>
             <a:fld id="{2AC6D9E3-D752-4B08-B9DB-6BD984391A6E}" type="datetimeFigureOut">
               <a:rPr lang="en-US" smtClean="0"/>
-              <a:pPr/>
-              <a:t>11/10/2020</a:t>
             </a:fld>
             <a:endParaRPr lang="en-IN"/>
           </a:p>
@@ -3097,8 +3172,6 @@
           <a:p>
             <a:fld id="{CCDE5E65-03AF-49C8-AFB9-412129D912D4}" type="slidenum">
               <a:rPr lang="en-IN" smtClean="0"/>
-              <a:pPr/>
-              <a:t>‹#›</a:t>
             </a:fld>
             <a:endParaRPr lang="en-IN"/>
           </a:p>
@@ -3284,6 +3357,7 @@
               <a:rPr lang="en-US" smtClean="0"/>
               <a:t>Click to edit Master text styles</a:t>
             </a:r>
+            <a:endParaRPr lang="en-US" smtClean="0"/>
           </a:p>
         </p:txBody>
       </p:sp>
@@ -3304,8 +3378,6 @@
           <a:p>
             <a:fld id="{2AC6D9E3-D752-4B08-B9DB-6BD984391A6E}" type="datetimeFigureOut">
               <a:rPr lang="en-US" smtClean="0"/>
-              <a:pPr/>
-              <a:t>11/10/2020</a:t>
             </a:fld>
             <a:endParaRPr lang="en-IN"/>
           </a:p>
@@ -3347,8 +3419,6 @@
           <a:p>
             <a:fld id="{CCDE5E65-03AF-49C8-AFB9-412129D912D4}" type="slidenum">
               <a:rPr lang="en-IN" smtClean="0"/>
-              <a:pPr/>
-              <a:t>‹#›</a:t>
             </a:fld>
             <a:endParaRPr lang="en-IN"/>
           </a:p>
@@ -3447,6 +3517,7 @@
               <a:rPr lang="en-US" smtClean="0"/>
               <a:t>Click to edit Master text styles</a:t>
             </a:r>
+            <a:endParaRPr lang="en-US" smtClean="0"/>
           </a:p>
           <a:p>
             <a:pPr lvl="1"/>
@@ -3454,6 +3525,7 @@
               <a:rPr lang="en-US" smtClean="0"/>
               <a:t>Second level</a:t>
             </a:r>
+            <a:endParaRPr lang="en-US" smtClean="0"/>
           </a:p>
           <a:p>
             <a:pPr lvl="2"/>
@@ -3461,6 +3533,7 @@
               <a:rPr lang="en-US" smtClean="0"/>
               <a:t>Third level</a:t>
             </a:r>
+            <a:endParaRPr lang="en-US" smtClean="0"/>
           </a:p>
           <a:p>
             <a:pPr lvl="3"/>
@@ -3468,6 +3541,7 @@
               <a:rPr lang="en-US" smtClean="0"/>
               <a:t>Fourth level</a:t>
             </a:r>
+            <a:endParaRPr lang="en-US" smtClean="0"/>
           </a:p>
           <a:p>
             <a:pPr lvl="4"/>
@@ -3514,8 +3588,6 @@
           <a:p>
             <a:fld id="{2AC6D9E3-D752-4B08-B9DB-6BD984391A6E}" type="datetimeFigureOut">
               <a:rPr lang="en-US" smtClean="0"/>
-              <a:pPr/>
-              <a:t>11/10/2020</a:t>
             </a:fld>
             <a:endParaRPr lang="en-IN"/>
           </a:p>
@@ -3593,8 +3665,6 @@
           <a:p>
             <a:fld id="{CCDE5E65-03AF-49C8-AFB9-412129D912D4}" type="slidenum">
               <a:rPr lang="en-IN" smtClean="0"/>
-              <a:pPr/>
-              <a:t>‹#›</a:t>
             </a:fld>
             <a:endParaRPr lang="en-IN"/>
           </a:p>
@@ -3639,7 +3709,7 @@
         <a:spcBef>
           <a:spcPct val="20000"/>
         </a:spcBef>
-        <a:buFont typeface="Arial" pitchFamily="34" charset="0"/>
+        <a:buFont typeface="Arial" panose="020B0604020202020204" pitchFamily="34" charset="0"/>
         <a:buChar char="•"/>
         <a:defRPr sz="3200" kern="1200">
           <a:solidFill>
@@ -3654,7 +3724,7 @@
         <a:spcBef>
           <a:spcPct val="20000"/>
         </a:spcBef>
-        <a:buFont typeface="Arial" pitchFamily="34" charset="0"/>
+        <a:buFont typeface="Arial" panose="020B0604020202020204" pitchFamily="34" charset="0"/>
         <a:buChar char="–"/>
         <a:defRPr sz="2800" kern="1200">
           <a:solidFill>
@@ -3669,7 +3739,7 @@
         <a:spcBef>
           <a:spcPct val="20000"/>
         </a:spcBef>
-        <a:buFont typeface="Arial" pitchFamily="34" charset="0"/>
+        <a:buFont typeface="Arial" panose="020B0604020202020204" pitchFamily="34" charset="0"/>
         <a:buChar char="•"/>
         <a:defRPr sz="2400" kern="1200">
           <a:solidFill>
@@ -3684,7 +3754,7 @@
         <a:spcBef>
           <a:spcPct val="20000"/>
         </a:spcBef>
-        <a:buFont typeface="Arial" pitchFamily="34" charset="0"/>
+        <a:buFont typeface="Arial" panose="020B0604020202020204" pitchFamily="34" charset="0"/>
         <a:buChar char="–"/>
         <a:defRPr sz="2000" kern="1200">
           <a:solidFill>
@@ -3699,7 +3769,7 @@
         <a:spcBef>
           <a:spcPct val="20000"/>
         </a:spcBef>
-        <a:buFont typeface="Arial" pitchFamily="34" charset="0"/>
+        <a:buFont typeface="Arial" panose="020B0604020202020204" pitchFamily="34" charset="0"/>
         <a:buChar char="»"/>
         <a:defRPr sz="2000" kern="1200">
           <a:solidFill>
@@ -3714,7 +3784,7 @@
         <a:spcBef>
           <a:spcPct val="20000"/>
         </a:spcBef>
-        <a:buFont typeface="Arial" pitchFamily="34" charset="0"/>
+        <a:buFont typeface="Arial" panose="020B0604020202020204" pitchFamily="34" charset="0"/>
         <a:buChar char="•"/>
         <a:defRPr sz="2000" kern="1200">
           <a:solidFill>
@@ -3729,7 +3799,7 @@
         <a:spcBef>
           <a:spcPct val="20000"/>
         </a:spcBef>
-        <a:buFont typeface="Arial" pitchFamily="34" charset="0"/>
+        <a:buFont typeface="Arial" panose="020B0604020202020204" pitchFamily="34" charset="0"/>
         <a:buChar char="•"/>
         <a:defRPr sz="2000" kern="1200">
           <a:solidFill>
@@ -3744,7 +3814,7 @@
         <a:spcBef>
           <a:spcPct val="20000"/>
         </a:spcBef>
-        <a:buFont typeface="Arial" pitchFamily="34" charset="0"/>
+        <a:buFont typeface="Arial" panose="020B0604020202020204" pitchFamily="34" charset="0"/>
         <a:buChar char="•"/>
         <a:defRPr sz="2000" kern="1200">
           <a:solidFill>
@@ -3759,7 +3829,7 @@
         <a:spcBef>
           <a:spcPct val="20000"/>
         </a:spcBef>
-        <a:buFont typeface="Arial" pitchFamily="34" charset="0"/>
+        <a:buFont typeface="Arial" panose="020B0604020202020204" pitchFamily="34" charset="0"/>
         <a:buChar char="•"/>
         <a:defRPr sz="2000" kern="1200">
           <a:solidFill>
@@ -3916,6 +3986,11 @@
               </a:rPr>
               <a:t>Task 1</a:t>
             </a:r>
+            <a:endParaRPr lang="en-IN" altLang="en-US" sz="3600" b="1" dirty="0">
+              <a:latin typeface="Georgia" panose="02040502050405020303" charset="0"/>
+              <a:cs typeface="Georgia" panose="02040502050405020303" charset="0"/>
+              <a:sym typeface="+mn-ea"/>
+            </a:endParaRPr>
           </a:p>
         </p:txBody>
       </p:sp>
@@ -3950,6 +4025,11 @@
               </a:rPr>
               <a:t>Identifying categories  of hate memes</a:t>
             </a:r>
+            <a:endParaRPr lang="en-IN" altLang="en-US" sz="2400" b="1">
+              <a:latin typeface="Georgia" panose="02040502050405020303" charset="0"/>
+              <a:cs typeface="Georgia" panose="02040502050405020303" charset="0"/>
+              <a:sym typeface="+mn-ea"/>
+            </a:endParaRPr>
           </a:p>
         </p:txBody>
       </p:sp>
@@ -3968,474 +4048,7 @@
 </p:sld>
 </file>
 
-<file path=ppt/slides/slide2.xml><?xml version="1.0" encoding="utf-8"?>
-<p:sld xmlns:a="http://schemas.openxmlformats.org/drawingml/2006/main" xmlns:r="http://schemas.openxmlformats.org/officeDocument/2006/relationships" xmlns:p="http://schemas.openxmlformats.org/presentationml/2006/main">
-  <p:cSld>
-    <p:spTree>
-      <p:nvGrpSpPr>
-        <p:cNvPr id="1" name=""/>
-        <p:cNvGrpSpPr/>
-        <p:nvPr/>
-      </p:nvGrpSpPr>
-      <p:grpSpPr>
-        <a:xfrm>
-          <a:off x="0" y="0"/>
-          <a:ext cx="0" cy="0"/>
-          <a:chOff x="0" y="0"/>
-          <a:chExt cx="0" cy="0"/>
-        </a:xfrm>
-      </p:grpSpPr>
-      <p:sp>
-        <p:nvSpPr>
-          <p:cNvPr id="2" name="Title 1"/>
-          <p:cNvSpPr>
-            <a:spLocks noGrp="1"/>
-          </p:cNvSpPr>
-          <p:nvPr>
-            <p:ph type="title"/>
-          </p:nvPr>
-        </p:nvSpPr>
-        <p:spPr>
-          <a:xfrm>
-            <a:off x="376177" y="2679881"/>
-            <a:ext cx="8520600" cy="1108400"/>
-          </a:xfrm>
-        </p:spPr>
-        <p:txBody>
-          <a:bodyPr/>
-          <a:lstStyle/>
-          <a:p>
-            <a:pPr algn="ctr"/>
-            <a:r>
-              <a:rPr lang="en-US" sz="2400" dirty="0">
-                <a:latin typeface="Times New Roman" panose="02020603050405020304" charset="0"/>
-                <a:cs typeface="Times New Roman" panose="02020603050405020304" charset="0"/>
-                <a:sym typeface="+mn-ea"/>
-              </a:rPr>
-              <a:t>Task 2  : Reasoning Of Meme Labelled Into Different Categories </a:t>
-            </a:r>
-            <a:endParaRPr lang="en-IN" sz="2400" dirty="0">
-              <a:latin typeface="Times New Roman" panose="02020603050405020304" charset="0"/>
-              <a:cs typeface="Times New Roman" panose="02020603050405020304" charset="0"/>
-            </a:endParaRPr>
-          </a:p>
-        </p:txBody>
-      </p:sp>
-    </p:spTree>
-  </p:cSld>
-  <p:clrMapOvr>
-    <a:masterClrMapping/>
-  </p:clrMapOvr>
-  <p:timing>
-    <p:tnLst>
-      <p:par>
-        <p:cTn id="1" dur="indefinite" restart="never" nodeType="tmRoot"/>
-      </p:par>
-    </p:tnLst>
-  </p:timing>
-</p:sld>
-</file>
-
-<file path=ppt/slides/slide3.xml><?xml version="1.0" encoding="utf-8"?>
-<p:sld xmlns:a="http://schemas.openxmlformats.org/drawingml/2006/main" xmlns:r="http://schemas.openxmlformats.org/officeDocument/2006/relationships" xmlns:p="http://schemas.openxmlformats.org/presentationml/2006/main">
-  <p:cSld>
-    <p:spTree>
-      <p:nvGrpSpPr>
-        <p:cNvPr id="1" name=""/>
-        <p:cNvGrpSpPr/>
-        <p:nvPr/>
-      </p:nvGrpSpPr>
-      <p:grpSpPr>
-        <a:xfrm>
-          <a:off x="0" y="0"/>
-          <a:ext cx="0" cy="0"/>
-          <a:chOff x="0" y="0"/>
-          <a:chExt cx="0" cy="0"/>
-        </a:xfrm>
-      </p:grpSpPr>
-      <p:sp>
-        <p:nvSpPr>
-          <p:cNvPr id="2" name="TextBox 1"/>
-          <p:cNvSpPr txBox="1"/>
-          <p:nvPr/>
-        </p:nvSpPr>
-        <p:spPr>
-          <a:xfrm>
-            <a:off x="0" y="196193"/>
-            <a:ext cx="7650812" cy="646331"/>
-          </a:xfrm>
-          <a:prstGeom prst="rect">
-            <a:avLst/>
-          </a:prstGeom>
-          <a:noFill/>
-        </p:spPr>
-        <p:txBody>
-          <a:bodyPr wrap="none" rtlCol="0">
-            <a:spAutoFit/>
-          </a:bodyPr>
-          <a:lstStyle/>
-          <a:p>
-            <a:r>
-              <a:rPr lang="en-US" b="1" dirty="0" smtClean="0"/>
-              <a:t>Connective Cognition Network for Directional Visual Commonsense Reasoning</a:t>
-            </a:r>
-          </a:p>
-          <a:p>
-            <a:endParaRPr lang="en-IN" b="1" dirty="0"/>
-          </a:p>
-        </p:txBody>
-      </p:sp>
-      <p:sp>
-        <p:nvSpPr>
-          <p:cNvPr id="3" name="TextBox 2"/>
-          <p:cNvSpPr txBox="1"/>
-          <p:nvPr/>
-        </p:nvSpPr>
-        <p:spPr>
-          <a:xfrm>
-            <a:off x="1" y="826814"/>
-            <a:ext cx="7672553" cy="646331"/>
-          </a:xfrm>
-          <a:prstGeom prst="rect">
-            <a:avLst/>
-          </a:prstGeom>
-          <a:noFill/>
-        </p:spPr>
-        <p:txBody>
-          <a:bodyPr wrap="square" rtlCol="0">
-            <a:spAutoFit/>
-          </a:bodyPr>
-          <a:lstStyle/>
-          <a:p>
-            <a:r>
-              <a:rPr lang="en-IN" dirty="0" smtClean="0">
-                <a:hlinkClick r:id="rId2"/>
-              </a:rPr>
-              <a:t>https://papers.nips.cc/paper/2019/file/8a56257ea05c74018291954fc56fc448-Paper.pdf</a:t>
-            </a:r>
-            <a:endParaRPr lang="en-IN" dirty="0"/>
-          </a:p>
-        </p:txBody>
-      </p:sp>
-      <p:pic>
-        <p:nvPicPr>
-          <p:cNvPr id="4" name="Picture 3" descr="Screenshot (133).png"/>
-          <p:cNvPicPr>
-            <a:picLocks noChangeAspect="1"/>
-          </p:cNvPicPr>
-          <p:nvPr/>
-        </p:nvPicPr>
-        <p:blipFill>
-          <a:blip r:embed="rId3"/>
-          <a:srcRect l="1379" t="34731" r="-1379" b="13954"/>
-          <a:stretch>
-            <a:fillRect/>
-          </a:stretch>
-        </p:blipFill>
-        <p:spPr>
-          <a:xfrm>
-            <a:off x="0" y="2550512"/>
-            <a:ext cx="9144000" cy="4106041"/>
-          </a:xfrm>
-          <a:prstGeom prst="rect">
-            <a:avLst/>
-          </a:prstGeom>
-        </p:spPr>
-      </p:pic>
-      <p:sp>
-        <p:nvSpPr>
-          <p:cNvPr id="5" name="Rectangle 4"/>
-          <p:cNvSpPr/>
-          <p:nvPr/>
-        </p:nvSpPr>
-        <p:spPr>
-          <a:xfrm>
-            <a:off x="0" y="1371600"/>
-            <a:ext cx="4090800" cy="369332"/>
-          </a:xfrm>
-          <a:prstGeom prst="rect">
-            <a:avLst/>
-          </a:prstGeom>
-        </p:spPr>
-        <p:txBody>
-          <a:bodyPr wrap="none">
-            <a:spAutoFit/>
-          </a:bodyPr>
-          <a:lstStyle/>
-          <a:p>
-            <a:r>
-              <a:rPr lang="en-US" dirty="0" smtClean="0">
-                <a:latin typeface="Times New Roman" panose="02020603050405020304" charset="0"/>
-                <a:cs typeface="Times New Roman" panose="02020603050405020304" charset="0"/>
-              </a:rPr>
-              <a:t>Dataset : Visual Commonsense Reasoning</a:t>
-            </a:r>
-            <a:endParaRPr lang="en-IN" dirty="0">
-              <a:latin typeface="Times New Roman" panose="02020603050405020304" charset="0"/>
-              <a:cs typeface="Times New Roman" panose="02020603050405020304" charset="0"/>
-            </a:endParaRPr>
-          </a:p>
-        </p:txBody>
-      </p:sp>
-      <p:sp>
-        <p:nvSpPr>
-          <p:cNvPr id="6" name="TextBox 5"/>
-          <p:cNvSpPr txBox="1"/>
-          <p:nvPr/>
-        </p:nvSpPr>
-        <p:spPr>
-          <a:xfrm>
-            <a:off x="1" y="1617592"/>
-            <a:ext cx="2227469" cy="923330"/>
-          </a:xfrm>
-          <a:prstGeom prst="rect">
-            <a:avLst/>
-          </a:prstGeom>
-          <a:noFill/>
-        </p:spPr>
-        <p:txBody>
-          <a:bodyPr wrap="none" rtlCol="0">
-            <a:spAutoFit/>
-          </a:bodyPr>
-          <a:lstStyle/>
-          <a:p>
-            <a:pPr>
-              <a:buFont typeface="Arial" pitchFamily="34" charset="0"/>
-              <a:buChar char="•"/>
-            </a:pPr>
-            <a:r>
-              <a:rPr lang="en-US" dirty="0"/>
-              <a:t> </a:t>
-            </a:r>
-            <a:r>
-              <a:rPr lang="en-US" dirty="0" smtClean="0"/>
-              <a:t>List </a:t>
-            </a:r>
-            <a:r>
-              <a:rPr lang="en-US" dirty="0"/>
-              <a:t>of objects</a:t>
-            </a:r>
-          </a:p>
-          <a:p>
-            <a:pPr>
-              <a:buFont typeface="Arial" pitchFamily="34" charset="0"/>
-              <a:buChar char="•"/>
-            </a:pPr>
-            <a:r>
-              <a:rPr lang="en-US" dirty="0"/>
-              <a:t> A query </a:t>
-            </a:r>
-          </a:p>
-          <a:p>
-            <a:pPr>
-              <a:buFont typeface="Arial" pitchFamily="34" charset="0"/>
-              <a:buChar char="•"/>
-            </a:pPr>
-            <a:r>
-              <a:rPr lang="en-US" dirty="0"/>
-              <a:t> A set of N responses</a:t>
-            </a:r>
-          </a:p>
-        </p:txBody>
-      </p:sp>
-    </p:spTree>
-  </p:cSld>
-  <p:clrMapOvr>
-    <a:masterClrMapping/>
-  </p:clrMapOvr>
-  <p:timing>
-    <p:tnLst>
-      <p:par>
-        <p:cTn id="1" dur="indefinite" restart="never" nodeType="tmRoot"/>
-      </p:par>
-    </p:tnLst>
-  </p:timing>
-</p:sld>
-</file>
-
-<file path=ppt/slides/slide4.xml><?xml version="1.0" encoding="utf-8"?>
-<p:sld xmlns:a="http://schemas.openxmlformats.org/drawingml/2006/main" xmlns:r="http://schemas.openxmlformats.org/officeDocument/2006/relationships" xmlns:p="http://schemas.openxmlformats.org/presentationml/2006/main">
-  <p:cSld>
-    <p:spTree>
-      <p:nvGrpSpPr>
-        <p:cNvPr id="1" name=""/>
-        <p:cNvGrpSpPr/>
-        <p:nvPr/>
-      </p:nvGrpSpPr>
-      <p:grpSpPr>
-        <a:xfrm>
-          <a:off x="0" y="0"/>
-          <a:ext cx="0" cy="0"/>
-          <a:chOff x="0" y="0"/>
-          <a:chExt cx="0" cy="0"/>
-        </a:xfrm>
-      </p:grpSpPr>
-      <p:pic>
-        <p:nvPicPr>
-          <p:cNvPr id="2" name="Picture 1" descr="Screenshot (134).png"/>
-          <p:cNvPicPr>
-            <a:picLocks noChangeAspect="1"/>
-          </p:cNvPicPr>
-          <p:nvPr/>
-        </p:nvPicPr>
-        <p:blipFill>
-          <a:blip r:embed="rId2"/>
-          <a:srcRect l="2874" t="22260" r="5977" b="17634"/>
-          <a:stretch>
-            <a:fillRect/>
-          </a:stretch>
-        </p:blipFill>
-        <p:spPr>
-          <a:xfrm>
-            <a:off x="0" y="462454"/>
-            <a:ext cx="8873342" cy="4988911"/>
-          </a:xfrm>
-          <a:prstGeom prst="rect">
-            <a:avLst/>
-          </a:prstGeom>
-        </p:spPr>
-      </p:pic>
-    </p:spTree>
-  </p:cSld>
-  <p:clrMapOvr>
-    <a:masterClrMapping/>
-  </p:clrMapOvr>
-  <p:timing>
-    <p:tnLst>
-      <p:par>
-        <p:cTn id="1" dur="indefinite" restart="never" nodeType="tmRoot"/>
-      </p:par>
-    </p:tnLst>
-  </p:timing>
-</p:sld>
-</file>
-
-<file path=ppt/slides/slide5.xml><?xml version="1.0" encoding="utf-8"?>
-<p:sld xmlns:a="http://schemas.openxmlformats.org/drawingml/2006/main" xmlns:r="http://schemas.openxmlformats.org/officeDocument/2006/relationships" xmlns:p="http://schemas.openxmlformats.org/presentationml/2006/main">
-  <p:cSld>
-    <p:spTree>
-      <p:nvGrpSpPr>
-        <p:cNvPr id="1" name=""/>
-        <p:cNvGrpSpPr/>
-        <p:nvPr/>
-      </p:nvGrpSpPr>
-      <p:grpSpPr>
-        <a:xfrm>
-          <a:off x="0" y="0"/>
-          <a:ext cx="0" cy="0"/>
-          <a:chOff x="0" y="0"/>
-          <a:chExt cx="0" cy="0"/>
-        </a:xfrm>
-      </p:grpSpPr>
-      <p:sp>
-        <p:nvSpPr>
-          <p:cNvPr id="2" name="TextBox 1"/>
-          <p:cNvSpPr txBox="1"/>
-          <p:nvPr/>
-        </p:nvSpPr>
-        <p:spPr>
-          <a:xfrm>
-            <a:off x="536029" y="770759"/>
-            <a:ext cx="7173374" cy="646331"/>
-          </a:xfrm>
-          <a:prstGeom prst="rect">
-            <a:avLst/>
-          </a:prstGeom>
-          <a:noFill/>
-        </p:spPr>
-        <p:txBody>
-          <a:bodyPr wrap="none" rtlCol="0">
-            <a:spAutoFit/>
-          </a:bodyPr>
-          <a:lstStyle/>
-          <a:p>
-            <a:r>
-              <a:rPr lang="en-US" b="1" dirty="0" err="1" smtClean="0"/>
-              <a:t>KagNet</a:t>
-            </a:r>
-            <a:r>
-              <a:rPr lang="en-US" b="1" dirty="0" smtClean="0"/>
-              <a:t>: Knowledge-Aware Graph Networks for Commonsense Reasoning</a:t>
-            </a:r>
-          </a:p>
-          <a:p>
-            <a:endParaRPr lang="en-IN" dirty="0"/>
-          </a:p>
-        </p:txBody>
-      </p:sp>
-      <p:sp>
-        <p:nvSpPr>
-          <p:cNvPr id="3" name="TextBox 2"/>
-          <p:cNvSpPr txBox="1"/>
-          <p:nvPr/>
-        </p:nvSpPr>
-        <p:spPr>
-          <a:xfrm>
-            <a:off x="714704" y="1471449"/>
-            <a:ext cx="3312702" cy="369332"/>
-          </a:xfrm>
-          <a:prstGeom prst="rect">
-            <a:avLst/>
-          </a:prstGeom>
-          <a:noFill/>
-        </p:spPr>
-        <p:txBody>
-          <a:bodyPr wrap="none" rtlCol="0">
-            <a:spAutoFit/>
-          </a:bodyPr>
-          <a:lstStyle/>
-          <a:p>
-            <a:r>
-              <a:rPr lang="en-IN" dirty="0" smtClean="0">
-                <a:hlinkClick r:id="rId2"/>
-              </a:rPr>
-              <a:t>https://arxiv.org/abs/1909.02151</a:t>
-            </a:r>
-            <a:endParaRPr lang="en-IN" dirty="0"/>
-          </a:p>
-        </p:txBody>
-      </p:sp>
-      <p:pic>
-        <p:nvPicPr>
-          <p:cNvPr id="5" name="Picture 4" descr="Screenshot (135).png"/>
-          <p:cNvPicPr>
-            <a:picLocks noChangeAspect="1"/>
-          </p:cNvPicPr>
-          <p:nvPr/>
-        </p:nvPicPr>
-        <p:blipFill>
-          <a:blip r:embed="rId3"/>
-          <a:srcRect l="49425" t="17762" r="6207" b="34194"/>
-          <a:stretch>
-            <a:fillRect/>
-          </a:stretch>
-        </p:blipFill>
-        <p:spPr>
-          <a:xfrm>
-            <a:off x="693773" y="1863836"/>
-            <a:ext cx="6316629" cy="4246179"/>
-          </a:xfrm>
-          <a:prstGeom prst="rect">
-            <a:avLst/>
-          </a:prstGeom>
-        </p:spPr>
-      </p:pic>
-    </p:spTree>
-  </p:cSld>
-  <p:clrMapOvr>
-    <a:masterClrMapping/>
-  </p:clrMapOvr>
-  <p:timing>
-    <p:tnLst>
-      <p:par>
-        <p:cTn id="1" dur="indefinite" restart="never" nodeType="tmRoot"/>
-      </p:par>
-    </p:tnLst>
-  </p:timing>
-</p:sld>
-</file>
-
-<file path=ppt/slides/slide6.xml><?xml version="1.0" encoding="utf-8"?>
+<file path=ppt/slides/slide10.xml><?xml version="1.0" encoding="utf-8"?>
 <p:sld xmlns:a="http://schemas.openxmlformats.org/drawingml/2006/main" xmlns:r="http://schemas.openxmlformats.org/officeDocument/2006/relationships" xmlns:p="http://schemas.openxmlformats.org/presentationml/2006/main">
   <p:cSld>
     <p:spTree>
@@ -4461,7 +4074,7 @@
           <p:nvPr/>
         </p:nvPicPr>
         <p:blipFill>
-          <a:blip r:embed="rId2"/>
+          <a:blip r:embed="rId1"/>
           <a:srcRect l="14713" t="24304" r="15402" b="24381"/>
           <a:stretch>
             <a:fillRect/>
@@ -4477,6 +4090,1453 @@
           </a:prstGeom>
         </p:spPr>
       </p:pic>
+    </p:spTree>
+  </p:cSld>
+  <p:clrMapOvr>
+    <a:masterClrMapping/>
+  </p:clrMapOvr>
+  <p:timing>
+    <p:tnLst>
+      <p:par>
+        <p:cTn id="1" dur="indefinite" restart="never" nodeType="tmRoot"/>
+      </p:par>
+    </p:tnLst>
+  </p:timing>
+</p:sld>
+</file>
+
+<file path=ppt/slides/slide11.xml><?xml version="1.0" encoding="utf-8"?>
+<p:sld xmlns:a="http://schemas.openxmlformats.org/drawingml/2006/main" xmlns:r="http://schemas.openxmlformats.org/officeDocument/2006/relationships" xmlns:p="http://schemas.openxmlformats.org/presentationml/2006/main">
+  <p:cSld>
+    <p:spTree>
+      <p:nvGrpSpPr>
+        <p:cNvPr id="1" name=""/>
+        <p:cNvGrpSpPr/>
+        <p:nvPr/>
+      </p:nvGrpSpPr>
+      <p:grpSpPr>
+        <a:xfrm>
+          <a:off x="0" y="0"/>
+          <a:ext cx="0" cy="0"/>
+          <a:chOff x="0" y="0"/>
+          <a:chExt cx="0" cy="0"/>
+        </a:xfrm>
+      </p:grpSpPr>
+      <p:sp>
+        <p:nvSpPr>
+          <p:cNvPr id="2" name="TextBox 1"/>
+          <p:cNvSpPr txBox="1"/>
+          <p:nvPr/>
+        </p:nvSpPr>
+        <p:spPr>
+          <a:xfrm>
+            <a:off x="536028" y="756746"/>
+            <a:ext cx="5081456" cy="369332"/>
+          </a:xfrm>
+          <a:prstGeom prst="rect">
+            <a:avLst/>
+          </a:prstGeom>
+          <a:noFill/>
+        </p:spPr>
+        <p:txBody>
+          <a:bodyPr wrap="none" rtlCol="0">
+            <a:spAutoFit/>
+          </a:bodyPr>
+          <a:lstStyle/>
+          <a:p>
+            <a:r>
+              <a:rPr lang="en-US" b="1" dirty="0" smtClean="0"/>
+              <a:t>Boost Image Captioning with Knowledge Reasoning</a:t>
+            </a:r>
+            <a:endParaRPr lang="en-IN" b="1" dirty="0"/>
+          </a:p>
+        </p:txBody>
+      </p:sp>
+      <p:sp>
+        <p:nvSpPr>
+          <p:cNvPr id="4" name="TextBox 3"/>
+          <p:cNvSpPr txBox="1"/>
+          <p:nvPr/>
+        </p:nvSpPr>
+        <p:spPr>
+          <a:xfrm>
+            <a:off x="641132" y="1429408"/>
+            <a:ext cx="3681905" cy="369332"/>
+          </a:xfrm>
+          <a:prstGeom prst="rect">
+            <a:avLst/>
+          </a:prstGeom>
+          <a:noFill/>
+        </p:spPr>
+        <p:txBody>
+          <a:bodyPr wrap="none" rtlCol="0">
+            <a:spAutoFit/>
+          </a:bodyPr>
+          <a:lstStyle/>
+          <a:p>
+            <a:r>
+              <a:rPr lang="en-IN" dirty="0" smtClean="0">
+                <a:hlinkClick r:id="rId1"/>
+              </a:rPr>
+              <a:t>https://arxiv.org/pdf/2011.00927.pdf</a:t>
+            </a:r>
+            <a:endParaRPr lang="en-IN" dirty="0"/>
+          </a:p>
+        </p:txBody>
+      </p:sp>
+      <p:pic>
+        <p:nvPicPr>
+          <p:cNvPr id="5" name="Picture 4" descr="Screenshot (137).png"/>
+          <p:cNvPicPr>
+            <a:picLocks noChangeAspect="1"/>
+          </p:cNvPicPr>
+          <p:nvPr/>
+        </p:nvPicPr>
+        <p:blipFill>
+          <a:blip r:embed="rId2"/>
+          <a:srcRect l="20115" t="32277" r="18506" b="17225"/>
+          <a:stretch>
+            <a:fillRect/>
+          </a:stretch>
+        </p:blipFill>
+        <p:spPr>
+          <a:xfrm>
+            <a:off x="1177157" y="2144108"/>
+            <a:ext cx="6243146" cy="3965905"/>
+          </a:xfrm>
+          <a:prstGeom prst="rect">
+            <a:avLst/>
+          </a:prstGeom>
+        </p:spPr>
+      </p:pic>
+    </p:spTree>
+  </p:cSld>
+  <p:clrMapOvr>
+    <a:masterClrMapping/>
+  </p:clrMapOvr>
+  <p:timing>
+    <p:tnLst>
+      <p:par>
+        <p:cTn id="1" dur="indefinite" restart="never" nodeType="tmRoot"/>
+      </p:par>
+    </p:tnLst>
+  </p:timing>
+</p:sld>
+</file>
+
+<file path=ppt/slides/slide12.xml><?xml version="1.0" encoding="utf-8"?>
+<p:sld xmlns:a="http://schemas.openxmlformats.org/drawingml/2006/main" xmlns:r="http://schemas.openxmlformats.org/officeDocument/2006/relationships" xmlns:p="http://schemas.openxmlformats.org/presentationml/2006/main">
+  <p:cSld>
+    <p:spTree>
+      <p:nvGrpSpPr>
+        <p:cNvPr id="1" name=""/>
+        <p:cNvGrpSpPr/>
+        <p:nvPr/>
+      </p:nvGrpSpPr>
+      <p:grpSpPr>
+        <a:xfrm>
+          <a:off x="0" y="0"/>
+          <a:ext cx="0" cy="0"/>
+          <a:chOff x="0" y="0"/>
+          <a:chExt cx="0" cy="0"/>
+        </a:xfrm>
+      </p:grpSpPr>
+      <p:pic>
+        <p:nvPicPr>
+          <p:cNvPr id="2" name="Picture 1" descr="Screenshot (138).png"/>
+          <p:cNvPicPr>
+            <a:picLocks noChangeAspect="1"/>
+          </p:cNvPicPr>
+          <p:nvPr/>
+        </p:nvPicPr>
+        <p:blipFill>
+          <a:blip r:embed="rId1"/>
+          <a:srcRect l="7701" t="19193" r="6782" b="12727"/>
+          <a:stretch>
+            <a:fillRect/>
+          </a:stretch>
+        </p:blipFill>
+        <p:spPr>
+          <a:xfrm>
+            <a:off x="1" y="910897"/>
+            <a:ext cx="8735519" cy="5213132"/>
+          </a:xfrm>
+          <a:prstGeom prst="rect">
+            <a:avLst/>
+          </a:prstGeom>
+        </p:spPr>
+      </p:pic>
+    </p:spTree>
+  </p:cSld>
+  <p:clrMapOvr>
+    <a:masterClrMapping/>
+  </p:clrMapOvr>
+  <p:timing>
+    <p:tnLst>
+      <p:par>
+        <p:cTn id="1" dur="indefinite" restart="never" nodeType="tmRoot"/>
+      </p:par>
+    </p:tnLst>
+  </p:timing>
+</p:sld>
+</file>
+
+<file path=ppt/slides/slide13.xml><?xml version="1.0" encoding="utf-8"?>
+<p:sld xmlns:a="http://schemas.openxmlformats.org/drawingml/2006/main" xmlns:r="http://schemas.openxmlformats.org/officeDocument/2006/relationships" xmlns:p="http://schemas.openxmlformats.org/presentationml/2006/main">
+  <p:cSld>
+    <p:spTree>
+      <p:nvGrpSpPr>
+        <p:cNvPr id="1" name=""/>
+        <p:cNvGrpSpPr/>
+        <p:nvPr/>
+      </p:nvGrpSpPr>
+      <p:grpSpPr>
+        <a:xfrm>
+          <a:off x="0" y="0"/>
+          <a:ext cx="0" cy="0"/>
+          <a:chOff x="0" y="0"/>
+          <a:chExt cx="0" cy="0"/>
+        </a:xfrm>
+      </p:grpSpPr>
+      <p:sp>
+        <p:nvSpPr>
+          <p:cNvPr id="2" name="TextBox 1"/>
+          <p:cNvSpPr txBox="1"/>
+          <p:nvPr/>
+        </p:nvSpPr>
+        <p:spPr>
+          <a:xfrm>
+            <a:off x="651642" y="546538"/>
+            <a:ext cx="3668111" cy="369332"/>
+          </a:xfrm>
+          <a:prstGeom prst="rect">
+            <a:avLst/>
+          </a:prstGeom>
+          <a:noFill/>
+        </p:spPr>
+        <p:txBody>
+          <a:bodyPr wrap="square" rtlCol="0">
+            <a:spAutoFit/>
+          </a:bodyPr>
+          <a:lstStyle/>
+          <a:p>
+            <a:r>
+              <a:rPr lang="en-US" b="1" dirty="0" smtClean="0"/>
+              <a:t>Proposed Methodology</a:t>
+            </a:r>
+            <a:endParaRPr lang="en-IN" b="1" dirty="0"/>
+          </a:p>
+        </p:txBody>
+      </p:sp>
+      <p:sp>
+        <p:nvSpPr>
+          <p:cNvPr id="5" name="Flowchart: Data 4"/>
+          <p:cNvSpPr/>
+          <p:nvPr/>
+        </p:nvSpPr>
+        <p:spPr>
+          <a:xfrm>
+            <a:off x="1" y="2032001"/>
+            <a:ext cx="1198179" cy="602593"/>
+          </a:xfrm>
+          <a:prstGeom prst="flowChartInputOutput">
+            <a:avLst/>
+          </a:prstGeom>
+          <a:solidFill>
+            <a:schemeClr val="bg1"/>
+          </a:solidFill>
+          <a:ln>
+            <a:solidFill>
+              <a:schemeClr val="tx1"/>
+            </a:solidFill>
+          </a:ln>
+        </p:spPr>
+        <p:style>
+          <a:lnRef idx="2">
+            <a:schemeClr val="accent1">
+              <a:shade val="50000"/>
+            </a:schemeClr>
+          </a:lnRef>
+          <a:fillRef idx="1">
+            <a:schemeClr val="accent1"/>
+          </a:fillRef>
+          <a:effectRef idx="0">
+            <a:schemeClr val="accent1"/>
+          </a:effectRef>
+          <a:fontRef idx="minor">
+            <a:schemeClr val="lt1"/>
+          </a:fontRef>
+        </p:style>
+        <p:txBody>
+          <a:bodyPr rtlCol="0" anchor="ctr"/>
+          <a:lstStyle/>
+          <a:p>
+            <a:pPr algn="ctr"/>
+            <a:r>
+              <a:rPr lang="en-US" sz="1200" dirty="0" smtClean="0">
+                <a:solidFill>
+                  <a:schemeClr val="tx1"/>
+                </a:solidFill>
+              </a:rPr>
+              <a:t>IMAGE</a:t>
+            </a:r>
+            <a:endParaRPr lang="en-IN" sz="1200" dirty="0">
+              <a:solidFill>
+                <a:schemeClr val="tx1"/>
+              </a:solidFill>
+            </a:endParaRPr>
+          </a:p>
+        </p:txBody>
+      </p:sp>
+      <p:sp>
+        <p:nvSpPr>
+          <p:cNvPr id="6" name="Flowchart: Data 5"/>
+          <p:cNvSpPr/>
+          <p:nvPr/>
+        </p:nvSpPr>
+        <p:spPr>
+          <a:xfrm>
+            <a:off x="1" y="3005958"/>
+            <a:ext cx="1198179" cy="602593"/>
+          </a:xfrm>
+          <a:prstGeom prst="flowChartInputOutput">
+            <a:avLst/>
+          </a:prstGeom>
+          <a:solidFill>
+            <a:schemeClr val="bg1"/>
+          </a:solidFill>
+          <a:ln>
+            <a:solidFill>
+              <a:schemeClr val="tx1"/>
+            </a:solidFill>
+          </a:ln>
+        </p:spPr>
+        <p:style>
+          <a:lnRef idx="2">
+            <a:schemeClr val="accent1">
+              <a:shade val="50000"/>
+            </a:schemeClr>
+          </a:lnRef>
+          <a:fillRef idx="1">
+            <a:schemeClr val="accent1"/>
+          </a:fillRef>
+          <a:effectRef idx="0">
+            <a:schemeClr val="accent1"/>
+          </a:effectRef>
+          <a:fontRef idx="minor">
+            <a:schemeClr val="lt1"/>
+          </a:fontRef>
+        </p:style>
+        <p:txBody>
+          <a:bodyPr rtlCol="0" anchor="ctr"/>
+          <a:lstStyle/>
+          <a:p>
+            <a:pPr algn="ctr"/>
+            <a:r>
+              <a:rPr lang="en-US" sz="1200" dirty="0" smtClean="0">
+                <a:solidFill>
+                  <a:schemeClr val="tx1"/>
+                </a:solidFill>
+              </a:rPr>
+              <a:t>TEXT</a:t>
+            </a:r>
+            <a:endParaRPr lang="en-IN" sz="1200" dirty="0">
+              <a:solidFill>
+                <a:schemeClr val="tx1"/>
+              </a:solidFill>
+            </a:endParaRPr>
+          </a:p>
+        </p:txBody>
+      </p:sp>
+      <p:sp>
+        <p:nvSpPr>
+          <p:cNvPr id="7" name="Flowchart: Data 6"/>
+          <p:cNvSpPr/>
+          <p:nvPr/>
+        </p:nvSpPr>
+        <p:spPr>
+          <a:xfrm>
+            <a:off x="1" y="4028965"/>
+            <a:ext cx="1198179" cy="602593"/>
+          </a:xfrm>
+          <a:prstGeom prst="flowChartInputOutput">
+            <a:avLst/>
+          </a:prstGeom>
+          <a:solidFill>
+            <a:schemeClr val="bg1"/>
+          </a:solidFill>
+          <a:ln>
+            <a:solidFill>
+              <a:schemeClr val="tx1"/>
+            </a:solidFill>
+          </a:ln>
+        </p:spPr>
+        <p:style>
+          <a:lnRef idx="2">
+            <a:schemeClr val="accent1">
+              <a:shade val="50000"/>
+            </a:schemeClr>
+          </a:lnRef>
+          <a:fillRef idx="1">
+            <a:schemeClr val="accent1"/>
+          </a:fillRef>
+          <a:effectRef idx="0">
+            <a:schemeClr val="accent1"/>
+          </a:effectRef>
+          <a:fontRef idx="minor">
+            <a:schemeClr val="lt1"/>
+          </a:fontRef>
+        </p:style>
+        <p:txBody>
+          <a:bodyPr rtlCol="0" anchor="ctr"/>
+          <a:lstStyle/>
+          <a:p>
+            <a:pPr algn="ctr"/>
+            <a:r>
+              <a:rPr lang="en-US" sz="1200" dirty="0" smtClean="0">
+                <a:solidFill>
+                  <a:schemeClr val="tx1"/>
+                </a:solidFill>
+              </a:rPr>
+              <a:t>LABEL</a:t>
+            </a:r>
+            <a:endParaRPr lang="en-IN" sz="1200" dirty="0">
+              <a:solidFill>
+                <a:schemeClr val="tx1"/>
+              </a:solidFill>
+            </a:endParaRPr>
+          </a:p>
+        </p:txBody>
+      </p:sp>
+      <p:sp>
+        <p:nvSpPr>
+          <p:cNvPr id="8" name="Rectangle 7"/>
+          <p:cNvSpPr/>
+          <p:nvPr/>
+        </p:nvSpPr>
+        <p:spPr>
+          <a:xfrm>
+            <a:off x="1639614" y="2130098"/>
+            <a:ext cx="1786759" cy="1387365"/>
+          </a:xfrm>
+          <a:prstGeom prst="rect">
+            <a:avLst/>
+          </a:prstGeom>
+          <a:solidFill>
+            <a:schemeClr val="bg1"/>
+          </a:solidFill>
+        </p:spPr>
+        <p:style>
+          <a:lnRef idx="2">
+            <a:schemeClr val="accent1">
+              <a:shade val="50000"/>
+            </a:schemeClr>
+          </a:lnRef>
+          <a:fillRef idx="1">
+            <a:schemeClr val="accent1"/>
+          </a:fillRef>
+          <a:effectRef idx="0">
+            <a:schemeClr val="accent1"/>
+          </a:effectRef>
+          <a:fontRef idx="minor">
+            <a:schemeClr val="lt1"/>
+          </a:fontRef>
+        </p:style>
+        <p:txBody>
+          <a:bodyPr rtlCol="0" anchor="ctr"/>
+          <a:lstStyle/>
+          <a:p>
+            <a:pPr algn="ctr"/>
+            <a:r>
+              <a:rPr lang="en-US" sz="1200" dirty="0" smtClean="0">
+                <a:solidFill>
+                  <a:schemeClr val="tx1"/>
+                </a:solidFill>
+              </a:rPr>
+              <a:t>CONTEXTUALIZED CONNECTIVITY</a:t>
+            </a:r>
+            <a:endParaRPr lang="en-IN" sz="1200" dirty="0">
+              <a:solidFill>
+                <a:schemeClr val="tx1"/>
+              </a:solidFill>
+            </a:endParaRPr>
+          </a:p>
+        </p:txBody>
+      </p:sp>
+      <p:sp>
+        <p:nvSpPr>
+          <p:cNvPr id="9" name="Rectangle 8"/>
+          <p:cNvSpPr/>
+          <p:nvPr/>
+        </p:nvSpPr>
+        <p:spPr>
+          <a:xfrm>
+            <a:off x="3894084" y="3370317"/>
+            <a:ext cx="1718442" cy="1422400"/>
+          </a:xfrm>
+          <a:prstGeom prst="rect">
+            <a:avLst/>
+          </a:prstGeom>
+          <a:solidFill>
+            <a:schemeClr val="bg1"/>
+          </a:solidFill>
+        </p:spPr>
+        <p:style>
+          <a:lnRef idx="2">
+            <a:schemeClr val="accent1">
+              <a:shade val="50000"/>
+            </a:schemeClr>
+          </a:lnRef>
+          <a:fillRef idx="1">
+            <a:schemeClr val="accent1"/>
+          </a:fillRef>
+          <a:effectRef idx="0">
+            <a:schemeClr val="accent1"/>
+          </a:effectRef>
+          <a:fontRef idx="minor">
+            <a:schemeClr val="lt1"/>
+          </a:fontRef>
+        </p:style>
+        <p:txBody>
+          <a:bodyPr rtlCol="0" anchor="ctr"/>
+          <a:lstStyle/>
+          <a:p>
+            <a:pPr algn="ctr"/>
+            <a:r>
+              <a:rPr lang="en-US" sz="1200" dirty="0" smtClean="0">
+                <a:solidFill>
+                  <a:schemeClr val="tx1"/>
+                </a:solidFill>
+              </a:rPr>
+              <a:t>REASONING</a:t>
+            </a:r>
+            <a:endParaRPr lang="en-IN" sz="1200" dirty="0">
+              <a:solidFill>
+                <a:schemeClr val="tx1"/>
+              </a:solidFill>
+            </a:endParaRPr>
+          </a:p>
+        </p:txBody>
+      </p:sp>
+      <p:sp>
+        <p:nvSpPr>
+          <p:cNvPr id="10" name="Rectangle 9"/>
+          <p:cNvSpPr/>
+          <p:nvPr/>
+        </p:nvSpPr>
+        <p:spPr>
+          <a:xfrm>
+            <a:off x="5859519" y="3524470"/>
+            <a:ext cx="1776249" cy="1086067"/>
+          </a:xfrm>
+          <a:prstGeom prst="rect">
+            <a:avLst/>
+          </a:prstGeom>
+          <a:solidFill>
+            <a:schemeClr val="bg1"/>
+          </a:solidFill>
+        </p:spPr>
+        <p:style>
+          <a:lnRef idx="2">
+            <a:schemeClr val="accent1">
+              <a:shade val="50000"/>
+            </a:schemeClr>
+          </a:lnRef>
+          <a:fillRef idx="1">
+            <a:schemeClr val="accent1"/>
+          </a:fillRef>
+          <a:effectRef idx="0">
+            <a:schemeClr val="accent1"/>
+          </a:effectRef>
+          <a:fontRef idx="minor">
+            <a:schemeClr val="lt1"/>
+          </a:fontRef>
+        </p:style>
+        <p:txBody>
+          <a:bodyPr rtlCol="0" anchor="ctr"/>
+          <a:lstStyle/>
+          <a:p>
+            <a:pPr algn="ctr"/>
+            <a:r>
+              <a:rPr lang="en-US" sz="1200" dirty="0" smtClean="0">
+                <a:solidFill>
+                  <a:schemeClr val="tx1"/>
+                </a:solidFill>
+              </a:rPr>
+              <a:t>LANGUAGE GENERATION </a:t>
+            </a:r>
+            <a:endParaRPr lang="en-IN" sz="1200" dirty="0">
+              <a:solidFill>
+                <a:schemeClr val="tx1"/>
+              </a:solidFill>
+            </a:endParaRPr>
+          </a:p>
+        </p:txBody>
+      </p:sp>
+      <p:sp>
+        <p:nvSpPr>
+          <p:cNvPr id="11" name="Flowchart: Data 10"/>
+          <p:cNvSpPr/>
+          <p:nvPr/>
+        </p:nvSpPr>
+        <p:spPr>
+          <a:xfrm>
+            <a:off x="7746124" y="3755697"/>
+            <a:ext cx="1397876" cy="609599"/>
+          </a:xfrm>
+          <a:prstGeom prst="flowChartInputOutput">
+            <a:avLst/>
+          </a:prstGeom>
+          <a:solidFill>
+            <a:schemeClr val="bg1"/>
+          </a:solidFill>
+          <a:ln>
+            <a:solidFill>
+              <a:schemeClr val="tx1"/>
+            </a:solidFill>
+          </a:ln>
+        </p:spPr>
+        <p:style>
+          <a:lnRef idx="2">
+            <a:schemeClr val="accent1">
+              <a:shade val="50000"/>
+            </a:schemeClr>
+          </a:lnRef>
+          <a:fillRef idx="1">
+            <a:schemeClr val="accent1"/>
+          </a:fillRef>
+          <a:effectRef idx="0">
+            <a:schemeClr val="accent1"/>
+          </a:effectRef>
+          <a:fontRef idx="minor">
+            <a:schemeClr val="lt1"/>
+          </a:fontRef>
+        </p:style>
+        <p:txBody>
+          <a:bodyPr rtlCol="0" anchor="ctr"/>
+          <a:lstStyle/>
+          <a:p>
+            <a:pPr algn="ctr"/>
+            <a:r>
+              <a:rPr lang="en-US" sz="1200" dirty="0" smtClean="0">
+                <a:solidFill>
+                  <a:schemeClr val="tx1"/>
+                </a:solidFill>
+              </a:rPr>
+              <a:t>REASON</a:t>
+            </a:r>
+            <a:endParaRPr lang="en-IN" sz="1200" dirty="0">
+              <a:solidFill>
+                <a:schemeClr val="tx1"/>
+              </a:solidFill>
+            </a:endParaRPr>
+          </a:p>
+        </p:txBody>
+      </p:sp>
+      <p:cxnSp>
+        <p:nvCxnSpPr>
+          <p:cNvPr id="13" name="Straight Arrow Connector 12"/>
+          <p:cNvCxnSpPr>
+            <a:stCxn id="5" idx="5"/>
+          </p:cNvCxnSpPr>
+          <p:nvPr/>
+        </p:nvCxnSpPr>
+        <p:spPr>
+          <a:xfrm>
+            <a:off x="1078362" y="2333298"/>
+            <a:ext cx="561253" cy="7007"/>
+          </a:xfrm>
+          <a:prstGeom prst="straightConnector1">
+            <a:avLst/>
+          </a:prstGeom>
+          <a:ln>
+            <a:tailEnd type="arrow"/>
+          </a:ln>
+        </p:spPr>
+        <p:style>
+          <a:lnRef idx="1">
+            <a:schemeClr val="accent1"/>
+          </a:lnRef>
+          <a:fillRef idx="0">
+            <a:schemeClr val="accent1"/>
+          </a:fillRef>
+          <a:effectRef idx="0">
+            <a:schemeClr val="accent1"/>
+          </a:effectRef>
+          <a:fontRef idx="minor">
+            <a:schemeClr val="tx1"/>
+          </a:fontRef>
+        </p:style>
+      </p:cxnSp>
+      <p:cxnSp>
+        <p:nvCxnSpPr>
+          <p:cNvPr id="15" name="Straight Arrow Connector 14"/>
+          <p:cNvCxnSpPr>
+            <a:stCxn id="6" idx="5"/>
+          </p:cNvCxnSpPr>
+          <p:nvPr/>
+        </p:nvCxnSpPr>
+        <p:spPr>
+          <a:xfrm flipV="1">
+            <a:off x="1078362" y="3293242"/>
+            <a:ext cx="561253" cy="14013"/>
+          </a:xfrm>
+          <a:prstGeom prst="straightConnector1">
+            <a:avLst/>
+          </a:prstGeom>
+          <a:ln>
+            <a:tailEnd type="arrow"/>
+          </a:ln>
+        </p:spPr>
+        <p:style>
+          <a:lnRef idx="1">
+            <a:schemeClr val="accent1"/>
+          </a:lnRef>
+          <a:fillRef idx="0">
+            <a:schemeClr val="accent1"/>
+          </a:fillRef>
+          <a:effectRef idx="0">
+            <a:schemeClr val="accent1"/>
+          </a:effectRef>
+          <a:fontRef idx="minor">
+            <a:schemeClr val="tx1"/>
+          </a:fontRef>
+        </p:style>
+      </p:cxnSp>
+      <p:cxnSp>
+        <p:nvCxnSpPr>
+          <p:cNvPr id="19" name="Shape 18"/>
+          <p:cNvCxnSpPr>
+            <a:stCxn id="8" idx="3"/>
+            <a:endCxn id="9" idx="1"/>
+          </p:cNvCxnSpPr>
+          <p:nvPr/>
+        </p:nvCxnSpPr>
+        <p:spPr>
+          <a:xfrm>
+            <a:off x="3426372" y="2823781"/>
+            <a:ext cx="467712" cy="1257737"/>
+          </a:xfrm>
+          <a:prstGeom prst="bentConnector3">
+            <a:avLst>
+              <a:gd name="adj1" fmla="val 50000"/>
+            </a:avLst>
+          </a:prstGeom>
+          <a:ln>
+            <a:tailEnd type="arrow"/>
+          </a:ln>
+        </p:spPr>
+        <p:style>
+          <a:lnRef idx="1">
+            <a:schemeClr val="accent1"/>
+          </a:lnRef>
+          <a:fillRef idx="0">
+            <a:schemeClr val="accent1"/>
+          </a:fillRef>
+          <a:effectRef idx="0">
+            <a:schemeClr val="accent1"/>
+          </a:effectRef>
+          <a:fontRef idx="minor">
+            <a:schemeClr val="tx1"/>
+          </a:fontRef>
+        </p:style>
+      </p:cxnSp>
+      <p:cxnSp>
+        <p:nvCxnSpPr>
+          <p:cNvPr id="22" name="Straight Arrow Connector 21"/>
+          <p:cNvCxnSpPr>
+            <a:stCxn id="7" idx="5"/>
+          </p:cNvCxnSpPr>
+          <p:nvPr/>
+        </p:nvCxnSpPr>
+        <p:spPr>
+          <a:xfrm>
+            <a:off x="1078362" y="4330262"/>
+            <a:ext cx="2810467" cy="14015"/>
+          </a:xfrm>
+          <a:prstGeom prst="straightConnector1">
+            <a:avLst/>
+          </a:prstGeom>
+          <a:ln>
+            <a:tailEnd type="arrow"/>
+          </a:ln>
+        </p:spPr>
+        <p:style>
+          <a:lnRef idx="1">
+            <a:schemeClr val="accent1"/>
+          </a:lnRef>
+          <a:fillRef idx="0">
+            <a:schemeClr val="accent1"/>
+          </a:fillRef>
+          <a:effectRef idx="0">
+            <a:schemeClr val="accent1"/>
+          </a:effectRef>
+          <a:fontRef idx="minor">
+            <a:schemeClr val="tx1"/>
+          </a:fontRef>
+        </p:style>
+      </p:cxnSp>
+      <p:cxnSp>
+        <p:nvCxnSpPr>
+          <p:cNvPr id="26" name="Straight Arrow Connector 25"/>
+          <p:cNvCxnSpPr>
+            <a:stCxn id="9" idx="3"/>
+            <a:endCxn id="10" idx="1"/>
+          </p:cNvCxnSpPr>
+          <p:nvPr/>
+        </p:nvCxnSpPr>
+        <p:spPr>
+          <a:xfrm flipV="1">
+            <a:off x="5612526" y="4067504"/>
+            <a:ext cx="246992" cy="14013"/>
+          </a:xfrm>
+          <a:prstGeom prst="straightConnector1">
+            <a:avLst/>
+          </a:prstGeom>
+          <a:ln>
+            <a:tailEnd type="arrow"/>
+          </a:ln>
+        </p:spPr>
+        <p:style>
+          <a:lnRef idx="1">
+            <a:schemeClr val="accent1"/>
+          </a:lnRef>
+          <a:fillRef idx="0">
+            <a:schemeClr val="accent1"/>
+          </a:fillRef>
+          <a:effectRef idx="0">
+            <a:schemeClr val="accent1"/>
+          </a:effectRef>
+          <a:fontRef idx="minor">
+            <a:schemeClr val="tx1"/>
+          </a:fontRef>
+        </p:style>
+      </p:cxnSp>
+      <p:cxnSp>
+        <p:nvCxnSpPr>
+          <p:cNvPr id="30" name="Straight Arrow Connector 29"/>
+          <p:cNvCxnSpPr>
+            <a:stCxn id="10" idx="3"/>
+            <a:endCxn id="11" idx="2"/>
+          </p:cNvCxnSpPr>
+          <p:nvPr/>
+        </p:nvCxnSpPr>
+        <p:spPr>
+          <a:xfrm flipV="1">
+            <a:off x="7635768" y="4060496"/>
+            <a:ext cx="250145" cy="7008"/>
+          </a:xfrm>
+          <a:prstGeom prst="straightConnector1">
+            <a:avLst/>
+          </a:prstGeom>
+          <a:ln>
+            <a:tailEnd type="arrow"/>
+          </a:ln>
+        </p:spPr>
+        <p:style>
+          <a:lnRef idx="1">
+            <a:schemeClr val="accent1"/>
+          </a:lnRef>
+          <a:fillRef idx="0">
+            <a:schemeClr val="accent1"/>
+          </a:fillRef>
+          <a:effectRef idx="0">
+            <a:schemeClr val="accent1"/>
+          </a:effectRef>
+          <a:fontRef idx="minor">
+            <a:schemeClr val="tx1"/>
+          </a:fontRef>
+        </p:style>
+      </p:cxnSp>
+    </p:spTree>
+  </p:cSld>
+  <p:clrMapOvr>
+    <a:masterClrMapping/>
+  </p:clrMapOvr>
+  <p:timing>
+    <p:tnLst>
+      <p:par>
+        <p:cTn id="1" dur="indefinite" restart="never" nodeType="tmRoot"/>
+      </p:par>
+    </p:tnLst>
+  </p:timing>
+</p:sld>
+</file>
+
+<file path=ppt/slides/slide2.xml><?xml version="1.0" encoding="utf-8"?>
+<p:sld xmlns:a="http://schemas.openxmlformats.org/drawingml/2006/main" xmlns:r="http://schemas.openxmlformats.org/officeDocument/2006/relationships" xmlns:p="http://schemas.openxmlformats.org/presentationml/2006/main">
+  <p:cSld>
+    <p:spTree>
+      <p:nvGrpSpPr>
+        <p:cNvPr id="1" name=""/>
+        <p:cNvGrpSpPr/>
+        <p:nvPr/>
+      </p:nvGrpSpPr>
+      <p:grpSpPr/>
+      <p:sp>
+        <p:nvSpPr>
+          <p:cNvPr id="2" name="Title 1"/>
+          <p:cNvSpPr>
+            <a:spLocks noGrp="1"/>
+          </p:cNvSpPr>
+          <p:nvPr>
+            <p:ph type="title"/>
+          </p:nvPr>
+        </p:nvSpPr>
+        <p:spPr>
+          <a:xfrm>
+            <a:off x="547370" y="836295"/>
+            <a:ext cx="7714615" cy="1162050"/>
+          </a:xfrm>
+        </p:spPr>
+        <p:txBody>
+          <a:bodyPr>
+            <a:normAutofit fontScale="90000"/>
+          </a:bodyPr>
+          <a:p>
+            <a:br>
+              <a:rPr lang="en-IN" altLang="en-US" b="1">
+                <a:latin typeface="Georgia" panose="02040502050405020303" charset="0"/>
+                <a:cs typeface="Georgia" panose="02040502050405020303" charset="0"/>
+                <a:sym typeface="+mn-ea"/>
+              </a:rPr>
+            </a:br>
+            <a:br>
+              <a:rPr lang="en-IN" altLang="en-US" b="1">
+                <a:latin typeface="Georgia" panose="02040502050405020303" charset="0"/>
+                <a:cs typeface="Georgia" panose="02040502050405020303" charset="0"/>
+                <a:sym typeface="+mn-ea"/>
+              </a:rPr>
+            </a:br>
+            <a:br>
+              <a:rPr lang="en-IN" altLang="en-US" b="1">
+                <a:latin typeface="Georgia" panose="02040502050405020303" charset="0"/>
+                <a:cs typeface="Georgia" panose="02040502050405020303" charset="0"/>
+                <a:sym typeface="+mn-ea"/>
+              </a:rPr>
+            </a:br>
+            <a:br>
+              <a:rPr lang="en-IN" altLang="en-US" b="1">
+                <a:latin typeface="Georgia" panose="02040502050405020303" charset="0"/>
+                <a:cs typeface="Georgia" panose="02040502050405020303" charset="0"/>
+                <a:sym typeface="+mn-ea"/>
+              </a:rPr>
+            </a:br>
+            <a:br>
+              <a:rPr lang="en-IN" altLang="en-US" b="1">
+                <a:latin typeface="Georgia" panose="02040502050405020303" charset="0"/>
+                <a:cs typeface="Georgia" panose="02040502050405020303" charset="0"/>
+                <a:sym typeface="+mn-ea"/>
+              </a:rPr>
+            </a:br>
+            <a:br>
+              <a:rPr lang="en-IN" altLang="en-US" b="1">
+                <a:latin typeface="Georgia" panose="02040502050405020303" charset="0"/>
+                <a:cs typeface="Georgia" panose="02040502050405020303" charset="0"/>
+                <a:sym typeface="+mn-ea"/>
+              </a:rPr>
+            </a:br>
+            <a:br>
+              <a:rPr lang="en-IN" altLang="en-US" b="1">
+                <a:latin typeface="Georgia" panose="02040502050405020303" charset="0"/>
+                <a:cs typeface="Georgia" panose="02040502050405020303" charset="0"/>
+                <a:sym typeface="+mn-ea"/>
+              </a:rPr>
+            </a:br>
+            <a:r>
+              <a:rPr lang="en-IN" altLang="en-US" sz="4400" b="1">
+                <a:latin typeface="Georgia" panose="02040502050405020303" charset="0"/>
+                <a:cs typeface="Georgia" panose="02040502050405020303" charset="0"/>
+                <a:sym typeface="+mn-ea"/>
+              </a:rPr>
+              <a:t>Hate speech categories </a:t>
+            </a:r>
+            <a:br>
+              <a:rPr lang="en-IN" altLang="en-US" b="1">
+                <a:latin typeface="Georgia" panose="02040502050405020303" charset="0"/>
+                <a:cs typeface="Georgia" panose="02040502050405020303" charset="0"/>
+                <a:sym typeface="+mn-ea"/>
+              </a:rPr>
+            </a:br>
+            <a:endParaRPr lang="en-US"/>
+          </a:p>
+        </p:txBody>
+      </p:sp>
+      <p:sp>
+        <p:nvSpPr>
+          <p:cNvPr id="3" name="Text Placeholder 2"/>
+          <p:cNvSpPr>
+            <a:spLocks noGrp="1"/>
+          </p:cNvSpPr>
+          <p:nvPr>
+            <p:ph type="body" sz="half" idx="2"/>
+          </p:nvPr>
+        </p:nvSpPr>
+        <p:spPr>
+          <a:xfrm>
+            <a:off x="457200" y="2259965"/>
+            <a:ext cx="4213860" cy="1121410"/>
+          </a:xfrm>
+        </p:spPr>
+        <p:txBody>
+          <a:bodyPr/>
+          <a:p>
+            <a:pPr marL="342900" indent="-342900">
+              <a:buFont typeface="Arial" panose="020B0604020202020204" pitchFamily="34" charset="0"/>
+              <a:buChar char="•"/>
+            </a:pPr>
+            <a:r>
+              <a:rPr lang="en-IN" altLang="en-US" sz="1600">
+                <a:latin typeface="Georgia" panose="02040502050405020303" charset="0"/>
+                <a:cs typeface="Georgia" panose="02040502050405020303" charset="0"/>
+                <a:sym typeface="+mn-ea"/>
+              </a:rPr>
+              <a:t>These are the 9 categories that can be </a:t>
+            </a:r>
+            <a:endParaRPr lang="en-IN" altLang="en-US" sz="1600">
+              <a:latin typeface="Georgia" panose="02040502050405020303" charset="0"/>
+              <a:cs typeface="Georgia" panose="02040502050405020303" charset="0"/>
+            </a:endParaRPr>
+          </a:p>
+          <a:p>
+            <a:pPr marL="114300" indent="0">
+              <a:buNone/>
+            </a:pPr>
+            <a:r>
+              <a:rPr lang="en-IN" altLang="en-US" sz="1600">
+                <a:latin typeface="Georgia" panose="02040502050405020303" charset="0"/>
+                <a:cs typeface="Georgia" panose="02040502050405020303" charset="0"/>
+                <a:sym typeface="+mn-ea"/>
+              </a:rPr>
+              <a:t>considered for hate meme classification</a:t>
+            </a:r>
+            <a:r>
+              <a:rPr lang="en-IN" altLang="en-US">
+                <a:sym typeface="+mn-ea"/>
+              </a:rPr>
+              <a:t> </a:t>
+            </a:r>
+            <a:endParaRPr lang="en-IN" altLang="en-US">
+              <a:sym typeface="+mn-ea"/>
+            </a:endParaRPr>
+          </a:p>
+          <a:p>
+            <a:pPr marL="114300" indent="0">
+              <a:buNone/>
+            </a:pPr>
+            <a:endParaRPr lang="en-IN" altLang="en-US"/>
+          </a:p>
+          <a:p>
+            <a:endParaRPr lang="en-US"/>
+          </a:p>
+        </p:txBody>
+      </p:sp>
+      <p:pic>
+        <p:nvPicPr>
+          <p:cNvPr id="4" name="Content Placeholder 3"/>
+          <p:cNvPicPr>
+            <a:picLocks noChangeAspect="1"/>
+          </p:cNvPicPr>
+          <p:nvPr>
+            <p:ph idx="1"/>
+          </p:nvPr>
+        </p:nvPicPr>
+        <p:blipFill>
+          <a:blip r:embed="rId1"/>
+          <a:stretch>
+            <a:fillRect/>
+          </a:stretch>
+        </p:blipFill>
+        <p:spPr>
+          <a:xfrm>
+            <a:off x="5307330" y="2259965"/>
+            <a:ext cx="2672715" cy="3501390"/>
+          </a:xfrm>
+          <a:prstGeom prst="rect">
+            <a:avLst/>
+          </a:prstGeom>
+        </p:spPr>
+      </p:pic>
+    </p:spTree>
+  </p:cSld>
+  <p:clrMapOvr>
+    <a:masterClrMapping/>
+  </p:clrMapOvr>
+</p:sld>
+</file>
+
+<file path=ppt/slides/slide3.xml><?xml version="1.0" encoding="utf-8"?>
+<p:sld xmlns:a="http://schemas.openxmlformats.org/drawingml/2006/main" xmlns:r="http://schemas.openxmlformats.org/officeDocument/2006/relationships" xmlns:p="http://schemas.openxmlformats.org/presentationml/2006/main">
+  <p:cSld>
+    <p:spTree>
+      <p:nvGrpSpPr>
+        <p:cNvPr id="1" name=""/>
+        <p:cNvGrpSpPr/>
+        <p:nvPr/>
+      </p:nvGrpSpPr>
+      <p:grpSpPr/>
+      <p:sp>
+        <p:nvSpPr>
+          <p:cNvPr id="2" name="Title 1"/>
+          <p:cNvSpPr>
+            <a:spLocks noGrp="1"/>
+          </p:cNvSpPr>
+          <p:nvPr>
+            <p:ph type="title"/>
+          </p:nvPr>
+        </p:nvSpPr>
+        <p:spPr>
+          <a:xfrm>
+            <a:off x="684530" y="648494"/>
+            <a:ext cx="7886700" cy="703898"/>
+          </a:xfrm>
+        </p:spPr>
+        <p:txBody>
+          <a:bodyPr/>
+          <a:p>
+            <a:pPr algn="ctr"/>
+            <a:r>
+              <a:rPr lang="en-US" sz="1800" b="1">
+                <a:latin typeface="Georgia" panose="02040502050405020303" charset="0"/>
+                <a:cs typeface="Georgia" panose="02040502050405020303" charset="0"/>
+              </a:rPr>
+              <a:t>SEMEVAL-2020 TASK 8: MEMOTION ANALYSIS- THE</a:t>
+            </a:r>
+            <a:br>
+              <a:rPr lang="en-US" sz="1800" b="1">
+                <a:latin typeface="Georgia" panose="02040502050405020303" charset="0"/>
+                <a:cs typeface="Georgia" panose="02040502050405020303" charset="0"/>
+              </a:rPr>
+            </a:br>
+            <a:r>
+              <a:rPr lang="en-US" sz="1800" b="1">
+                <a:latin typeface="Georgia" panose="02040502050405020303" charset="0"/>
+                <a:cs typeface="Georgia" panose="02040502050405020303" charset="0"/>
+              </a:rPr>
+              <a:t>VISUO-LINGUAL METAPHOR!</a:t>
+            </a:r>
+            <a:endParaRPr lang="en-US" sz="1800" b="1">
+              <a:latin typeface="Georgia" panose="02040502050405020303" charset="0"/>
+              <a:cs typeface="Georgia" panose="02040502050405020303" charset="0"/>
+            </a:endParaRPr>
+          </a:p>
+        </p:txBody>
+      </p:sp>
+      <p:sp>
+        <p:nvSpPr>
+          <p:cNvPr id="3" name="Content Placeholder 2"/>
+          <p:cNvSpPr>
+            <a:spLocks noGrp="1"/>
+          </p:cNvSpPr>
+          <p:nvPr>
+            <p:ph sz="half" idx="1"/>
+          </p:nvPr>
+        </p:nvSpPr>
+        <p:spPr>
+          <a:xfrm>
+            <a:off x="684530" y="1553051"/>
+            <a:ext cx="5737384" cy="952500"/>
+          </a:xfrm>
+        </p:spPr>
+        <p:txBody>
+          <a:bodyPr>
+            <a:normAutofit/>
+          </a:bodyPr>
+          <a:p>
+            <a:r>
+              <a:rPr lang="en-US" sz="1200"/>
+              <a:t>Task A- Sentiment Classification</a:t>
+            </a:r>
+            <a:endParaRPr lang="en-US" sz="1200"/>
+          </a:p>
+          <a:p>
+            <a:r>
+              <a:rPr lang="en-US" sz="1200"/>
+              <a:t>Task B- </a:t>
+            </a:r>
+            <a:r>
+              <a:rPr lang="en-IN" altLang="en-US" sz="1200"/>
+              <a:t>Overall Emotion</a:t>
+            </a:r>
+            <a:endParaRPr lang="en-US" sz="1200"/>
+          </a:p>
+          <a:p>
+            <a:r>
+              <a:rPr lang="en-US" sz="1200"/>
+              <a:t> Task C- Scales of Semantic Classes</a:t>
+            </a:r>
+            <a:endParaRPr lang="en-US" sz="1200"/>
+          </a:p>
+          <a:p>
+            <a:endParaRPr lang="en-US" sz="1200"/>
+          </a:p>
+        </p:txBody>
+      </p:sp>
+      <p:pic>
+        <p:nvPicPr>
+          <p:cNvPr id="4" name="Content Placeholder 3"/>
+          <p:cNvPicPr>
+            <a:picLocks noChangeAspect="1"/>
+          </p:cNvPicPr>
+          <p:nvPr>
+            <p:ph sz="half" idx="2"/>
+          </p:nvPr>
+        </p:nvPicPr>
+        <p:blipFill>
+          <a:blip r:embed="rId1"/>
+          <a:stretch>
+            <a:fillRect/>
+          </a:stretch>
+        </p:blipFill>
+        <p:spPr>
+          <a:xfrm>
+            <a:off x="332740" y="2572385"/>
+            <a:ext cx="8430895" cy="4065270"/>
+          </a:xfrm>
+          <a:prstGeom prst="rect">
+            <a:avLst/>
+          </a:prstGeom>
+        </p:spPr>
+      </p:pic>
+    </p:spTree>
+  </p:cSld>
+  <p:clrMapOvr>
+    <a:masterClrMapping/>
+  </p:clrMapOvr>
+</p:sld>
+</file>
+
+<file path=ppt/slides/slide4.xml><?xml version="1.0" encoding="utf-8"?>
+<p:sld xmlns:a="http://schemas.openxmlformats.org/drawingml/2006/main" xmlns:r="http://schemas.openxmlformats.org/officeDocument/2006/relationships" xmlns:p="http://schemas.openxmlformats.org/presentationml/2006/main">
+  <p:cSld>
+    <p:spTree>
+      <p:nvGrpSpPr>
+        <p:cNvPr id="1" name=""/>
+        <p:cNvGrpSpPr/>
+        <p:nvPr/>
+      </p:nvGrpSpPr>
+      <p:grpSpPr/>
+      <p:sp>
+        <p:nvSpPr>
+          <p:cNvPr id="2" name="Title 1"/>
+          <p:cNvSpPr>
+            <a:spLocks noGrp="1"/>
+          </p:cNvSpPr>
+          <p:nvPr>
+            <p:ph type="title"/>
+          </p:nvPr>
+        </p:nvSpPr>
+        <p:spPr>
+          <a:xfrm>
+            <a:off x="683419" y="4680109"/>
+            <a:ext cx="7886700" cy="994172"/>
+          </a:xfrm>
+        </p:spPr>
+        <p:txBody>
+          <a:bodyPr>
+            <a:noAutofit/>
+          </a:bodyPr>
+          <a:p>
+            <a:pPr algn="l"/>
+            <a:r>
+              <a:rPr lang="en-US" sz="1600"/>
+              <a:t> </a:t>
+            </a:r>
+            <a:r>
+              <a:rPr lang="en-US" sz="1600">
+                <a:latin typeface="Georgia" panose="02040502050405020303" charset="0"/>
+                <a:cs typeface="Georgia" panose="02040502050405020303" charset="0"/>
+              </a:rPr>
+              <a:t>A Multi-level system for the task of emotion intensity prediction (1×14 dimensional), using the emotion class multi-label output (1×4 dimensional).</a:t>
+            </a:r>
+            <a:endParaRPr lang="en-US" sz="1600">
+              <a:latin typeface="Georgia" panose="02040502050405020303" charset="0"/>
+              <a:cs typeface="Georgia" panose="02040502050405020303" charset="0"/>
+            </a:endParaRPr>
+          </a:p>
+        </p:txBody>
+      </p:sp>
+      <p:pic>
+        <p:nvPicPr>
+          <p:cNvPr id="4" name="Content Placeholder 3"/>
+          <p:cNvPicPr>
+            <a:picLocks noChangeAspect="1"/>
+          </p:cNvPicPr>
+          <p:nvPr>
+            <p:ph idx="1"/>
+          </p:nvPr>
+        </p:nvPicPr>
+        <p:blipFill>
+          <a:blip r:embed="rId1"/>
+          <a:stretch>
+            <a:fillRect/>
+          </a:stretch>
+        </p:blipFill>
+        <p:spPr>
+          <a:xfrm>
+            <a:off x="683419" y="1171893"/>
+            <a:ext cx="7777163" cy="3219450"/>
+          </a:xfrm>
+          <a:prstGeom prst="rect">
+            <a:avLst/>
+          </a:prstGeom>
+        </p:spPr>
+      </p:pic>
+    </p:spTree>
+  </p:cSld>
+  <p:clrMapOvr>
+    <a:masterClrMapping/>
+  </p:clrMapOvr>
+</p:sld>
+</file>
+
+<file path=ppt/slides/slide5.xml><?xml version="1.0" encoding="utf-8"?>
+<p:sld xmlns:a="http://schemas.openxmlformats.org/drawingml/2006/main" xmlns:r="http://schemas.openxmlformats.org/officeDocument/2006/relationships" xmlns:p="http://schemas.openxmlformats.org/presentationml/2006/main">
+  <p:cSld>
+    <p:spTree>
+      <p:nvGrpSpPr>
+        <p:cNvPr id="1" name=""/>
+        <p:cNvGrpSpPr/>
+        <p:nvPr/>
+      </p:nvGrpSpPr>
+      <p:grpSpPr/>
+      <p:sp>
+        <p:nvSpPr>
+          <p:cNvPr id="2" name="Title 1"/>
+          <p:cNvSpPr>
+            <a:spLocks noGrp="1"/>
+          </p:cNvSpPr>
+          <p:nvPr>
+            <p:ph type="title"/>
+          </p:nvPr>
+        </p:nvSpPr>
+        <p:spPr/>
+        <p:txBody>
+          <a:bodyPr>
+            <a:normAutofit fontScale="90000"/>
+          </a:bodyPr>
+          <a:p>
+            <a:r>
+              <a:rPr lang="en-IN" altLang="en-US" b="1">
+                <a:latin typeface="Georgia" panose="02040502050405020303" charset="0"/>
+                <a:cs typeface="Georgia" panose="02040502050405020303" charset="0"/>
+                <a:sym typeface="+mn-ea"/>
+              </a:rPr>
+              <a:t>References</a:t>
+            </a:r>
+            <a:br>
+              <a:rPr lang="en-IN" altLang="en-US" b="1">
+                <a:latin typeface="Georgia" panose="02040502050405020303" charset="0"/>
+                <a:cs typeface="Georgia" panose="02040502050405020303" charset="0"/>
+              </a:rPr>
+            </a:br>
+            <a:endParaRPr lang="en-US"/>
+          </a:p>
+        </p:txBody>
+      </p:sp>
+      <p:sp>
+        <p:nvSpPr>
+          <p:cNvPr id="3" name="Content Placeholder 2"/>
+          <p:cNvSpPr>
+            <a:spLocks noGrp="1"/>
+          </p:cNvSpPr>
+          <p:nvPr>
+            <p:ph idx="1"/>
+          </p:nvPr>
+        </p:nvSpPr>
+        <p:spPr/>
+        <p:txBody>
+          <a:bodyPr/>
+          <a:p>
+            <a:r>
+              <a:rPr lang="en-US" sz="1800" dirty="0">
+                <a:sym typeface="+mn-ea"/>
+              </a:rPr>
+              <a:t>https://arxiv.org/pdf/2005.04790.pdf</a:t>
+            </a:r>
+            <a:endParaRPr lang="en-US" sz="1800" dirty="0">
+              <a:sym typeface="+mn-ea"/>
+            </a:endParaRPr>
+          </a:p>
+          <a:p>
+            <a:r>
+              <a:rPr lang="en-US" sz="1800" dirty="0">
+                <a:sym typeface="+mn-ea"/>
+              </a:rPr>
+              <a:t>https://arxiv.org/pdf/2008.03781.pdf</a:t>
+            </a:r>
+            <a:endParaRPr lang="en-US" sz="1800" dirty="0">
+              <a:sym typeface="+mn-ea"/>
+            </a:endParaRPr>
+          </a:p>
+          <a:p>
+            <a:endParaRPr lang="en-US" sz="1800" dirty="0">
+              <a:sym typeface="+mn-ea"/>
+            </a:endParaRPr>
+          </a:p>
+        </p:txBody>
+      </p:sp>
+    </p:spTree>
+  </p:cSld>
+  <p:clrMapOvr>
+    <a:masterClrMapping/>
+  </p:clrMapOvr>
+</p:sld>
+</file>
+
+<file path=ppt/slides/slide6.xml><?xml version="1.0" encoding="utf-8"?>
+<p:sld xmlns:a="http://schemas.openxmlformats.org/drawingml/2006/main" xmlns:r="http://schemas.openxmlformats.org/officeDocument/2006/relationships" xmlns:p="http://schemas.openxmlformats.org/presentationml/2006/main">
+  <p:cSld>
+    <p:spTree>
+      <p:nvGrpSpPr>
+        <p:cNvPr id="1" name=""/>
+        <p:cNvGrpSpPr/>
+        <p:nvPr/>
+      </p:nvGrpSpPr>
+      <p:grpSpPr>
+        <a:xfrm>
+          <a:off x="0" y="0"/>
+          <a:ext cx="0" cy="0"/>
+          <a:chOff x="0" y="0"/>
+          <a:chExt cx="0" cy="0"/>
+        </a:xfrm>
+      </p:grpSpPr>
+      <p:sp>
+        <p:nvSpPr>
+          <p:cNvPr id="2" name="Title 1"/>
+          <p:cNvSpPr>
+            <a:spLocks noGrp="1"/>
+          </p:cNvSpPr>
+          <p:nvPr>
+            <p:ph type="title"/>
+          </p:nvPr>
+        </p:nvSpPr>
+        <p:spPr>
+          <a:xfrm>
+            <a:off x="376177" y="2679881"/>
+            <a:ext cx="8520600" cy="1108400"/>
+          </a:xfrm>
+        </p:spPr>
+        <p:txBody>
+          <a:bodyPr/>
+          <a:lstStyle/>
+          <a:p>
+            <a:pPr algn="ctr"/>
+            <a:r>
+              <a:rPr lang="en-US" sz="2400" dirty="0">
+                <a:latin typeface="Times New Roman" panose="02020603050405020304" charset="0"/>
+                <a:cs typeface="Times New Roman" panose="02020603050405020304" charset="0"/>
+                <a:sym typeface="+mn-ea"/>
+              </a:rPr>
+              <a:t>Task 2  : Reasoning Of Meme Labelled Into Different Categories </a:t>
+            </a:r>
+            <a:endParaRPr lang="en-IN" sz="2400" dirty="0">
+              <a:latin typeface="Times New Roman" panose="02020603050405020304" charset="0"/>
+              <a:cs typeface="Times New Roman" panose="02020603050405020304" charset="0"/>
+            </a:endParaRPr>
+          </a:p>
+        </p:txBody>
+      </p:sp>
     </p:spTree>
   </p:cSld>
   <p:clrMapOvr>
@@ -4517,8 +5577,8 @@
         </p:nvSpPr>
         <p:spPr>
           <a:xfrm>
-            <a:off x="536028" y="756746"/>
-            <a:ext cx="5081456" cy="369332"/>
+            <a:off x="0" y="196193"/>
+            <a:ext cx="7650812" cy="646331"/>
           </a:xfrm>
           <a:prstGeom prst="rect">
             <a:avLst/>
@@ -4533,22 +5593,25 @@
           <a:p>
             <a:r>
               <a:rPr lang="en-US" b="1" dirty="0" smtClean="0"/>
-              <a:t>Boost Image Captioning with Knowledge Reasoning</a:t>
-            </a:r>
+              <a:t>Connective Cognition Network for Directional Visual Commonsense Reasoning</a:t>
+            </a:r>
+            <a:endParaRPr lang="en-US" b="1" dirty="0" smtClean="0"/>
+          </a:p>
+          <a:p>
             <a:endParaRPr lang="en-IN" b="1" dirty="0"/>
           </a:p>
         </p:txBody>
       </p:sp>
       <p:sp>
         <p:nvSpPr>
-          <p:cNvPr id="4" name="TextBox 3"/>
+          <p:cNvPr id="3" name="TextBox 2"/>
           <p:cNvSpPr txBox="1"/>
           <p:nvPr/>
         </p:nvSpPr>
         <p:spPr>
           <a:xfrm>
-            <a:off x="641132" y="1429408"/>
-            <a:ext cx="3681905" cy="369332"/>
+            <a:off x="1" y="826814"/>
+            <a:ext cx="7672553" cy="646331"/>
           </a:xfrm>
           <a:prstGeom prst="rect">
             <a:avLst/>
@@ -4556,16 +5619,16 @@
           <a:noFill/>
         </p:spPr>
         <p:txBody>
-          <a:bodyPr wrap="none" rtlCol="0">
+          <a:bodyPr wrap="square" rtlCol="0">
             <a:spAutoFit/>
           </a:bodyPr>
           <a:lstStyle/>
           <a:p>
             <a:r>
               <a:rPr lang="en-IN" dirty="0" smtClean="0">
-                <a:hlinkClick r:id="rId2"/>
+                <a:hlinkClick r:id="rId1"/>
               </a:rPr>
-              <a:t>https://arxiv.org/pdf/2011.00927.pdf</a:t>
+              <a:t>https://papers.nips.cc/paper/2019/file/8a56257ea05c74018291954fc56fc448-Paper.pdf</a:t>
             </a:r>
             <a:endParaRPr lang="en-IN" dirty="0"/>
           </a:p>
@@ -4573,29 +5636,128 @@
       </p:sp>
       <p:pic>
         <p:nvPicPr>
-          <p:cNvPr id="5" name="Picture 4" descr="Screenshot (137).png"/>
+          <p:cNvPr id="4" name="Picture 3" descr="Screenshot (133).png"/>
           <p:cNvPicPr>
             <a:picLocks noChangeAspect="1"/>
           </p:cNvPicPr>
           <p:nvPr/>
         </p:nvPicPr>
         <p:blipFill>
-          <a:blip r:embed="rId3"/>
-          <a:srcRect l="20115" t="32277" r="18506" b="17225"/>
+          <a:blip r:embed="rId2"/>
+          <a:srcRect l="1379" t="34731" r="-1379" b="13954"/>
           <a:stretch>
             <a:fillRect/>
           </a:stretch>
         </p:blipFill>
         <p:spPr>
           <a:xfrm>
-            <a:off x="1177157" y="2144108"/>
-            <a:ext cx="6243146" cy="3965905"/>
+            <a:off x="0" y="2550512"/>
+            <a:ext cx="9144000" cy="4106041"/>
           </a:xfrm>
           <a:prstGeom prst="rect">
             <a:avLst/>
           </a:prstGeom>
         </p:spPr>
       </p:pic>
+      <p:sp>
+        <p:nvSpPr>
+          <p:cNvPr id="5" name="Rectangle 4"/>
+          <p:cNvSpPr/>
+          <p:nvPr/>
+        </p:nvSpPr>
+        <p:spPr>
+          <a:xfrm>
+            <a:off x="0" y="1371600"/>
+            <a:ext cx="4090800" cy="369332"/>
+          </a:xfrm>
+          <a:prstGeom prst="rect">
+            <a:avLst/>
+          </a:prstGeom>
+        </p:spPr>
+        <p:txBody>
+          <a:bodyPr wrap="none">
+            <a:spAutoFit/>
+          </a:bodyPr>
+          <a:lstStyle/>
+          <a:p>
+            <a:r>
+              <a:rPr lang="en-US" dirty="0" smtClean="0">
+                <a:latin typeface="Times New Roman" panose="02020603050405020304" charset="0"/>
+                <a:cs typeface="Times New Roman" panose="02020603050405020304" charset="0"/>
+              </a:rPr>
+              <a:t>Dataset : Visual Commonsense Reasoning</a:t>
+            </a:r>
+            <a:endParaRPr lang="en-IN" dirty="0">
+              <a:latin typeface="Times New Roman" panose="02020603050405020304" charset="0"/>
+              <a:cs typeface="Times New Roman" panose="02020603050405020304" charset="0"/>
+            </a:endParaRPr>
+          </a:p>
+        </p:txBody>
+      </p:sp>
+      <p:sp>
+        <p:nvSpPr>
+          <p:cNvPr id="6" name="TextBox 5"/>
+          <p:cNvSpPr txBox="1"/>
+          <p:nvPr/>
+        </p:nvSpPr>
+        <p:spPr>
+          <a:xfrm>
+            <a:off x="1" y="1617592"/>
+            <a:ext cx="2227469" cy="923330"/>
+          </a:xfrm>
+          <a:prstGeom prst="rect">
+            <a:avLst/>
+          </a:prstGeom>
+          <a:noFill/>
+        </p:spPr>
+        <p:txBody>
+          <a:bodyPr wrap="none" rtlCol="0">
+            <a:spAutoFit/>
+          </a:bodyPr>
+          <a:lstStyle/>
+          <a:p>
+            <a:pPr>
+              <a:buFont typeface="Arial" panose="020B0604020202020204" pitchFamily="34" charset="0"/>
+              <a:buChar char="•"/>
+            </a:pPr>
+            <a:r>
+              <a:rPr lang="en-US" dirty="0"/>
+              <a:t> </a:t>
+            </a:r>
+            <a:r>
+              <a:rPr lang="en-US" dirty="0" smtClean="0"/>
+              <a:t>List </a:t>
+            </a:r>
+            <a:r>
+              <a:rPr lang="en-US" dirty="0"/>
+              <a:t>of objects</a:t>
+            </a:r>
+            <a:endParaRPr lang="en-US" dirty="0"/>
+          </a:p>
+          <a:p>
+            <a:pPr>
+              <a:buFont typeface="Arial" panose="020B0604020202020204" pitchFamily="34" charset="0"/>
+              <a:buChar char="•"/>
+            </a:pPr>
+            <a:r>
+              <a:rPr lang="en-US" dirty="0"/>
+              <a:t> A query </a:t>
+            </a:r>
+            <a:endParaRPr lang="en-US" dirty="0"/>
+          </a:p>
+          <a:p>
+            <a:pPr>
+              <a:buFont typeface="Arial" panose="020B0604020202020204" pitchFamily="34" charset="0"/>
+              <a:buChar char="•"/>
+            </a:pPr>
+            <a:r>
+              <a:rPr lang="en-US" dirty="0"/>
+              <a:t> A set of N responses</a:t>
+            </a:r>
+            <a:endParaRPr lang="en-US" dirty="0"/>
+          </a:p>
+        </p:txBody>
+      </p:sp>
     </p:spTree>
   </p:cSld>
   <p:clrMapOvr>
@@ -4630,23 +5792,23 @@
       </p:grpSpPr>
       <p:pic>
         <p:nvPicPr>
-          <p:cNvPr id="2" name="Picture 1" descr="Screenshot (138).png"/>
+          <p:cNvPr id="2" name="Picture 1" descr="Screenshot (134).png"/>
           <p:cNvPicPr>
             <a:picLocks noChangeAspect="1"/>
           </p:cNvPicPr>
           <p:nvPr/>
         </p:nvPicPr>
         <p:blipFill>
-          <a:blip r:embed="rId2"/>
-          <a:srcRect l="7701" t="19193" r="6782" b="12727"/>
+          <a:blip r:embed="rId1"/>
+          <a:srcRect l="2874" t="22260" r="5977" b="17634"/>
           <a:stretch>
             <a:fillRect/>
           </a:stretch>
         </p:blipFill>
         <p:spPr>
           <a:xfrm>
-            <a:off x="1" y="910897"/>
-            <a:ext cx="8735519" cy="5213132"/>
+            <a:off x="0" y="462454"/>
+            <a:ext cx="8873342" cy="4988911"/>
           </a:xfrm>
           <a:prstGeom prst="rect">
             <a:avLst/>
@@ -4693,8 +5855,8 @@
         </p:nvSpPr>
         <p:spPr>
           <a:xfrm>
-            <a:off x="651642" y="546538"/>
-            <a:ext cx="3668111" cy="369332"/>
+            <a:off x="536029" y="770759"/>
+            <a:ext cx="7173374" cy="646331"/>
           </a:xfrm>
           <a:prstGeom prst="rect">
             <a:avLst/>
@@ -4702,639 +5864,83 @@
           <a:noFill/>
         </p:spPr>
         <p:txBody>
-          <a:bodyPr wrap="square" rtlCol="0">
+          <a:bodyPr wrap="none" rtlCol="0">
             <a:spAutoFit/>
           </a:bodyPr>
           <a:lstStyle/>
           <a:p>
             <a:r>
+              <a:rPr lang="en-US" b="1" dirty="0" err="1" smtClean="0"/>
+              <a:t>KagNet</a:t>
+            </a:r>
+            <a:r>
               <a:rPr lang="en-US" b="1" dirty="0" smtClean="0"/>
-              <a:t>Proposed Methodology</a:t>
-            </a:r>
-            <a:endParaRPr lang="en-IN" b="1" dirty="0"/>
-          </a:p>
-        </p:txBody>
-      </p:sp>
-      <p:sp>
-        <p:nvSpPr>
-          <p:cNvPr id="5" name="Flowchart: Data 4"/>
-          <p:cNvSpPr/>
+              <a:t>: Knowledge-Aware Graph Networks for Commonsense Reasoning</a:t>
+            </a:r>
+            <a:endParaRPr lang="en-US" b="1" dirty="0" smtClean="0"/>
+          </a:p>
+          <a:p>
+            <a:endParaRPr lang="en-IN" dirty="0"/>
+          </a:p>
+        </p:txBody>
+      </p:sp>
+      <p:sp>
+        <p:nvSpPr>
+          <p:cNvPr id="3" name="TextBox 2"/>
+          <p:cNvSpPr txBox="1"/>
           <p:nvPr/>
         </p:nvSpPr>
         <p:spPr>
           <a:xfrm>
-            <a:off x="1" y="2032001"/>
-            <a:ext cx="1198179" cy="602593"/>
-          </a:xfrm>
-          <a:prstGeom prst="flowChartInputOutput">
-            <a:avLst/>
-          </a:prstGeom>
-          <a:solidFill>
-            <a:schemeClr val="bg1"/>
-          </a:solidFill>
-          <a:ln>
-            <a:solidFill>
-              <a:schemeClr val="tx1"/>
-            </a:solidFill>
-          </a:ln>
-        </p:spPr>
-        <p:style>
-          <a:lnRef idx="2">
-            <a:schemeClr val="accent1">
-              <a:shade val="50000"/>
-            </a:schemeClr>
-          </a:lnRef>
-          <a:fillRef idx="1">
-            <a:schemeClr val="accent1"/>
-          </a:fillRef>
-          <a:effectRef idx="0">
-            <a:schemeClr val="accent1"/>
-          </a:effectRef>
-          <a:fontRef idx="minor">
-            <a:schemeClr val="lt1"/>
-          </a:fontRef>
-        </p:style>
-        <p:txBody>
-          <a:bodyPr rtlCol="0" anchor="ctr"/>
-          <a:lstStyle/>
-          <a:p>
-            <a:pPr algn="ctr"/>
-            <a:r>
-              <a:rPr lang="en-US" sz="1200" dirty="0" smtClean="0">
-                <a:solidFill>
-                  <a:schemeClr val="tx1"/>
-                </a:solidFill>
-              </a:rPr>
-              <a:t>IMAGE</a:t>
-            </a:r>
-            <a:endParaRPr lang="en-IN" sz="1200" dirty="0">
-              <a:solidFill>
-                <a:schemeClr val="tx1"/>
-              </a:solidFill>
-            </a:endParaRPr>
-          </a:p>
-        </p:txBody>
-      </p:sp>
-      <p:sp>
-        <p:nvSpPr>
-          <p:cNvPr id="6" name="Flowchart: Data 5"/>
-          <p:cNvSpPr/>
-          <p:nvPr/>
-        </p:nvSpPr>
-        <p:spPr>
-          <a:xfrm>
-            <a:off x="1" y="3005958"/>
-            <a:ext cx="1198179" cy="602593"/>
-          </a:xfrm>
-          <a:prstGeom prst="flowChartInputOutput">
-            <a:avLst/>
-          </a:prstGeom>
-          <a:solidFill>
-            <a:schemeClr val="bg1"/>
-          </a:solidFill>
-          <a:ln>
-            <a:solidFill>
-              <a:schemeClr val="tx1"/>
-            </a:solidFill>
-          </a:ln>
-        </p:spPr>
-        <p:style>
-          <a:lnRef idx="2">
-            <a:schemeClr val="accent1">
-              <a:shade val="50000"/>
-            </a:schemeClr>
-          </a:lnRef>
-          <a:fillRef idx="1">
-            <a:schemeClr val="accent1"/>
-          </a:fillRef>
-          <a:effectRef idx="0">
-            <a:schemeClr val="accent1"/>
-          </a:effectRef>
-          <a:fontRef idx="minor">
-            <a:schemeClr val="lt1"/>
-          </a:fontRef>
-        </p:style>
-        <p:txBody>
-          <a:bodyPr rtlCol="0" anchor="ctr"/>
-          <a:lstStyle/>
-          <a:p>
-            <a:pPr algn="ctr"/>
-            <a:r>
-              <a:rPr lang="en-US" sz="1200" dirty="0" smtClean="0">
-                <a:solidFill>
-                  <a:schemeClr val="tx1"/>
-                </a:solidFill>
-              </a:rPr>
-              <a:t>TEXT</a:t>
-            </a:r>
-            <a:endParaRPr lang="en-IN" sz="1200" dirty="0">
-              <a:solidFill>
-                <a:schemeClr val="tx1"/>
-              </a:solidFill>
-            </a:endParaRPr>
-          </a:p>
-        </p:txBody>
-      </p:sp>
-      <p:sp>
-        <p:nvSpPr>
-          <p:cNvPr id="7" name="Flowchart: Data 6"/>
-          <p:cNvSpPr/>
-          <p:nvPr/>
-        </p:nvSpPr>
-        <p:spPr>
-          <a:xfrm>
-            <a:off x="1" y="4028965"/>
-            <a:ext cx="1198179" cy="602593"/>
-          </a:xfrm>
-          <a:prstGeom prst="flowChartInputOutput">
-            <a:avLst/>
-          </a:prstGeom>
-          <a:solidFill>
-            <a:schemeClr val="bg1"/>
-          </a:solidFill>
-          <a:ln>
-            <a:solidFill>
-              <a:schemeClr val="tx1"/>
-            </a:solidFill>
-          </a:ln>
-        </p:spPr>
-        <p:style>
-          <a:lnRef idx="2">
-            <a:schemeClr val="accent1">
-              <a:shade val="50000"/>
-            </a:schemeClr>
-          </a:lnRef>
-          <a:fillRef idx="1">
-            <a:schemeClr val="accent1"/>
-          </a:fillRef>
-          <a:effectRef idx="0">
-            <a:schemeClr val="accent1"/>
-          </a:effectRef>
-          <a:fontRef idx="minor">
-            <a:schemeClr val="lt1"/>
-          </a:fontRef>
-        </p:style>
-        <p:txBody>
-          <a:bodyPr rtlCol="0" anchor="ctr"/>
-          <a:lstStyle/>
-          <a:p>
-            <a:pPr algn="ctr"/>
-            <a:r>
-              <a:rPr lang="en-US" sz="1200" dirty="0" smtClean="0">
-                <a:solidFill>
-                  <a:schemeClr val="tx1"/>
-                </a:solidFill>
-              </a:rPr>
-              <a:t>LABEL</a:t>
-            </a:r>
-            <a:endParaRPr lang="en-IN" sz="1200" dirty="0">
-              <a:solidFill>
-                <a:schemeClr val="tx1"/>
-              </a:solidFill>
-            </a:endParaRPr>
-          </a:p>
-        </p:txBody>
-      </p:sp>
-      <p:sp>
-        <p:nvSpPr>
-          <p:cNvPr id="8" name="Rectangle 7"/>
-          <p:cNvSpPr/>
-          <p:nvPr/>
-        </p:nvSpPr>
-        <p:spPr>
-          <a:xfrm>
-            <a:off x="1639614" y="2130098"/>
-            <a:ext cx="1786759" cy="1387365"/>
+            <a:off x="714704" y="1471449"/>
+            <a:ext cx="3312702" cy="369332"/>
           </a:xfrm>
           <a:prstGeom prst="rect">
             <a:avLst/>
           </a:prstGeom>
-          <a:solidFill>
-            <a:schemeClr val="bg1"/>
-          </a:solidFill>
-        </p:spPr>
-        <p:style>
-          <a:lnRef idx="2">
-            <a:schemeClr val="accent1">
-              <a:shade val="50000"/>
-            </a:schemeClr>
-          </a:lnRef>
-          <a:fillRef idx="1">
-            <a:schemeClr val="accent1"/>
-          </a:fillRef>
-          <a:effectRef idx="0">
-            <a:schemeClr val="accent1"/>
-          </a:effectRef>
-          <a:fontRef idx="minor">
-            <a:schemeClr val="lt1"/>
-          </a:fontRef>
-        </p:style>
-        <p:txBody>
-          <a:bodyPr rtlCol="0" anchor="ctr"/>
-          <a:lstStyle/>
-          <a:p>
-            <a:pPr algn="ctr"/>
-            <a:r>
-              <a:rPr lang="en-US" sz="1200" dirty="0" smtClean="0">
-                <a:solidFill>
-                  <a:schemeClr val="tx1"/>
-                </a:solidFill>
+          <a:noFill/>
+        </p:spPr>
+        <p:txBody>
+          <a:bodyPr wrap="none" rtlCol="0">
+            <a:spAutoFit/>
+          </a:bodyPr>
+          <a:lstStyle/>
+          <a:p>
+            <a:r>
+              <a:rPr lang="en-IN" dirty="0" smtClean="0">
+                <a:hlinkClick r:id="rId1"/>
               </a:rPr>
-              <a:t>CONTEXTUALIZED CONNECTIVITY</a:t>
-            </a:r>
-            <a:endParaRPr lang="en-IN" sz="1200" dirty="0">
-              <a:solidFill>
-                <a:schemeClr val="tx1"/>
-              </a:solidFill>
-            </a:endParaRPr>
-          </a:p>
-        </p:txBody>
-      </p:sp>
-      <p:sp>
-        <p:nvSpPr>
-          <p:cNvPr id="9" name="Rectangle 8"/>
-          <p:cNvSpPr/>
+              <a:t>https://arxiv.org/abs/1909.02151</a:t>
+            </a:r>
+            <a:endParaRPr lang="en-IN" dirty="0"/>
+          </a:p>
+        </p:txBody>
+      </p:sp>
+      <p:pic>
+        <p:nvPicPr>
+          <p:cNvPr id="5" name="Picture 4" descr="Screenshot (135).png"/>
+          <p:cNvPicPr>
+            <a:picLocks noChangeAspect="1"/>
+          </p:cNvPicPr>
           <p:nvPr/>
-        </p:nvSpPr>
-        <p:spPr>
-          <a:xfrm>
-            <a:off x="3894084" y="3370317"/>
-            <a:ext cx="1718442" cy="1422400"/>
+        </p:nvPicPr>
+        <p:blipFill>
+          <a:blip r:embed="rId2"/>
+          <a:srcRect l="49425" t="17762" r="6207" b="34194"/>
+          <a:stretch>
+            <a:fillRect/>
+          </a:stretch>
+        </p:blipFill>
+        <p:spPr>
+          <a:xfrm>
+            <a:off x="693773" y="1863836"/>
+            <a:ext cx="6316629" cy="4246179"/>
           </a:xfrm>
           <a:prstGeom prst="rect">
             <a:avLst/>
           </a:prstGeom>
-          <a:solidFill>
-            <a:schemeClr val="bg1"/>
-          </a:solidFill>
-        </p:spPr>
-        <p:style>
-          <a:lnRef idx="2">
-            <a:schemeClr val="accent1">
-              <a:shade val="50000"/>
-            </a:schemeClr>
-          </a:lnRef>
-          <a:fillRef idx="1">
-            <a:schemeClr val="accent1"/>
-          </a:fillRef>
-          <a:effectRef idx="0">
-            <a:schemeClr val="accent1"/>
-          </a:effectRef>
-          <a:fontRef idx="minor">
-            <a:schemeClr val="lt1"/>
-          </a:fontRef>
-        </p:style>
-        <p:txBody>
-          <a:bodyPr rtlCol="0" anchor="ctr"/>
-          <a:lstStyle/>
-          <a:p>
-            <a:pPr algn="ctr"/>
-            <a:r>
-              <a:rPr lang="en-US" sz="1200" dirty="0" smtClean="0">
-                <a:solidFill>
-                  <a:schemeClr val="tx1"/>
-                </a:solidFill>
-              </a:rPr>
-              <a:t>REASONING</a:t>
-            </a:r>
-            <a:endParaRPr lang="en-IN" sz="1200" dirty="0">
-              <a:solidFill>
-                <a:schemeClr val="tx1"/>
-              </a:solidFill>
-            </a:endParaRPr>
-          </a:p>
-        </p:txBody>
-      </p:sp>
-      <p:sp>
-        <p:nvSpPr>
-          <p:cNvPr id="10" name="Rectangle 9"/>
-          <p:cNvSpPr/>
-          <p:nvPr/>
-        </p:nvSpPr>
-        <p:spPr>
-          <a:xfrm>
-            <a:off x="5859519" y="3524470"/>
-            <a:ext cx="1776249" cy="1086067"/>
-          </a:xfrm>
-          <a:prstGeom prst="rect">
-            <a:avLst/>
-          </a:prstGeom>
-          <a:solidFill>
-            <a:schemeClr val="bg1"/>
-          </a:solidFill>
-        </p:spPr>
-        <p:style>
-          <a:lnRef idx="2">
-            <a:schemeClr val="accent1">
-              <a:shade val="50000"/>
-            </a:schemeClr>
-          </a:lnRef>
-          <a:fillRef idx="1">
-            <a:schemeClr val="accent1"/>
-          </a:fillRef>
-          <a:effectRef idx="0">
-            <a:schemeClr val="accent1"/>
-          </a:effectRef>
-          <a:fontRef idx="minor">
-            <a:schemeClr val="lt1"/>
-          </a:fontRef>
-        </p:style>
-        <p:txBody>
-          <a:bodyPr rtlCol="0" anchor="ctr"/>
-          <a:lstStyle/>
-          <a:p>
-            <a:pPr algn="ctr"/>
-            <a:r>
-              <a:rPr lang="en-US" sz="1200" dirty="0" smtClean="0">
-                <a:solidFill>
-                  <a:schemeClr val="tx1"/>
-                </a:solidFill>
-              </a:rPr>
-              <a:t>LANGUAGE GENERATION </a:t>
-            </a:r>
-            <a:endParaRPr lang="en-IN" sz="1200" dirty="0">
-              <a:solidFill>
-                <a:schemeClr val="tx1"/>
-              </a:solidFill>
-            </a:endParaRPr>
-          </a:p>
-        </p:txBody>
-      </p:sp>
-      <p:sp>
-        <p:nvSpPr>
-          <p:cNvPr id="11" name="Flowchart: Data 10"/>
-          <p:cNvSpPr/>
-          <p:nvPr/>
-        </p:nvSpPr>
-        <p:spPr>
-          <a:xfrm>
-            <a:off x="7746124" y="3755697"/>
-            <a:ext cx="1397876" cy="609599"/>
-          </a:xfrm>
-          <a:prstGeom prst="flowChartInputOutput">
-            <a:avLst/>
-          </a:prstGeom>
-          <a:solidFill>
-            <a:schemeClr val="bg1"/>
-          </a:solidFill>
-          <a:ln>
-            <a:solidFill>
-              <a:schemeClr val="tx1"/>
-            </a:solidFill>
-          </a:ln>
-        </p:spPr>
-        <p:style>
-          <a:lnRef idx="2">
-            <a:schemeClr val="accent1">
-              <a:shade val="50000"/>
-            </a:schemeClr>
-          </a:lnRef>
-          <a:fillRef idx="1">
-            <a:schemeClr val="accent1"/>
-          </a:fillRef>
-          <a:effectRef idx="0">
-            <a:schemeClr val="accent1"/>
-          </a:effectRef>
-          <a:fontRef idx="minor">
-            <a:schemeClr val="lt1"/>
-          </a:fontRef>
-        </p:style>
-        <p:txBody>
-          <a:bodyPr rtlCol="0" anchor="ctr"/>
-          <a:lstStyle/>
-          <a:p>
-            <a:pPr algn="ctr"/>
-            <a:r>
-              <a:rPr lang="en-US" sz="1200" dirty="0" smtClean="0">
-                <a:solidFill>
-                  <a:schemeClr val="tx1"/>
-                </a:solidFill>
-              </a:rPr>
-              <a:t>REASON</a:t>
-            </a:r>
-            <a:endParaRPr lang="en-IN" sz="1200" dirty="0">
-              <a:solidFill>
-                <a:schemeClr val="tx1"/>
-              </a:solidFill>
-            </a:endParaRPr>
-          </a:p>
-        </p:txBody>
-      </p:sp>
-      <p:cxnSp>
-        <p:nvCxnSpPr>
-          <p:cNvPr id="13" name="Straight Arrow Connector 12"/>
-          <p:cNvCxnSpPr>
-            <a:stCxn id="5" idx="5"/>
-          </p:cNvCxnSpPr>
-          <p:nvPr/>
-        </p:nvCxnSpPr>
-        <p:spPr>
-          <a:xfrm>
-            <a:off x="1078362" y="2333298"/>
-            <a:ext cx="561253" cy="7007"/>
-          </a:xfrm>
-          <a:prstGeom prst="straightConnector1">
-            <a:avLst/>
-          </a:prstGeom>
-          <a:ln>
-            <a:tailEnd type="arrow"/>
-          </a:ln>
-        </p:spPr>
-        <p:style>
-          <a:lnRef idx="1">
-            <a:schemeClr val="accent1"/>
-          </a:lnRef>
-          <a:fillRef idx="0">
-            <a:schemeClr val="accent1"/>
-          </a:fillRef>
-          <a:effectRef idx="0">
-            <a:schemeClr val="accent1"/>
-          </a:effectRef>
-          <a:fontRef idx="minor">
-            <a:schemeClr val="tx1"/>
-          </a:fontRef>
-        </p:style>
-      </p:cxnSp>
-      <p:cxnSp>
-        <p:nvCxnSpPr>
-          <p:cNvPr id="15" name="Straight Arrow Connector 14"/>
-          <p:cNvCxnSpPr>
-            <a:stCxn id="6" idx="5"/>
-          </p:cNvCxnSpPr>
-          <p:nvPr/>
-        </p:nvCxnSpPr>
-        <p:spPr>
-          <a:xfrm flipV="1">
-            <a:off x="1078362" y="3293242"/>
-            <a:ext cx="561253" cy="14013"/>
-          </a:xfrm>
-          <a:prstGeom prst="straightConnector1">
-            <a:avLst/>
-          </a:prstGeom>
-          <a:ln>
-            <a:tailEnd type="arrow"/>
-          </a:ln>
-        </p:spPr>
-        <p:style>
-          <a:lnRef idx="1">
-            <a:schemeClr val="accent1"/>
-          </a:lnRef>
-          <a:fillRef idx="0">
-            <a:schemeClr val="accent1"/>
-          </a:fillRef>
-          <a:effectRef idx="0">
-            <a:schemeClr val="accent1"/>
-          </a:effectRef>
-          <a:fontRef idx="minor">
-            <a:schemeClr val="tx1"/>
-          </a:fontRef>
-        </p:style>
-      </p:cxnSp>
-      <p:cxnSp>
-        <p:nvCxnSpPr>
-          <p:cNvPr id="19" name="Shape 18"/>
-          <p:cNvCxnSpPr>
-            <a:stCxn id="8" idx="3"/>
-            <a:endCxn id="9" idx="1"/>
-          </p:cNvCxnSpPr>
-          <p:nvPr/>
-        </p:nvCxnSpPr>
-        <p:spPr>
-          <a:xfrm>
-            <a:off x="3426372" y="2823781"/>
-            <a:ext cx="467712" cy="1257737"/>
-          </a:xfrm>
-          <a:prstGeom prst="bentConnector3">
-            <a:avLst>
-              <a:gd name="adj1" fmla="val 50000"/>
-            </a:avLst>
-          </a:prstGeom>
-          <a:ln>
-            <a:tailEnd type="arrow"/>
-          </a:ln>
-        </p:spPr>
-        <p:style>
-          <a:lnRef idx="1">
-            <a:schemeClr val="accent1"/>
-          </a:lnRef>
-          <a:fillRef idx="0">
-            <a:schemeClr val="accent1"/>
-          </a:fillRef>
-          <a:effectRef idx="0">
-            <a:schemeClr val="accent1"/>
-          </a:effectRef>
-          <a:fontRef idx="minor">
-            <a:schemeClr val="tx1"/>
-          </a:fontRef>
-        </p:style>
-      </p:cxnSp>
-      <p:cxnSp>
-        <p:nvCxnSpPr>
-          <p:cNvPr id="22" name="Straight Arrow Connector 21"/>
-          <p:cNvCxnSpPr>
-            <a:stCxn id="7" idx="5"/>
-          </p:cNvCxnSpPr>
-          <p:nvPr/>
-        </p:nvCxnSpPr>
-        <p:spPr>
-          <a:xfrm>
-            <a:off x="1078362" y="4330262"/>
-            <a:ext cx="2810467" cy="14015"/>
-          </a:xfrm>
-          <a:prstGeom prst="straightConnector1">
-            <a:avLst/>
-          </a:prstGeom>
-          <a:ln>
-            <a:tailEnd type="arrow"/>
-          </a:ln>
-        </p:spPr>
-        <p:style>
-          <a:lnRef idx="1">
-            <a:schemeClr val="accent1"/>
-          </a:lnRef>
-          <a:fillRef idx="0">
-            <a:schemeClr val="accent1"/>
-          </a:fillRef>
-          <a:effectRef idx="0">
-            <a:schemeClr val="accent1"/>
-          </a:effectRef>
-          <a:fontRef idx="minor">
-            <a:schemeClr val="tx1"/>
-          </a:fontRef>
-        </p:style>
-      </p:cxnSp>
-      <p:cxnSp>
-        <p:nvCxnSpPr>
-          <p:cNvPr id="26" name="Straight Arrow Connector 25"/>
-          <p:cNvCxnSpPr>
-            <a:stCxn id="9" idx="3"/>
-            <a:endCxn id="10" idx="1"/>
-          </p:cNvCxnSpPr>
-          <p:nvPr/>
-        </p:nvCxnSpPr>
-        <p:spPr>
-          <a:xfrm flipV="1">
-            <a:off x="5612526" y="4067504"/>
-            <a:ext cx="246992" cy="14013"/>
-          </a:xfrm>
-          <a:prstGeom prst="straightConnector1">
-            <a:avLst/>
-          </a:prstGeom>
-          <a:ln>
-            <a:tailEnd type="arrow"/>
-          </a:ln>
-        </p:spPr>
-        <p:style>
-          <a:lnRef idx="1">
-            <a:schemeClr val="accent1"/>
-          </a:lnRef>
-          <a:fillRef idx="0">
-            <a:schemeClr val="accent1"/>
-          </a:fillRef>
-          <a:effectRef idx="0">
-            <a:schemeClr val="accent1"/>
-          </a:effectRef>
-          <a:fontRef idx="minor">
-            <a:schemeClr val="tx1"/>
-          </a:fontRef>
-        </p:style>
-      </p:cxnSp>
-      <p:cxnSp>
-        <p:nvCxnSpPr>
-          <p:cNvPr id="30" name="Straight Arrow Connector 29"/>
-          <p:cNvCxnSpPr>
-            <a:stCxn id="10" idx="3"/>
-            <a:endCxn id="11" idx="2"/>
-          </p:cNvCxnSpPr>
-          <p:nvPr/>
-        </p:nvCxnSpPr>
-        <p:spPr>
-          <a:xfrm flipV="1">
-            <a:off x="7635768" y="4060496"/>
-            <a:ext cx="250145" cy="7008"/>
-          </a:xfrm>
-          <a:prstGeom prst="straightConnector1">
-            <a:avLst/>
-          </a:prstGeom>
-          <a:ln>
-            <a:tailEnd type="arrow"/>
-          </a:ln>
-        </p:spPr>
-        <p:style>
-          <a:lnRef idx="1">
-            <a:schemeClr val="accent1"/>
-          </a:lnRef>
-          <a:fillRef idx="0">
-            <a:schemeClr val="accent1"/>
-          </a:fillRef>
-          <a:effectRef idx="0">
-            <a:schemeClr val="accent1"/>
-          </a:effectRef>
-          <a:fontRef idx="minor">
-            <a:schemeClr val="tx1"/>
-          </a:fontRef>
-        </p:style>
-      </p:cxnSp>
+        </p:spPr>
+      </p:pic>
     </p:spTree>
   </p:cSld>
   <p:clrMapOvr>
@@ -5628,8 +6234,11 @@
       </a:bgFillStyleLst>
     </a:fmtScheme>
   </a:themeElements>
-  <a:objectDefaults/>
-  <a:extraClrSchemeLst/>
+  <a:extLst>
+    <a:ext uri="{05A4C25C-085E-4340-85A3-A5531E510DB2}">
+      <thm15:themeFamily xmlns:thm15="http://schemas.microsoft.com/office/thememl/2012/main" name="Office Theme" id="{62F939B6-93AF-4DB8-9C6B-D6C7DFDC589F}" vid="{4A3C46E8-61CC-4603-A589-7422A47A8E4A}"/>
+    </a:ext>
+  </a:extLst>
 </a:theme>
 </file>
 
@@ -5911,7 +6520,10 @@
       </a:bgFillStyleLst>
     </a:fmtScheme>
   </a:themeElements>
-  <a:objectDefaults/>
-  <a:extraClrSchemeLst/>
+  <a:extLst>
+    <a:ext uri="{05A4C25C-085E-4340-85A3-A5531E510DB2}">
+      <thm15:themeFamily xmlns:thm15="http://schemas.microsoft.com/office/thememl/2012/main" name="Office Theme" id="{62F939B6-93AF-4DB8-9C6B-D6C7DFDC589F}" vid="{4A3C46E8-61CC-4603-A589-7422A47A8E4A}"/>
+    </a:ext>
+  </a:extLst>
 </a:theme>
 </file>
--- a/Literature survey 3.pptx
+++ b/Literature survey 3.pptx
@@ -14,13 +14,16 @@
     <p:sldId id="271" r:id="rId7"/>
     <p:sldId id="272" r:id="rId8"/>
     <p:sldId id="258" r:id="rId9"/>
-    <p:sldId id="259" r:id="rId10"/>
-    <p:sldId id="260" r:id="rId11"/>
-    <p:sldId id="261" r:id="rId12"/>
-    <p:sldId id="262" r:id="rId13"/>
-    <p:sldId id="263" r:id="rId14"/>
-    <p:sldId id="264" r:id="rId15"/>
-    <p:sldId id="265" r:id="rId16"/>
+    <p:sldId id="282" r:id="rId10"/>
+    <p:sldId id="283" r:id="rId11"/>
+    <p:sldId id="284" r:id="rId12"/>
+    <p:sldId id="259" r:id="rId13"/>
+    <p:sldId id="260" r:id="rId14"/>
+    <p:sldId id="261" r:id="rId15"/>
+    <p:sldId id="262" r:id="rId16"/>
+    <p:sldId id="263" r:id="rId17"/>
+    <p:sldId id="264" r:id="rId18"/>
+    <p:sldId id="265" r:id="rId19"/>
   </p:sldIdLst>
   <p:sldSz cx="9144000" cy="6858000" type="screen4x3"/>
   <p:notesSz cx="6858000" cy="9144000"/>
@@ -4065,31 +4068,195 @@
           <a:chExt cx="0" cy="0"/>
         </a:xfrm>
       </p:grpSpPr>
+      <p:sp>
+        <p:nvSpPr>
+          <p:cNvPr id="2" name="TextBox 1"/>
+          <p:cNvSpPr txBox="1"/>
+          <p:nvPr/>
+        </p:nvSpPr>
+        <p:spPr>
+          <a:xfrm>
+            <a:off x="0" y="196193"/>
+            <a:ext cx="7650812" cy="646331"/>
+          </a:xfrm>
+          <a:prstGeom prst="rect">
+            <a:avLst/>
+          </a:prstGeom>
+          <a:noFill/>
+        </p:spPr>
+        <p:txBody>
+          <a:bodyPr wrap="none" rtlCol="0">
+            <a:spAutoFit/>
+          </a:bodyPr>
+          <a:lstStyle/>
+          <a:p>
+            <a:r>
+              <a:rPr lang="en-US" b="1" dirty="0" smtClean="0"/>
+              <a:t>Connective Cognition Network for Directional Visual Commonsense Reasoning</a:t>
+            </a:r>
+            <a:endParaRPr lang="en-US" b="1" dirty="0" smtClean="0"/>
+          </a:p>
+          <a:p>
+            <a:endParaRPr lang="en-IN" b="1" dirty="0"/>
+          </a:p>
+        </p:txBody>
+      </p:sp>
+      <p:sp>
+        <p:nvSpPr>
+          <p:cNvPr id="3" name="TextBox 2"/>
+          <p:cNvSpPr txBox="1"/>
+          <p:nvPr/>
+        </p:nvSpPr>
+        <p:spPr>
+          <a:xfrm>
+            <a:off x="1" y="826814"/>
+            <a:ext cx="7672553" cy="646331"/>
+          </a:xfrm>
+          <a:prstGeom prst="rect">
+            <a:avLst/>
+          </a:prstGeom>
+          <a:noFill/>
+        </p:spPr>
+        <p:txBody>
+          <a:bodyPr wrap="square" rtlCol="0">
+            <a:spAutoFit/>
+          </a:bodyPr>
+          <a:lstStyle/>
+          <a:p>
+            <a:r>
+              <a:rPr lang="en-IN" dirty="0" smtClean="0">
+                <a:hlinkClick r:id="rId1"/>
+              </a:rPr>
+              <a:t>https://papers.nips.cc/paper/2019/file/8a56257ea05c74018291954fc56fc448-Paper.pdf</a:t>
+            </a:r>
+            <a:endParaRPr lang="en-IN" dirty="0"/>
+          </a:p>
+        </p:txBody>
+      </p:sp>
       <p:pic>
         <p:nvPicPr>
-          <p:cNvPr id="2" name="Picture 1" descr="Screenshot (136).png"/>
+          <p:cNvPr id="4" name="Picture 3" descr="Screenshot (133).png"/>
           <p:cNvPicPr>
             <a:picLocks noChangeAspect="1"/>
           </p:cNvPicPr>
           <p:nvPr/>
         </p:nvPicPr>
         <p:blipFill>
-          <a:blip r:embed="rId1"/>
-          <a:srcRect l="14713" t="24304" r="15402" b="24381"/>
+          <a:blip r:embed="rId2"/>
+          <a:srcRect l="1379" t="34731" r="-1379" b="13954"/>
           <a:stretch>
             <a:fillRect/>
           </a:stretch>
         </p:blipFill>
         <p:spPr>
           <a:xfrm>
-            <a:off x="0" y="812801"/>
-            <a:ext cx="8702566" cy="4834759"/>
+            <a:off x="0" y="2550512"/>
+            <a:ext cx="9144000" cy="4106041"/>
           </a:xfrm>
           <a:prstGeom prst="rect">
             <a:avLst/>
           </a:prstGeom>
         </p:spPr>
       </p:pic>
+      <p:sp>
+        <p:nvSpPr>
+          <p:cNvPr id="5" name="Rectangle 4"/>
+          <p:cNvSpPr/>
+          <p:nvPr/>
+        </p:nvSpPr>
+        <p:spPr>
+          <a:xfrm>
+            <a:off x="0" y="1371600"/>
+            <a:ext cx="4090800" cy="369332"/>
+          </a:xfrm>
+          <a:prstGeom prst="rect">
+            <a:avLst/>
+          </a:prstGeom>
+        </p:spPr>
+        <p:txBody>
+          <a:bodyPr wrap="none">
+            <a:spAutoFit/>
+          </a:bodyPr>
+          <a:lstStyle/>
+          <a:p>
+            <a:r>
+              <a:rPr lang="en-US" dirty="0" smtClean="0">
+                <a:latin typeface="Times New Roman" panose="02020603050405020304" charset="0"/>
+                <a:cs typeface="Times New Roman" panose="02020603050405020304" charset="0"/>
+              </a:rPr>
+              <a:t>Dataset : Visual Commonsense Reasoning</a:t>
+            </a:r>
+            <a:endParaRPr lang="en-IN" dirty="0">
+              <a:latin typeface="Times New Roman" panose="02020603050405020304" charset="0"/>
+              <a:cs typeface="Times New Roman" panose="02020603050405020304" charset="0"/>
+            </a:endParaRPr>
+          </a:p>
+        </p:txBody>
+      </p:sp>
+      <p:sp>
+        <p:nvSpPr>
+          <p:cNvPr id="6" name="TextBox 5"/>
+          <p:cNvSpPr txBox="1"/>
+          <p:nvPr/>
+        </p:nvSpPr>
+        <p:spPr>
+          <a:xfrm>
+            <a:off x="1" y="1617592"/>
+            <a:ext cx="2227469" cy="923330"/>
+          </a:xfrm>
+          <a:prstGeom prst="rect">
+            <a:avLst/>
+          </a:prstGeom>
+          <a:noFill/>
+        </p:spPr>
+        <p:txBody>
+          <a:bodyPr wrap="none" rtlCol="0">
+            <a:spAutoFit/>
+          </a:bodyPr>
+          <a:lstStyle/>
+          <a:p>
+            <a:pPr>
+              <a:buFont typeface="Arial" panose="020B0604020202020204" pitchFamily="34" charset="0"/>
+              <a:buChar char="•"/>
+            </a:pPr>
+            <a:r>
+              <a:rPr lang="en-US" dirty="0"/>
+              <a:t> </a:t>
+            </a:r>
+            <a:r>
+              <a:rPr lang="en-US" dirty="0" smtClean="0"/>
+              <a:t>List </a:t>
+            </a:r>
+            <a:r>
+              <a:rPr lang="en-US" dirty="0"/>
+              <a:t>of objects</a:t>
+            </a:r>
+            <a:endParaRPr lang="en-US" dirty="0"/>
+          </a:p>
+          <a:p>
+            <a:pPr>
+              <a:buFont typeface="Arial" panose="020B0604020202020204" pitchFamily="34" charset="0"/>
+              <a:buChar char="•"/>
+            </a:pPr>
+            <a:r>
+              <a:rPr lang="en-US" dirty="0"/>
+              <a:t> A query </a:t>
+            </a:r>
+            <a:endParaRPr lang="en-US" dirty="0"/>
+          </a:p>
+          <a:p>
+            <a:pPr>
+              <a:buFont typeface="Arial" panose="020B0604020202020204" pitchFamily="34" charset="0"/>
+              <a:buChar char="•"/>
+            </a:pPr>
+            <a:r>
+              <a:rPr lang="en-US" dirty="0"/>
+              <a:t> A set of N responses</a:t>
+            </a:r>
+            <a:endParaRPr lang="en-US" dirty="0"/>
+          </a:p>
+        </p:txBody>
+      </p:sp>
     </p:spTree>
   </p:cSld>
   <p:clrMapOvr>
@@ -4122,87 +4289,25 @@
           <a:chExt cx="0" cy="0"/>
         </a:xfrm>
       </p:grpSpPr>
-      <p:sp>
-        <p:nvSpPr>
-          <p:cNvPr id="2" name="TextBox 1"/>
-          <p:cNvSpPr txBox="1"/>
-          <p:nvPr/>
-        </p:nvSpPr>
-        <p:spPr>
-          <a:xfrm>
-            <a:off x="536028" y="756746"/>
-            <a:ext cx="5081456" cy="369332"/>
-          </a:xfrm>
-          <a:prstGeom prst="rect">
-            <a:avLst/>
-          </a:prstGeom>
-          <a:noFill/>
-        </p:spPr>
-        <p:txBody>
-          <a:bodyPr wrap="none" rtlCol="0">
-            <a:spAutoFit/>
-          </a:bodyPr>
-          <a:lstStyle/>
-          <a:p>
-            <a:r>
-              <a:rPr lang="en-US" b="1" dirty="0" smtClean="0"/>
-              <a:t>Boost Image Captioning with Knowledge Reasoning</a:t>
-            </a:r>
-            <a:endParaRPr lang="en-IN" b="1" dirty="0"/>
-          </a:p>
-        </p:txBody>
-      </p:sp>
-      <p:sp>
-        <p:nvSpPr>
-          <p:cNvPr id="4" name="TextBox 3"/>
-          <p:cNvSpPr txBox="1"/>
-          <p:nvPr/>
-        </p:nvSpPr>
-        <p:spPr>
-          <a:xfrm>
-            <a:off x="641132" y="1429408"/>
-            <a:ext cx="3681905" cy="369332"/>
-          </a:xfrm>
-          <a:prstGeom prst="rect">
-            <a:avLst/>
-          </a:prstGeom>
-          <a:noFill/>
-        </p:spPr>
-        <p:txBody>
-          <a:bodyPr wrap="none" rtlCol="0">
-            <a:spAutoFit/>
-          </a:bodyPr>
-          <a:lstStyle/>
-          <a:p>
-            <a:r>
-              <a:rPr lang="en-IN" dirty="0" smtClean="0">
-                <a:hlinkClick r:id="rId1"/>
-              </a:rPr>
-              <a:t>https://arxiv.org/pdf/2011.00927.pdf</a:t>
-            </a:r>
-            <a:endParaRPr lang="en-IN" dirty="0"/>
-          </a:p>
-        </p:txBody>
-      </p:sp>
       <p:pic>
         <p:nvPicPr>
-          <p:cNvPr id="5" name="Picture 4" descr="Screenshot (137).png"/>
+          <p:cNvPr id="2" name="Picture 1" descr="Screenshot (134).png"/>
           <p:cNvPicPr>
             <a:picLocks noChangeAspect="1"/>
           </p:cNvPicPr>
           <p:nvPr/>
         </p:nvPicPr>
         <p:blipFill>
-          <a:blip r:embed="rId2"/>
-          <a:srcRect l="20115" t="32277" r="18506" b="17225"/>
+          <a:blip r:embed="rId1"/>
+          <a:srcRect l="2874" t="22260" r="5977" b="17634"/>
           <a:stretch>
             <a:fillRect/>
           </a:stretch>
         </p:blipFill>
         <p:spPr>
           <a:xfrm>
-            <a:off x="1177157" y="2144108"/>
-            <a:ext cx="6243146" cy="3965905"/>
+            <a:off x="0" y="462454"/>
+            <a:ext cx="8873342" cy="4988911"/>
           </a:xfrm>
           <a:prstGeom prst="rect">
             <a:avLst/>
@@ -4241,25 +4346,94 @@
           <a:chExt cx="0" cy="0"/>
         </a:xfrm>
       </p:grpSpPr>
+      <p:sp>
+        <p:nvSpPr>
+          <p:cNvPr id="2" name="TextBox 1"/>
+          <p:cNvSpPr txBox="1"/>
+          <p:nvPr/>
+        </p:nvSpPr>
+        <p:spPr>
+          <a:xfrm>
+            <a:off x="536029" y="770759"/>
+            <a:ext cx="7173374" cy="646331"/>
+          </a:xfrm>
+          <a:prstGeom prst="rect">
+            <a:avLst/>
+          </a:prstGeom>
+          <a:noFill/>
+        </p:spPr>
+        <p:txBody>
+          <a:bodyPr wrap="none" rtlCol="0">
+            <a:spAutoFit/>
+          </a:bodyPr>
+          <a:lstStyle/>
+          <a:p>
+            <a:r>
+              <a:rPr lang="en-US" b="1" dirty="0" err="1" smtClean="0"/>
+              <a:t>KagNet</a:t>
+            </a:r>
+            <a:r>
+              <a:rPr lang="en-US" b="1" dirty="0" smtClean="0"/>
+              <a:t>: Knowledge-Aware Graph Networks for Commonsense Reasoning</a:t>
+            </a:r>
+            <a:endParaRPr lang="en-US" b="1" dirty="0" smtClean="0"/>
+          </a:p>
+          <a:p>
+            <a:endParaRPr lang="en-IN" dirty="0"/>
+          </a:p>
+        </p:txBody>
+      </p:sp>
+      <p:sp>
+        <p:nvSpPr>
+          <p:cNvPr id="3" name="TextBox 2"/>
+          <p:cNvSpPr txBox="1"/>
+          <p:nvPr/>
+        </p:nvSpPr>
+        <p:spPr>
+          <a:xfrm>
+            <a:off x="714704" y="1471449"/>
+            <a:ext cx="3312702" cy="369332"/>
+          </a:xfrm>
+          <a:prstGeom prst="rect">
+            <a:avLst/>
+          </a:prstGeom>
+          <a:noFill/>
+        </p:spPr>
+        <p:txBody>
+          <a:bodyPr wrap="none" rtlCol="0">
+            <a:spAutoFit/>
+          </a:bodyPr>
+          <a:lstStyle/>
+          <a:p>
+            <a:r>
+              <a:rPr lang="en-IN" dirty="0" smtClean="0">
+                <a:hlinkClick r:id="rId1"/>
+              </a:rPr>
+              <a:t>https://arxiv.org/abs/1909.02151</a:t>
+            </a:r>
+            <a:endParaRPr lang="en-IN" dirty="0"/>
+          </a:p>
+        </p:txBody>
+      </p:sp>
       <p:pic>
         <p:nvPicPr>
-          <p:cNvPr id="2" name="Picture 1" descr="Screenshot (138).png"/>
+          <p:cNvPr id="5" name="Picture 4" descr="Screenshot (135).png"/>
           <p:cNvPicPr>
             <a:picLocks noChangeAspect="1"/>
           </p:cNvPicPr>
           <p:nvPr/>
         </p:nvPicPr>
         <p:blipFill>
-          <a:blip r:embed="rId1"/>
-          <a:srcRect l="7701" t="19193" r="6782" b="12727"/>
+          <a:blip r:embed="rId2"/>
+          <a:srcRect l="49425" t="17762" r="6207" b="34194"/>
           <a:stretch>
             <a:fillRect/>
           </a:stretch>
         </p:blipFill>
         <p:spPr>
           <a:xfrm>
-            <a:off x="1" y="910897"/>
-            <a:ext cx="8735519" cy="5213132"/>
+            <a:off x="693773" y="1863836"/>
+            <a:ext cx="6316629" cy="4246179"/>
           </a:xfrm>
           <a:prstGeom prst="rect">
             <a:avLst/>
@@ -4282,6 +4456,239 @@
 </file>
 
 <file path=ppt/slides/slide13.xml><?xml version="1.0" encoding="utf-8"?>
+<p:sld xmlns:a="http://schemas.openxmlformats.org/drawingml/2006/main" xmlns:r="http://schemas.openxmlformats.org/officeDocument/2006/relationships" xmlns:p="http://schemas.openxmlformats.org/presentationml/2006/main">
+  <p:cSld>
+    <p:spTree>
+      <p:nvGrpSpPr>
+        <p:cNvPr id="1" name=""/>
+        <p:cNvGrpSpPr/>
+        <p:nvPr/>
+      </p:nvGrpSpPr>
+      <p:grpSpPr>
+        <a:xfrm>
+          <a:off x="0" y="0"/>
+          <a:ext cx="0" cy="0"/>
+          <a:chOff x="0" y="0"/>
+          <a:chExt cx="0" cy="0"/>
+        </a:xfrm>
+      </p:grpSpPr>
+      <p:pic>
+        <p:nvPicPr>
+          <p:cNvPr id="2" name="Picture 1" descr="Screenshot (136).png"/>
+          <p:cNvPicPr>
+            <a:picLocks noChangeAspect="1"/>
+          </p:cNvPicPr>
+          <p:nvPr/>
+        </p:nvPicPr>
+        <p:blipFill>
+          <a:blip r:embed="rId1"/>
+          <a:srcRect l="14713" t="24304" r="15402" b="24381"/>
+          <a:stretch>
+            <a:fillRect/>
+          </a:stretch>
+        </p:blipFill>
+        <p:spPr>
+          <a:xfrm>
+            <a:off x="0" y="812801"/>
+            <a:ext cx="8702566" cy="4834759"/>
+          </a:xfrm>
+          <a:prstGeom prst="rect">
+            <a:avLst/>
+          </a:prstGeom>
+        </p:spPr>
+      </p:pic>
+    </p:spTree>
+  </p:cSld>
+  <p:clrMapOvr>
+    <a:masterClrMapping/>
+  </p:clrMapOvr>
+  <p:timing>
+    <p:tnLst>
+      <p:par>
+        <p:cTn id="1" dur="indefinite" restart="never" nodeType="tmRoot"/>
+      </p:par>
+    </p:tnLst>
+  </p:timing>
+</p:sld>
+</file>
+
+<file path=ppt/slides/slide14.xml><?xml version="1.0" encoding="utf-8"?>
+<p:sld xmlns:a="http://schemas.openxmlformats.org/drawingml/2006/main" xmlns:r="http://schemas.openxmlformats.org/officeDocument/2006/relationships" xmlns:p="http://schemas.openxmlformats.org/presentationml/2006/main">
+  <p:cSld>
+    <p:spTree>
+      <p:nvGrpSpPr>
+        <p:cNvPr id="1" name=""/>
+        <p:cNvGrpSpPr/>
+        <p:nvPr/>
+      </p:nvGrpSpPr>
+      <p:grpSpPr>
+        <a:xfrm>
+          <a:off x="0" y="0"/>
+          <a:ext cx="0" cy="0"/>
+          <a:chOff x="0" y="0"/>
+          <a:chExt cx="0" cy="0"/>
+        </a:xfrm>
+      </p:grpSpPr>
+      <p:sp>
+        <p:nvSpPr>
+          <p:cNvPr id="2" name="TextBox 1"/>
+          <p:cNvSpPr txBox="1"/>
+          <p:nvPr/>
+        </p:nvSpPr>
+        <p:spPr>
+          <a:xfrm>
+            <a:off x="536028" y="756746"/>
+            <a:ext cx="5081456" cy="369332"/>
+          </a:xfrm>
+          <a:prstGeom prst="rect">
+            <a:avLst/>
+          </a:prstGeom>
+          <a:noFill/>
+        </p:spPr>
+        <p:txBody>
+          <a:bodyPr wrap="none" rtlCol="0">
+            <a:spAutoFit/>
+          </a:bodyPr>
+          <a:lstStyle/>
+          <a:p>
+            <a:r>
+              <a:rPr lang="en-US" b="1" dirty="0" smtClean="0"/>
+              <a:t>Boost Image Captioning with Knowledge Reasoning</a:t>
+            </a:r>
+            <a:endParaRPr lang="en-IN" b="1" dirty="0"/>
+          </a:p>
+        </p:txBody>
+      </p:sp>
+      <p:sp>
+        <p:nvSpPr>
+          <p:cNvPr id="4" name="TextBox 3"/>
+          <p:cNvSpPr txBox="1"/>
+          <p:nvPr/>
+        </p:nvSpPr>
+        <p:spPr>
+          <a:xfrm>
+            <a:off x="641132" y="1429408"/>
+            <a:ext cx="3681905" cy="369332"/>
+          </a:xfrm>
+          <a:prstGeom prst="rect">
+            <a:avLst/>
+          </a:prstGeom>
+          <a:noFill/>
+        </p:spPr>
+        <p:txBody>
+          <a:bodyPr wrap="none" rtlCol="0">
+            <a:spAutoFit/>
+          </a:bodyPr>
+          <a:lstStyle/>
+          <a:p>
+            <a:r>
+              <a:rPr lang="en-IN" dirty="0" smtClean="0">
+                <a:hlinkClick r:id="rId1"/>
+              </a:rPr>
+              <a:t>https://arxiv.org/pdf/2011.00927.pdf</a:t>
+            </a:r>
+            <a:endParaRPr lang="en-IN" dirty="0"/>
+          </a:p>
+        </p:txBody>
+      </p:sp>
+      <p:pic>
+        <p:nvPicPr>
+          <p:cNvPr id="5" name="Picture 4" descr="Screenshot (137).png"/>
+          <p:cNvPicPr>
+            <a:picLocks noChangeAspect="1"/>
+          </p:cNvPicPr>
+          <p:nvPr/>
+        </p:nvPicPr>
+        <p:blipFill>
+          <a:blip r:embed="rId2"/>
+          <a:srcRect l="20115" t="32277" r="18506" b="17225"/>
+          <a:stretch>
+            <a:fillRect/>
+          </a:stretch>
+        </p:blipFill>
+        <p:spPr>
+          <a:xfrm>
+            <a:off x="1177157" y="2144108"/>
+            <a:ext cx="6243146" cy="3965905"/>
+          </a:xfrm>
+          <a:prstGeom prst="rect">
+            <a:avLst/>
+          </a:prstGeom>
+        </p:spPr>
+      </p:pic>
+    </p:spTree>
+  </p:cSld>
+  <p:clrMapOvr>
+    <a:masterClrMapping/>
+  </p:clrMapOvr>
+  <p:timing>
+    <p:tnLst>
+      <p:par>
+        <p:cTn id="1" dur="indefinite" restart="never" nodeType="tmRoot"/>
+      </p:par>
+    </p:tnLst>
+  </p:timing>
+</p:sld>
+</file>
+
+<file path=ppt/slides/slide15.xml><?xml version="1.0" encoding="utf-8"?>
+<p:sld xmlns:a="http://schemas.openxmlformats.org/drawingml/2006/main" xmlns:r="http://schemas.openxmlformats.org/officeDocument/2006/relationships" xmlns:p="http://schemas.openxmlformats.org/presentationml/2006/main">
+  <p:cSld>
+    <p:spTree>
+      <p:nvGrpSpPr>
+        <p:cNvPr id="1" name=""/>
+        <p:cNvGrpSpPr/>
+        <p:nvPr/>
+      </p:nvGrpSpPr>
+      <p:grpSpPr>
+        <a:xfrm>
+          <a:off x="0" y="0"/>
+          <a:ext cx="0" cy="0"/>
+          <a:chOff x="0" y="0"/>
+          <a:chExt cx="0" cy="0"/>
+        </a:xfrm>
+      </p:grpSpPr>
+      <p:pic>
+        <p:nvPicPr>
+          <p:cNvPr id="2" name="Picture 1" descr="Screenshot (138).png"/>
+          <p:cNvPicPr>
+            <a:picLocks noChangeAspect="1"/>
+          </p:cNvPicPr>
+          <p:nvPr/>
+        </p:nvPicPr>
+        <p:blipFill>
+          <a:blip r:embed="rId1"/>
+          <a:srcRect l="7701" t="19193" r="6782" b="12727"/>
+          <a:stretch>
+            <a:fillRect/>
+          </a:stretch>
+        </p:blipFill>
+        <p:spPr>
+          <a:xfrm>
+            <a:off x="1" y="910897"/>
+            <a:ext cx="8735519" cy="5213132"/>
+          </a:xfrm>
+          <a:prstGeom prst="rect">
+            <a:avLst/>
+          </a:prstGeom>
+        </p:spPr>
+      </p:pic>
+    </p:spTree>
+  </p:cSld>
+  <p:clrMapOvr>
+    <a:masterClrMapping/>
+  </p:clrMapOvr>
+  <p:timing>
+    <p:tnLst>
+      <p:par>
+        <p:cTn id="1" dur="indefinite" restart="never" nodeType="tmRoot"/>
+      </p:par>
+    </p:tnLst>
+  </p:timing>
+</p:sld>
+</file>
+
+<file path=ppt/slides/slide16.xml><?xml version="1.0" encoding="utf-8"?>
 <p:sld xmlns:a="http://schemas.openxmlformats.org/drawingml/2006/main" xmlns:r="http://schemas.openxmlformats.org/officeDocument/2006/relationships" xmlns:p="http://schemas.openxmlformats.org/presentationml/2006/main">
   <p:cSld>
     <p:spTree>
@@ -5561,215 +5968,39 @@
         <p:cNvGrpSpPr/>
         <p:nvPr/>
       </p:nvGrpSpPr>
-      <p:grpSpPr>
-        <a:xfrm>
-          <a:off x="0" y="0"/>
-          <a:ext cx="0" cy="0"/>
-          <a:chOff x="0" y="0"/>
-          <a:chExt cx="0" cy="0"/>
-        </a:xfrm>
-      </p:grpSpPr>
-      <p:sp>
-        <p:nvSpPr>
-          <p:cNvPr id="2" name="TextBox 1"/>
-          <p:cNvSpPr txBox="1"/>
-          <p:nvPr/>
-        </p:nvSpPr>
-        <p:spPr>
-          <a:xfrm>
-            <a:off x="0" y="196193"/>
-            <a:ext cx="7650812" cy="646331"/>
-          </a:xfrm>
-          <a:prstGeom prst="rect">
-            <a:avLst/>
-          </a:prstGeom>
-          <a:noFill/>
-        </p:spPr>
-        <p:txBody>
-          <a:bodyPr wrap="none" rtlCol="0">
-            <a:spAutoFit/>
-          </a:bodyPr>
-          <a:lstStyle/>
-          <a:p>
-            <a:r>
-              <a:rPr lang="en-US" b="1" dirty="0" smtClean="0"/>
-              <a:t>Connective Cognition Network for Directional Visual Commonsense Reasoning</a:t>
-            </a:r>
-            <a:endParaRPr lang="en-US" b="1" dirty="0" smtClean="0"/>
-          </a:p>
-          <a:p>
-            <a:endParaRPr lang="en-IN" b="1" dirty="0"/>
-          </a:p>
-        </p:txBody>
-      </p:sp>
-      <p:sp>
-        <p:nvSpPr>
-          <p:cNvPr id="3" name="TextBox 2"/>
-          <p:cNvSpPr txBox="1"/>
-          <p:nvPr/>
-        </p:nvSpPr>
-        <p:spPr>
-          <a:xfrm>
-            <a:off x="1" y="826814"/>
-            <a:ext cx="7672553" cy="646331"/>
-          </a:xfrm>
-          <a:prstGeom prst="rect">
-            <a:avLst/>
-          </a:prstGeom>
-          <a:noFill/>
-        </p:spPr>
-        <p:txBody>
-          <a:bodyPr wrap="square" rtlCol="0">
-            <a:spAutoFit/>
-          </a:bodyPr>
-          <a:lstStyle/>
-          <a:p>
-            <a:r>
-              <a:rPr lang="en-IN" dirty="0" smtClean="0">
-                <a:hlinkClick r:id="rId1"/>
-              </a:rPr>
-              <a:t>https://papers.nips.cc/paper/2019/file/8a56257ea05c74018291954fc56fc448-Paper.pdf</a:t>
-            </a:r>
-            <a:endParaRPr lang="en-IN" dirty="0"/>
-          </a:p>
-        </p:txBody>
-      </p:sp>
+      <p:grpSpPr/>
       <p:pic>
         <p:nvPicPr>
-          <p:cNvPr id="4" name="Picture 3" descr="Screenshot (133).png"/>
+          <p:cNvPr id="9" name="Content Placeholder 8"/>
           <p:cNvPicPr>
             <a:picLocks noChangeAspect="1"/>
           </p:cNvPicPr>
-          <p:nvPr/>
+          <p:nvPr>
+            <p:ph idx="1"/>
+          </p:nvPr>
         </p:nvPicPr>
         <p:blipFill>
-          <a:blip r:embed="rId2"/>
-          <a:srcRect l="1379" t="34731" r="-1379" b="13954"/>
+          <a:blip r:embed="rId1"/>
+          <a:srcRect l="18515" t="18476" r="19556" b="13510"/>
           <a:stretch>
             <a:fillRect/>
           </a:stretch>
         </p:blipFill>
         <p:spPr>
           <a:xfrm>
-            <a:off x="0" y="2550512"/>
-            <a:ext cx="9144000" cy="4106041"/>
+            <a:off x="692785" y="523875"/>
+            <a:ext cx="7757795" cy="4792980"/>
           </a:xfrm>
           <a:prstGeom prst="rect">
             <a:avLst/>
           </a:prstGeom>
         </p:spPr>
       </p:pic>
-      <p:sp>
-        <p:nvSpPr>
-          <p:cNvPr id="5" name="Rectangle 4"/>
-          <p:cNvSpPr/>
-          <p:nvPr/>
-        </p:nvSpPr>
-        <p:spPr>
-          <a:xfrm>
-            <a:off x="0" y="1371600"/>
-            <a:ext cx="4090800" cy="369332"/>
-          </a:xfrm>
-          <a:prstGeom prst="rect">
-            <a:avLst/>
-          </a:prstGeom>
-        </p:spPr>
-        <p:txBody>
-          <a:bodyPr wrap="none">
-            <a:spAutoFit/>
-          </a:bodyPr>
-          <a:lstStyle/>
-          <a:p>
-            <a:r>
-              <a:rPr lang="en-US" dirty="0" smtClean="0">
-                <a:latin typeface="Times New Roman" panose="02020603050405020304" charset="0"/>
-                <a:cs typeface="Times New Roman" panose="02020603050405020304" charset="0"/>
-              </a:rPr>
-              <a:t>Dataset : Visual Commonsense Reasoning</a:t>
-            </a:r>
-            <a:endParaRPr lang="en-IN" dirty="0">
-              <a:latin typeface="Times New Roman" panose="02020603050405020304" charset="0"/>
-              <a:cs typeface="Times New Roman" panose="02020603050405020304" charset="0"/>
-            </a:endParaRPr>
-          </a:p>
-        </p:txBody>
-      </p:sp>
-      <p:sp>
-        <p:nvSpPr>
-          <p:cNvPr id="6" name="TextBox 5"/>
-          <p:cNvSpPr txBox="1"/>
-          <p:nvPr/>
-        </p:nvSpPr>
-        <p:spPr>
-          <a:xfrm>
-            <a:off x="1" y="1617592"/>
-            <a:ext cx="2227469" cy="923330"/>
-          </a:xfrm>
-          <a:prstGeom prst="rect">
-            <a:avLst/>
-          </a:prstGeom>
-          <a:noFill/>
-        </p:spPr>
-        <p:txBody>
-          <a:bodyPr wrap="none" rtlCol="0">
-            <a:spAutoFit/>
-          </a:bodyPr>
-          <a:lstStyle/>
-          <a:p>
-            <a:pPr>
-              <a:buFont typeface="Arial" panose="020B0604020202020204" pitchFamily="34" charset="0"/>
-              <a:buChar char="•"/>
-            </a:pPr>
-            <a:r>
-              <a:rPr lang="en-US" dirty="0"/>
-              <a:t> </a:t>
-            </a:r>
-            <a:r>
-              <a:rPr lang="en-US" dirty="0" smtClean="0"/>
-              <a:t>List </a:t>
-            </a:r>
-            <a:r>
-              <a:rPr lang="en-US" dirty="0"/>
-              <a:t>of objects</a:t>
-            </a:r>
-            <a:endParaRPr lang="en-US" dirty="0"/>
-          </a:p>
-          <a:p>
-            <a:pPr>
-              <a:buFont typeface="Arial" panose="020B0604020202020204" pitchFamily="34" charset="0"/>
-              <a:buChar char="•"/>
-            </a:pPr>
-            <a:r>
-              <a:rPr lang="en-US" dirty="0"/>
-              <a:t> A query </a:t>
-            </a:r>
-            <a:endParaRPr lang="en-US" dirty="0"/>
-          </a:p>
-          <a:p>
-            <a:pPr>
-              <a:buFont typeface="Arial" panose="020B0604020202020204" pitchFamily="34" charset="0"/>
-              <a:buChar char="•"/>
-            </a:pPr>
-            <a:r>
-              <a:rPr lang="en-US" dirty="0"/>
-              <a:t> A set of N responses</a:t>
-            </a:r>
-            <a:endParaRPr lang="en-US" dirty="0"/>
-          </a:p>
-        </p:txBody>
-      </p:sp>
     </p:spTree>
   </p:cSld>
   <p:clrMapOvr>
     <a:masterClrMapping/>
   </p:clrMapOvr>
-  <p:timing>
-    <p:tnLst>
-      <p:par>
-        <p:cTn id="1" dur="indefinite" restart="never" nodeType="tmRoot"/>
-      </p:par>
-    </p:tnLst>
-  </p:timing>
 </p:sld>
 </file>
 
@@ -5782,33 +6013,27 @@
         <p:cNvGrpSpPr/>
         <p:nvPr/>
       </p:nvGrpSpPr>
-      <p:grpSpPr>
-        <a:xfrm>
-          <a:off x="0" y="0"/>
-          <a:ext cx="0" cy="0"/>
-          <a:chOff x="0" y="0"/>
-          <a:chExt cx="0" cy="0"/>
-        </a:xfrm>
-      </p:grpSpPr>
+      <p:grpSpPr/>
       <p:pic>
         <p:nvPicPr>
-          <p:cNvPr id="2" name="Picture 1" descr="Screenshot (134).png"/>
+          <p:cNvPr id="7" name="Content Placeholder 6" descr="ic"/>
           <p:cNvPicPr>
             <a:picLocks noChangeAspect="1"/>
           </p:cNvPicPr>
-          <p:nvPr/>
+          <p:nvPr>
+            <p:ph idx="1"/>
+          </p:nvPr>
         </p:nvPicPr>
         <p:blipFill>
           <a:blip r:embed="rId1"/>
-          <a:srcRect l="2874" t="22260" r="5977" b="17634"/>
           <a:stretch>
             <a:fillRect/>
           </a:stretch>
         </p:blipFill>
         <p:spPr>
           <a:xfrm>
-            <a:off x="0" y="462454"/>
-            <a:ext cx="8873342" cy="4988911"/>
+            <a:off x="852805" y="1344295"/>
+            <a:ext cx="7635240" cy="3695700"/>
           </a:xfrm>
           <a:prstGeom prst="rect">
             <a:avLst/>
@@ -5820,13 +6045,6 @@
   <p:clrMapOvr>
     <a:masterClrMapping/>
   </p:clrMapOvr>
-  <p:timing>
-    <p:tnLst>
-      <p:par>
-        <p:cTn id="1" dur="indefinite" restart="never" nodeType="tmRoot"/>
-      </p:par>
-    </p:tnLst>
-  </p:timing>
 </p:sld>
 </file>
 
@@ -5847,16 +6065,42 @@
           <a:chExt cx="0" cy="0"/>
         </a:xfrm>
       </p:grpSpPr>
-      <p:sp>
-        <p:nvSpPr>
-          <p:cNvPr id="2" name="TextBox 1"/>
+      <p:pic>
+        <p:nvPicPr>
+          <p:cNvPr id="6" name="Content Placeholder 5"/>
+          <p:cNvPicPr>
+            <a:picLocks noChangeAspect="1"/>
+          </p:cNvPicPr>
+          <p:nvPr>
+            <p:ph idx="1"/>
+          </p:nvPr>
+        </p:nvPicPr>
+        <p:blipFill>
+          <a:blip r:embed="rId1"/>
+          <a:stretch>
+            <a:fillRect/>
+          </a:stretch>
+        </p:blipFill>
+        <p:spPr>
+          <a:xfrm>
+            <a:off x="1452245" y="205740"/>
+            <a:ext cx="6591300" cy="6008370"/>
+          </a:xfrm>
+          <a:prstGeom prst="rect">
+            <a:avLst/>
+          </a:prstGeom>
+        </p:spPr>
+      </p:pic>
+      <p:sp>
+        <p:nvSpPr>
+          <p:cNvPr id="7" name="Text Box 6"/>
           <p:cNvSpPr txBox="1"/>
           <p:nvPr/>
         </p:nvSpPr>
         <p:spPr>
           <a:xfrm>
-            <a:off x="536029" y="770759"/>
-            <a:ext cx="7173374" cy="646331"/>
+            <a:off x="954405" y="6137910"/>
+            <a:ext cx="7712710" cy="368300"/>
           </a:xfrm>
           <a:prstGeom prst="rect">
             <a:avLst/>
@@ -5864,95 +6108,29 @@
           <a:noFill/>
         </p:spPr>
         <p:txBody>
-          <a:bodyPr wrap="none" rtlCol="0">
+          <a:bodyPr wrap="square" rtlCol="0" anchor="t">
             <a:spAutoFit/>
           </a:bodyPr>
-          <a:lstStyle/>
-          <a:p>
-            <a:r>
-              <a:rPr lang="en-US" b="1" dirty="0" err="1" smtClean="0"/>
-              <a:t>KagNet</a:t>
-            </a:r>
-            <a:r>
-              <a:rPr lang="en-US" b="1" dirty="0" smtClean="0"/>
-              <a:t>: Knowledge-Aware Graph Networks for Commonsense Reasoning</a:t>
-            </a:r>
-            <a:endParaRPr lang="en-US" b="1" dirty="0" smtClean="0"/>
-          </a:p>
-          <a:p>
-            <a:endParaRPr lang="en-IN" dirty="0"/>
-          </a:p>
-        </p:txBody>
-      </p:sp>
-      <p:sp>
-        <p:nvSpPr>
-          <p:cNvPr id="3" name="TextBox 2"/>
-          <p:cNvSpPr txBox="1"/>
-          <p:nvPr/>
-        </p:nvSpPr>
-        <p:spPr>
-          <a:xfrm>
-            <a:off x="714704" y="1471449"/>
-            <a:ext cx="3312702" cy="369332"/>
-          </a:xfrm>
-          <a:prstGeom prst="rect">
-            <a:avLst/>
-          </a:prstGeom>
-          <a:noFill/>
-        </p:spPr>
-        <p:txBody>
-          <a:bodyPr wrap="none" rtlCol="0">
-            <a:spAutoFit/>
-          </a:bodyPr>
-          <a:lstStyle/>
-          <a:p>
-            <a:r>
-              <a:rPr lang="en-IN" dirty="0" smtClean="0">
-                <a:hlinkClick r:id="rId1"/>
+          <a:p>
+            <a:r>
+              <a:rPr lang="en-US">
+                <a:latin typeface="Georgia" panose="02040502050405020303" charset="0"/>
+                <a:cs typeface="Georgia" panose="02040502050405020303" charset="0"/>
               </a:rPr>
-              <a:t>https://arxiv.org/abs/1909.02151</a:t>
-            </a:r>
-            <a:endParaRPr lang="en-IN" dirty="0"/>
-          </a:p>
-        </p:txBody>
-      </p:sp>
-      <p:pic>
-        <p:nvPicPr>
-          <p:cNvPr id="5" name="Picture 4" descr="Screenshot (135).png"/>
-          <p:cNvPicPr>
-            <a:picLocks noChangeAspect="1"/>
-          </p:cNvPicPr>
-          <p:nvPr/>
-        </p:nvPicPr>
-        <p:blipFill>
-          <a:blip r:embed="rId2"/>
-          <a:srcRect l="49425" t="17762" r="6207" b="34194"/>
-          <a:stretch>
-            <a:fillRect/>
-          </a:stretch>
-        </p:blipFill>
-        <p:spPr>
-          <a:xfrm>
-            <a:off x="693773" y="1863836"/>
-            <a:ext cx="6316629" cy="4246179"/>
-          </a:xfrm>
-          <a:prstGeom prst="rect">
-            <a:avLst/>
-          </a:prstGeom>
-        </p:spPr>
-      </p:pic>
+              <a:t>https://www.sciencedirect.com/science/article/pii/S0020025515006404</a:t>
+            </a:r>
+            <a:endParaRPr lang="en-US">
+              <a:latin typeface="Georgia" panose="02040502050405020303" charset="0"/>
+              <a:cs typeface="Georgia" panose="02040502050405020303" charset="0"/>
+            </a:endParaRPr>
+          </a:p>
+        </p:txBody>
+      </p:sp>
     </p:spTree>
   </p:cSld>
   <p:clrMapOvr>
     <a:masterClrMapping/>
   </p:clrMapOvr>
-  <p:timing>
-    <p:tnLst>
-      <p:par>
-        <p:cTn id="1" dur="indefinite" restart="never" nodeType="tmRoot"/>
-      </p:par>
-    </p:tnLst>
-  </p:timing>
 </p:sld>
 </file>
 

--- a/Literature survey 3.pptx
+++ b/Literature survey 3.pptx
@@ -6032,7 +6032,7 @@
         </p:blipFill>
         <p:spPr>
           <a:xfrm>
-            <a:off x="852805" y="1344295"/>
+            <a:off x="843915" y="1705610"/>
             <a:ext cx="7635240" cy="3695700"/>
           </a:xfrm>
           <a:prstGeom prst="rect">
@@ -6072,7 +6072,7 @@
             <a:picLocks noChangeAspect="1"/>
           </p:cNvPicPr>
           <p:nvPr>
-            <p:ph idx="1"/>
+            <p:ph sz="half" idx="1"/>
           </p:nvPr>
         </p:nvPicPr>
         <p:blipFill>
@@ -6083,8 +6083,8 @@
         </p:blipFill>
         <p:spPr>
           <a:xfrm>
-            <a:off x="1452245" y="205740"/>
-            <a:ext cx="6591300" cy="6008370"/>
+            <a:off x="457200" y="1412875"/>
+            <a:ext cx="4038600" cy="3681095"/>
           </a:xfrm>
           <a:prstGeom prst="rect">
             <a:avLst/>
@@ -6099,7 +6099,7 @@
         </p:nvSpPr>
         <p:spPr>
           <a:xfrm>
-            <a:off x="954405" y="6137910"/>
+            <a:off x="954405" y="5604510"/>
             <a:ext cx="7712710" cy="368300"/>
           </a:xfrm>
           <a:prstGeom prst="rect">
@@ -6126,6 +6126,32 @@
           </a:p>
         </p:txBody>
       </p:sp>
+      <p:pic>
+        <p:nvPicPr>
+          <p:cNvPr id="2" name="Content Placeholder 1"/>
+          <p:cNvPicPr>
+            <a:picLocks noChangeAspect="1"/>
+          </p:cNvPicPr>
+          <p:nvPr>
+            <p:ph sz="half" idx="2"/>
+          </p:nvPr>
+        </p:nvPicPr>
+        <p:blipFill>
+          <a:blip r:embed="rId2"/>
+          <a:stretch>
+            <a:fillRect/>
+          </a:stretch>
+        </p:blipFill>
+        <p:spPr>
+          <a:xfrm>
+            <a:off x="4695190" y="2730500"/>
+            <a:ext cx="3991610" cy="2291080"/>
+          </a:xfrm>
+          <a:prstGeom prst="rect">
+            <a:avLst/>
+          </a:prstGeom>
+        </p:spPr>
+      </p:pic>
     </p:spTree>
   </p:cSld>
   <p:clrMapOvr>

--- a/Literature survey 3.pptx
+++ b/Literature survey 3.pptx
@@ -14,16 +14,13 @@
     <p:sldId id="271" r:id="rId7"/>
     <p:sldId id="272" r:id="rId8"/>
     <p:sldId id="258" r:id="rId9"/>
-    <p:sldId id="282" r:id="rId10"/>
-    <p:sldId id="283" r:id="rId11"/>
-    <p:sldId id="284" r:id="rId12"/>
-    <p:sldId id="259" r:id="rId13"/>
-    <p:sldId id="260" r:id="rId14"/>
-    <p:sldId id="261" r:id="rId15"/>
-    <p:sldId id="262" r:id="rId16"/>
-    <p:sldId id="263" r:id="rId17"/>
-    <p:sldId id="264" r:id="rId18"/>
-    <p:sldId id="265" r:id="rId19"/>
+    <p:sldId id="259" r:id="rId10"/>
+    <p:sldId id="260" r:id="rId11"/>
+    <p:sldId id="261" r:id="rId12"/>
+    <p:sldId id="262" r:id="rId13"/>
+    <p:sldId id="263" r:id="rId14"/>
+    <p:sldId id="264" r:id="rId15"/>
+    <p:sldId id="265" r:id="rId16"/>
   </p:sldIdLst>
   <p:sldSz cx="9144000" cy="6858000" type="screen4x3"/>
   <p:notesSz cx="6858000" cy="9144000"/>
@@ -4068,195 +4065,31 @@
           <a:chExt cx="0" cy="0"/>
         </a:xfrm>
       </p:grpSpPr>
-      <p:sp>
-        <p:nvSpPr>
-          <p:cNvPr id="2" name="TextBox 1"/>
-          <p:cNvSpPr txBox="1"/>
-          <p:nvPr/>
-        </p:nvSpPr>
-        <p:spPr>
-          <a:xfrm>
-            <a:off x="0" y="196193"/>
-            <a:ext cx="7650812" cy="646331"/>
-          </a:xfrm>
-          <a:prstGeom prst="rect">
-            <a:avLst/>
-          </a:prstGeom>
-          <a:noFill/>
-        </p:spPr>
-        <p:txBody>
-          <a:bodyPr wrap="none" rtlCol="0">
-            <a:spAutoFit/>
-          </a:bodyPr>
-          <a:lstStyle/>
-          <a:p>
-            <a:r>
-              <a:rPr lang="en-US" b="1" dirty="0" smtClean="0"/>
-              <a:t>Connective Cognition Network for Directional Visual Commonsense Reasoning</a:t>
-            </a:r>
-            <a:endParaRPr lang="en-US" b="1" dirty="0" smtClean="0"/>
-          </a:p>
-          <a:p>
-            <a:endParaRPr lang="en-IN" b="1" dirty="0"/>
-          </a:p>
-        </p:txBody>
-      </p:sp>
-      <p:sp>
-        <p:nvSpPr>
-          <p:cNvPr id="3" name="TextBox 2"/>
-          <p:cNvSpPr txBox="1"/>
-          <p:nvPr/>
-        </p:nvSpPr>
-        <p:spPr>
-          <a:xfrm>
-            <a:off x="1" y="826814"/>
-            <a:ext cx="7672553" cy="646331"/>
-          </a:xfrm>
-          <a:prstGeom prst="rect">
-            <a:avLst/>
-          </a:prstGeom>
-          <a:noFill/>
-        </p:spPr>
-        <p:txBody>
-          <a:bodyPr wrap="square" rtlCol="0">
-            <a:spAutoFit/>
-          </a:bodyPr>
-          <a:lstStyle/>
-          <a:p>
-            <a:r>
-              <a:rPr lang="en-IN" dirty="0" smtClean="0">
-                <a:hlinkClick r:id="rId1"/>
-              </a:rPr>
-              <a:t>https://papers.nips.cc/paper/2019/file/8a56257ea05c74018291954fc56fc448-Paper.pdf</a:t>
-            </a:r>
-            <a:endParaRPr lang="en-IN" dirty="0"/>
-          </a:p>
-        </p:txBody>
-      </p:sp>
       <p:pic>
         <p:nvPicPr>
-          <p:cNvPr id="4" name="Picture 3" descr="Screenshot (133).png"/>
+          <p:cNvPr id="2" name="Picture 1" descr="Screenshot (136).png"/>
           <p:cNvPicPr>
             <a:picLocks noChangeAspect="1"/>
           </p:cNvPicPr>
           <p:nvPr/>
         </p:nvPicPr>
         <p:blipFill>
-          <a:blip r:embed="rId2"/>
-          <a:srcRect l="1379" t="34731" r="-1379" b="13954"/>
+          <a:blip r:embed="rId1"/>
+          <a:srcRect l="14713" t="24304" r="15402" b="24381"/>
           <a:stretch>
             <a:fillRect/>
           </a:stretch>
         </p:blipFill>
         <p:spPr>
           <a:xfrm>
-            <a:off x="0" y="2550512"/>
-            <a:ext cx="9144000" cy="4106041"/>
+            <a:off x="0" y="812801"/>
+            <a:ext cx="8702566" cy="4834759"/>
           </a:xfrm>
           <a:prstGeom prst="rect">
             <a:avLst/>
           </a:prstGeom>
         </p:spPr>
       </p:pic>
-      <p:sp>
-        <p:nvSpPr>
-          <p:cNvPr id="5" name="Rectangle 4"/>
-          <p:cNvSpPr/>
-          <p:nvPr/>
-        </p:nvSpPr>
-        <p:spPr>
-          <a:xfrm>
-            <a:off x="0" y="1371600"/>
-            <a:ext cx="4090800" cy="369332"/>
-          </a:xfrm>
-          <a:prstGeom prst="rect">
-            <a:avLst/>
-          </a:prstGeom>
-        </p:spPr>
-        <p:txBody>
-          <a:bodyPr wrap="none">
-            <a:spAutoFit/>
-          </a:bodyPr>
-          <a:lstStyle/>
-          <a:p>
-            <a:r>
-              <a:rPr lang="en-US" dirty="0" smtClean="0">
-                <a:latin typeface="Times New Roman" panose="02020603050405020304" charset="0"/>
-                <a:cs typeface="Times New Roman" panose="02020603050405020304" charset="0"/>
-              </a:rPr>
-              <a:t>Dataset : Visual Commonsense Reasoning</a:t>
-            </a:r>
-            <a:endParaRPr lang="en-IN" dirty="0">
-              <a:latin typeface="Times New Roman" panose="02020603050405020304" charset="0"/>
-              <a:cs typeface="Times New Roman" panose="02020603050405020304" charset="0"/>
-            </a:endParaRPr>
-          </a:p>
-        </p:txBody>
-      </p:sp>
-      <p:sp>
-        <p:nvSpPr>
-          <p:cNvPr id="6" name="TextBox 5"/>
-          <p:cNvSpPr txBox="1"/>
-          <p:nvPr/>
-        </p:nvSpPr>
-        <p:spPr>
-          <a:xfrm>
-            <a:off x="1" y="1617592"/>
-            <a:ext cx="2227469" cy="923330"/>
-          </a:xfrm>
-          <a:prstGeom prst="rect">
-            <a:avLst/>
-          </a:prstGeom>
-          <a:noFill/>
-        </p:spPr>
-        <p:txBody>
-          <a:bodyPr wrap="none" rtlCol="0">
-            <a:spAutoFit/>
-          </a:bodyPr>
-          <a:lstStyle/>
-          <a:p>
-            <a:pPr>
-              <a:buFont typeface="Arial" panose="020B0604020202020204" pitchFamily="34" charset="0"/>
-              <a:buChar char="•"/>
-            </a:pPr>
-            <a:r>
-              <a:rPr lang="en-US" dirty="0"/>
-              <a:t> </a:t>
-            </a:r>
-            <a:r>
-              <a:rPr lang="en-US" dirty="0" smtClean="0"/>
-              <a:t>List </a:t>
-            </a:r>
-            <a:r>
-              <a:rPr lang="en-US" dirty="0"/>
-              <a:t>of objects</a:t>
-            </a:r>
-            <a:endParaRPr lang="en-US" dirty="0"/>
-          </a:p>
-          <a:p>
-            <a:pPr>
-              <a:buFont typeface="Arial" panose="020B0604020202020204" pitchFamily="34" charset="0"/>
-              <a:buChar char="•"/>
-            </a:pPr>
-            <a:r>
-              <a:rPr lang="en-US" dirty="0"/>
-              <a:t> A query </a:t>
-            </a:r>
-            <a:endParaRPr lang="en-US" dirty="0"/>
-          </a:p>
-          <a:p>
-            <a:pPr>
-              <a:buFont typeface="Arial" panose="020B0604020202020204" pitchFamily="34" charset="0"/>
-              <a:buChar char="•"/>
-            </a:pPr>
-            <a:r>
-              <a:rPr lang="en-US" dirty="0"/>
-              <a:t> A set of N responses</a:t>
-            </a:r>
-            <a:endParaRPr lang="en-US" dirty="0"/>
-          </a:p>
-        </p:txBody>
-      </p:sp>
     </p:spTree>
   </p:cSld>
   <p:clrMapOvr>
@@ -4289,25 +4122,87 @@
           <a:chExt cx="0" cy="0"/>
         </a:xfrm>
       </p:grpSpPr>
+      <p:sp>
+        <p:nvSpPr>
+          <p:cNvPr id="2" name="TextBox 1"/>
+          <p:cNvSpPr txBox="1"/>
+          <p:nvPr/>
+        </p:nvSpPr>
+        <p:spPr>
+          <a:xfrm>
+            <a:off x="536028" y="756746"/>
+            <a:ext cx="5081456" cy="369332"/>
+          </a:xfrm>
+          <a:prstGeom prst="rect">
+            <a:avLst/>
+          </a:prstGeom>
+          <a:noFill/>
+        </p:spPr>
+        <p:txBody>
+          <a:bodyPr wrap="none" rtlCol="0">
+            <a:spAutoFit/>
+          </a:bodyPr>
+          <a:lstStyle/>
+          <a:p>
+            <a:r>
+              <a:rPr lang="en-US" b="1" dirty="0" smtClean="0"/>
+              <a:t>Boost Image Captioning with Knowledge Reasoning</a:t>
+            </a:r>
+            <a:endParaRPr lang="en-IN" b="1" dirty="0"/>
+          </a:p>
+        </p:txBody>
+      </p:sp>
+      <p:sp>
+        <p:nvSpPr>
+          <p:cNvPr id="4" name="TextBox 3"/>
+          <p:cNvSpPr txBox="1"/>
+          <p:nvPr/>
+        </p:nvSpPr>
+        <p:spPr>
+          <a:xfrm>
+            <a:off x="641132" y="1429408"/>
+            <a:ext cx="3681905" cy="369332"/>
+          </a:xfrm>
+          <a:prstGeom prst="rect">
+            <a:avLst/>
+          </a:prstGeom>
+          <a:noFill/>
+        </p:spPr>
+        <p:txBody>
+          <a:bodyPr wrap="none" rtlCol="0">
+            <a:spAutoFit/>
+          </a:bodyPr>
+          <a:lstStyle/>
+          <a:p>
+            <a:r>
+              <a:rPr lang="en-IN" dirty="0" smtClean="0">
+                <a:hlinkClick r:id="rId1"/>
+              </a:rPr>
+              <a:t>https://arxiv.org/pdf/2011.00927.pdf</a:t>
+            </a:r>
+            <a:endParaRPr lang="en-IN" dirty="0"/>
+          </a:p>
+        </p:txBody>
+      </p:sp>
       <p:pic>
         <p:nvPicPr>
-          <p:cNvPr id="2" name="Picture 1" descr="Screenshot (134).png"/>
+          <p:cNvPr id="5" name="Picture 4" descr="Screenshot (137).png"/>
           <p:cNvPicPr>
             <a:picLocks noChangeAspect="1"/>
           </p:cNvPicPr>
           <p:nvPr/>
         </p:nvPicPr>
         <p:blipFill>
-          <a:blip r:embed="rId1"/>
-          <a:srcRect l="2874" t="22260" r="5977" b="17634"/>
+          <a:blip r:embed="rId2"/>
+          <a:srcRect l="20115" t="32277" r="18506" b="17225"/>
           <a:stretch>
             <a:fillRect/>
           </a:stretch>
         </p:blipFill>
         <p:spPr>
           <a:xfrm>
-            <a:off x="0" y="462454"/>
-            <a:ext cx="8873342" cy="4988911"/>
+            <a:off x="1177157" y="2144108"/>
+            <a:ext cx="6243146" cy="3965905"/>
           </a:xfrm>
           <a:prstGeom prst="rect">
             <a:avLst/>
@@ -4346,94 +4241,25 @@
           <a:chExt cx="0" cy="0"/>
         </a:xfrm>
       </p:grpSpPr>
-      <p:sp>
-        <p:nvSpPr>
-          <p:cNvPr id="2" name="TextBox 1"/>
-          <p:cNvSpPr txBox="1"/>
-          <p:nvPr/>
-        </p:nvSpPr>
-        <p:spPr>
-          <a:xfrm>
-            <a:off x="536029" y="770759"/>
-            <a:ext cx="7173374" cy="646331"/>
-          </a:xfrm>
-          <a:prstGeom prst="rect">
-            <a:avLst/>
-          </a:prstGeom>
-          <a:noFill/>
-        </p:spPr>
-        <p:txBody>
-          <a:bodyPr wrap="none" rtlCol="0">
-            <a:spAutoFit/>
-          </a:bodyPr>
-          <a:lstStyle/>
-          <a:p>
-            <a:r>
-              <a:rPr lang="en-US" b="1" dirty="0" err="1" smtClean="0"/>
-              <a:t>KagNet</a:t>
-            </a:r>
-            <a:r>
-              <a:rPr lang="en-US" b="1" dirty="0" smtClean="0"/>
-              <a:t>: Knowledge-Aware Graph Networks for Commonsense Reasoning</a:t>
-            </a:r>
-            <a:endParaRPr lang="en-US" b="1" dirty="0" smtClean="0"/>
-          </a:p>
-          <a:p>
-            <a:endParaRPr lang="en-IN" dirty="0"/>
-          </a:p>
-        </p:txBody>
-      </p:sp>
-      <p:sp>
-        <p:nvSpPr>
-          <p:cNvPr id="3" name="TextBox 2"/>
-          <p:cNvSpPr txBox="1"/>
-          <p:nvPr/>
-        </p:nvSpPr>
-        <p:spPr>
-          <a:xfrm>
-            <a:off x="714704" y="1471449"/>
-            <a:ext cx="3312702" cy="369332"/>
-          </a:xfrm>
-          <a:prstGeom prst="rect">
-            <a:avLst/>
-          </a:prstGeom>
-          <a:noFill/>
-        </p:spPr>
-        <p:txBody>
-          <a:bodyPr wrap="none" rtlCol="0">
-            <a:spAutoFit/>
-          </a:bodyPr>
-          <a:lstStyle/>
-          <a:p>
-            <a:r>
-              <a:rPr lang="en-IN" dirty="0" smtClean="0">
-                <a:hlinkClick r:id="rId1"/>
-              </a:rPr>
-              <a:t>https://arxiv.org/abs/1909.02151</a:t>
-            </a:r>
-            <a:endParaRPr lang="en-IN" dirty="0"/>
-          </a:p>
-        </p:txBody>
-      </p:sp>
       <p:pic>
         <p:nvPicPr>
-          <p:cNvPr id="5" name="Picture 4" descr="Screenshot (135).png"/>
+          <p:cNvPr id="2" name="Picture 1" descr="Screenshot (138).png"/>
           <p:cNvPicPr>
             <a:picLocks noChangeAspect="1"/>
           </p:cNvPicPr>
           <p:nvPr/>
         </p:nvPicPr>
         <p:blipFill>
-          <a:blip r:embed="rId2"/>
-          <a:srcRect l="49425" t="17762" r="6207" b="34194"/>
+          <a:blip r:embed="rId1"/>
+          <a:srcRect l="7701" t="19193" r="6782" b="12727"/>
           <a:stretch>
             <a:fillRect/>
           </a:stretch>
         </p:blipFill>
         <p:spPr>
           <a:xfrm>
-            <a:off x="693773" y="1863836"/>
-            <a:ext cx="6316629" cy="4246179"/>
+            <a:off x="1" y="910897"/>
+            <a:ext cx="8735519" cy="5213132"/>
           </a:xfrm>
           <a:prstGeom prst="rect">
             <a:avLst/>
@@ -4456,239 +4282,6 @@
 </file>
 
 <file path=ppt/slides/slide13.xml><?xml version="1.0" encoding="utf-8"?>
-<p:sld xmlns:a="http://schemas.openxmlformats.org/drawingml/2006/main" xmlns:r="http://schemas.openxmlformats.org/officeDocument/2006/relationships" xmlns:p="http://schemas.openxmlformats.org/presentationml/2006/main">
-  <p:cSld>
-    <p:spTree>
-      <p:nvGrpSpPr>
-        <p:cNvPr id="1" name=""/>
-        <p:cNvGrpSpPr/>
-        <p:nvPr/>
-      </p:nvGrpSpPr>
-      <p:grpSpPr>
-        <a:xfrm>
-          <a:off x="0" y="0"/>
-          <a:ext cx="0" cy="0"/>
-          <a:chOff x="0" y="0"/>
-          <a:chExt cx="0" cy="0"/>
-        </a:xfrm>
-      </p:grpSpPr>
-      <p:pic>
-        <p:nvPicPr>
-          <p:cNvPr id="2" name="Picture 1" descr="Screenshot (136).png"/>
-          <p:cNvPicPr>
-            <a:picLocks noChangeAspect="1"/>
-          </p:cNvPicPr>
-          <p:nvPr/>
-        </p:nvPicPr>
-        <p:blipFill>
-          <a:blip r:embed="rId1"/>
-          <a:srcRect l="14713" t="24304" r="15402" b="24381"/>
-          <a:stretch>
-            <a:fillRect/>
-          </a:stretch>
-        </p:blipFill>
-        <p:spPr>
-          <a:xfrm>
-            <a:off x="0" y="812801"/>
-            <a:ext cx="8702566" cy="4834759"/>
-          </a:xfrm>
-          <a:prstGeom prst="rect">
-            <a:avLst/>
-          </a:prstGeom>
-        </p:spPr>
-      </p:pic>
-    </p:spTree>
-  </p:cSld>
-  <p:clrMapOvr>
-    <a:masterClrMapping/>
-  </p:clrMapOvr>
-  <p:timing>
-    <p:tnLst>
-      <p:par>
-        <p:cTn id="1" dur="indefinite" restart="never" nodeType="tmRoot"/>
-      </p:par>
-    </p:tnLst>
-  </p:timing>
-</p:sld>
-</file>
-
-<file path=ppt/slides/slide14.xml><?xml version="1.0" encoding="utf-8"?>
-<p:sld xmlns:a="http://schemas.openxmlformats.org/drawingml/2006/main" xmlns:r="http://schemas.openxmlformats.org/officeDocument/2006/relationships" xmlns:p="http://schemas.openxmlformats.org/presentationml/2006/main">
-  <p:cSld>
-    <p:spTree>
-      <p:nvGrpSpPr>
-        <p:cNvPr id="1" name=""/>
-        <p:cNvGrpSpPr/>
-        <p:nvPr/>
-      </p:nvGrpSpPr>
-      <p:grpSpPr>
-        <a:xfrm>
-          <a:off x="0" y="0"/>
-          <a:ext cx="0" cy="0"/>
-          <a:chOff x="0" y="0"/>
-          <a:chExt cx="0" cy="0"/>
-        </a:xfrm>
-      </p:grpSpPr>
-      <p:sp>
-        <p:nvSpPr>
-          <p:cNvPr id="2" name="TextBox 1"/>
-          <p:cNvSpPr txBox="1"/>
-          <p:nvPr/>
-        </p:nvSpPr>
-        <p:spPr>
-          <a:xfrm>
-            <a:off x="536028" y="756746"/>
-            <a:ext cx="5081456" cy="369332"/>
-          </a:xfrm>
-          <a:prstGeom prst="rect">
-            <a:avLst/>
-          </a:prstGeom>
-          <a:noFill/>
-        </p:spPr>
-        <p:txBody>
-          <a:bodyPr wrap="none" rtlCol="0">
-            <a:spAutoFit/>
-          </a:bodyPr>
-          <a:lstStyle/>
-          <a:p>
-            <a:r>
-              <a:rPr lang="en-US" b="1" dirty="0" smtClean="0"/>
-              <a:t>Boost Image Captioning with Knowledge Reasoning</a:t>
-            </a:r>
-            <a:endParaRPr lang="en-IN" b="1" dirty="0"/>
-          </a:p>
-        </p:txBody>
-      </p:sp>
-      <p:sp>
-        <p:nvSpPr>
-          <p:cNvPr id="4" name="TextBox 3"/>
-          <p:cNvSpPr txBox="1"/>
-          <p:nvPr/>
-        </p:nvSpPr>
-        <p:spPr>
-          <a:xfrm>
-            <a:off x="641132" y="1429408"/>
-            <a:ext cx="3681905" cy="369332"/>
-          </a:xfrm>
-          <a:prstGeom prst="rect">
-            <a:avLst/>
-          </a:prstGeom>
-          <a:noFill/>
-        </p:spPr>
-        <p:txBody>
-          <a:bodyPr wrap="none" rtlCol="0">
-            <a:spAutoFit/>
-          </a:bodyPr>
-          <a:lstStyle/>
-          <a:p>
-            <a:r>
-              <a:rPr lang="en-IN" dirty="0" smtClean="0">
-                <a:hlinkClick r:id="rId1"/>
-              </a:rPr>
-              <a:t>https://arxiv.org/pdf/2011.00927.pdf</a:t>
-            </a:r>
-            <a:endParaRPr lang="en-IN" dirty="0"/>
-          </a:p>
-        </p:txBody>
-      </p:sp>
-      <p:pic>
-        <p:nvPicPr>
-          <p:cNvPr id="5" name="Picture 4" descr="Screenshot (137).png"/>
-          <p:cNvPicPr>
-            <a:picLocks noChangeAspect="1"/>
-          </p:cNvPicPr>
-          <p:nvPr/>
-        </p:nvPicPr>
-        <p:blipFill>
-          <a:blip r:embed="rId2"/>
-          <a:srcRect l="20115" t="32277" r="18506" b="17225"/>
-          <a:stretch>
-            <a:fillRect/>
-          </a:stretch>
-        </p:blipFill>
-        <p:spPr>
-          <a:xfrm>
-            <a:off x="1177157" y="2144108"/>
-            <a:ext cx="6243146" cy="3965905"/>
-          </a:xfrm>
-          <a:prstGeom prst="rect">
-            <a:avLst/>
-          </a:prstGeom>
-        </p:spPr>
-      </p:pic>
-    </p:spTree>
-  </p:cSld>
-  <p:clrMapOvr>
-    <a:masterClrMapping/>
-  </p:clrMapOvr>
-  <p:timing>
-    <p:tnLst>
-      <p:par>
-        <p:cTn id="1" dur="indefinite" restart="never" nodeType="tmRoot"/>
-      </p:par>
-    </p:tnLst>
-  </p:timing>
-</p:sld>
-</file>
-
-<file path=ppt/slides/slide15.xml><?xml version="1.0" encoding="utf-8"?>
-<p:sld xmlns:a="http://schemas.openxmlformats.org/drawingml/2006/main" xmlns:r="http://schemas.openxmlformats.org/officeDocument/2006/relationships" xmlns:p="http://schemas.openxmlformats.org/presentationml/2006/main">
-  <p:cSld>
-    <p:spTree>
-      <p:nvGrpSpPr>
-        <p:cNvPr id="1" name=""/>
-        <p:cNvGrpSpPr/>
-        <p:nvPr/>
-      </p:nvGrpSpPr>
-      <p:grpSpPr>
-        <a:xfrm>
-          <a:off x="0" y="0"/>
-          <a:ext cx="0" cy="0"/>
-          <a:chOff x="0" y="0"/>
-          <a:chExt cx="0" cy="0"/>
-        </a:xfrm>
-      </p:grpSpPr>
-      <p:pic>
-        <p:nvPicPr>
-          <p:cNvPr id="2" name="Picture 1" descr="Screenshot (138).png"/>
-          <p:cNvPicPr>
-            <a:picLocks noChangeAspect="1"/>
-          </p:cNvPicPr>
-          <p:nvPr/>
-        </p:nvPicPr>
-        <p:blipFill>
-          <a:blip r:embed="rId1"/>
-          <a:srcRect l="7701" t="19193" r="6782" b="12727"/>
-          <a:stretch>
-            <a:fillRect/>
-          </a:stretch>
-        </p:blipFill>
-        <p:spPr>
-          <a:xfrm>
-            <a:off x="1" y="910897"/>
-            <a:ext cx="8735519" cy="5213132"/>
-          </a:xfrm>
-          <a:prstGeom prst="rect">
-            <a:avLst/>
-          </a:prstGeom>
-        </p:spPr>
-      </p:pic>
-    </p:spTree>
-  </p:cSld>
-  <p:clrMapOvr>
-    <a:masterClrMapping/>
-  </p:clrMapOvr>
-  <p:timing>
-    <p:tnLst>
-      <p:par>
-        <p:cTn id="1" dur="indefinite" restart="never" nodeType="tmRoot"/>
-      </p:par>
-    </p:tnLst>
-  </p:timing>
-</p:sld>
-</file>
-
-<file path=ppt/slides/slide16.xml><?xml version="1.0" encoding="utf-8"?>
 <p:sld xmlns:a="http://schemas.openxmlformats.org/drawingml/2006/main" xmlns:r="http://schemas.openxmlformats.org/officeDocument/2006/relationships" xmlns:p="http://schemas.openxmlformats.org/presentationml/2006/main">
   <p:cSld>
     <p:spTree>
@@ -5968,39 +5561,215 @@
         <p:cNvGrpSpPr/>
         <p:nvPr/>
       </p:nvGrpSpPr>
-      <p:grpSpPr/>
+      <p:grpSpPr>
+        <a:xfrm>
+          <a:off x="0" y="0"/>
+          <a:ext cx="0" cy="0"/>
+          <a:chOff x="0" y="0"/>
+          <a:chExt cx="0" cy="0"/>
+        </a:xfrm>
+      </p:grpSpPr>
+      <p:sp>
+        <p:nvSpPr>
+          <p:cNvPr id="2" name="TextBox 1"/>
+          <p:cNvSpPr txBox="1"/>
+          <p:nvPr/>
+        </p:nvSpPr>
+        <p:spPr>
+          <a:xfrm>
+            <a:off x="0" y="196193"/>
+            <a:ext cx="7650812" cy="646331"/>
+          </a:xfrm>
+          <a:prstGeom prst="rect">
+            <a:avLst/>
+          </a:prstGeom>
+          <a:noFill/>
+        </p:spPr>
+        <p:txBody>
+          <a:bodyPr wrap="none" rtlCol="0">
+            <a:spAutoFit/>
+          </a:bodyPr>
+          <a:lstStyle/>
+          <a:p>
+            <a:r>
+              <a:rPr lang="en-US" b="1" dirty="0" smtClean="0"/>
+              <a:t>Connective Cognition Network for Directional Visual Commonsense Reasoning</a:t>
+            </a:r>
+            <a:endParaRPr lang="en-US" b="1" dirty="0" smtClean="0"/>
+          </a:p>
+          <a:p>
+            <a:endParaRPr lang="en-IN" b="1" dirty="0"/>
+          </a:p>
+        </p:txBody>
+      </p:sp>
+      <p:sp>
+        <p:nvSpPr>
+          <p:cNvPr id="3" name="TextBox 2"/>
+          <p:cNvSpPr txBox="1"/>
+          <p:nvPr/>
+        </p:nvSpPr>
+        <p:spPr>
+          <a:xfrm>
+            <a:off x="1" y="826814"/>
+            <a:ext cx="7672553" cy="646331"/>
+          </a:xfrm>
+          <a:prstGeom prst="rect">
+            <a:avLst/>
+          </a:prstGeom>
+          <a:noFill/>
+        </p:spPr>
+        <p:txBody>
+          <a:bodyPr wrap="square" rtlCol="0">
+            <a:spAutoFit/>
+          </a:bodyPr>
+          <a:lstStyle/>
+          <a:p>
+            <a:r>
+              <a:rPr lang="en-IN" dirty="0" smtClean="0">
+                <a:hlinkClick r:id="rId1"/>
+              </a:rPr>
+              <a:t>https://papers.nips.cc/paper/2019/file/8a56257ea05c74018291954fc56fc448-Paper.pdf</a:t>
+            </a:r>
+            <a:endParaRPr lang="en-IN" dirty="0"/>
+          </a:p>
+        </p:txBody>
+      </p:sp>
       <p:pic>
         <p:nvPicPr>
-          <p:cNvPr id="9" name="Content Placeholder 8"/>
+          <p:cNvPr id="4" name="Picture 3" descr="Screenshot (133).png"/>
           <p:cNvPicPr>
             <a:picLocks noChangeAspect="1"/>
           </p:cNvPicPr>
-          <p:nvPr>
-            <p:ph idx="1"/>
-          </p:nvPr>
+          <p:nvPr/>
         </p:nvPicPr>
         <p:blipFill>
-          <a:blip r:embed="rId1"/>
-          <a:srcRect l="18515" t="18476" r="19556" b="13510"/>
+          <a:blip r:embed="rId2"/>
+          <a:srcRect l="1379" t="34731" r="-1379" b="13954"/>
           <a:stretch>
             <a:fillRect/>
           </a:stretch>
         </p:blipFill>
         <p:spPr>
           <a:xfrm>
-            <a:off x="692785" y="523875"/>
-            <a:ext cx="7757795" cy="4792980"/>
+            <a:off x="0" y="2550512"/>
+            <a:ext cx="9144000" cy="4106041"/>
           </a:xfrm>
           <a:prstGeom prst="rect">
             <a:avLst/>
           </a:prstGeom>
         </p:spPr>
       </p:pic>
+      <p:sp>
+        <p:nvSpPr>
+          <p:cNvPr id="5" name="Rectangle 4"/>
+          <p:cNvSpPr/>
+          <p:nvPr/>
+        </p:nvSpPr>
+        <p:spPr>
+          <a:xfrm>
+            <a:off x="0" y="1371600"/>
+            <a:ext cx="4090800" cy="369332"/>
+          </a:xfrm>
+          <a:prstGeom prst="rect">
+            <a:avLst/>
+          </a:prstGeom>
+        </p:spPr>
+        <p:txBody>
+          <a:bodyPr wrap="none">
+            <a:spAutoFit/>
+          </a:bodyPr>
+          <a:lstStyle/>
+          <a:p>
+            <a:r>
+              <a:rPr lang="en-US" dirty="0" smtClean="0">
+                <a:latin typeface="Times New Roman" panose="02020603050405020304" charset="0"/>
+                <a:cs typeface="Times New Roman" panose="02020603050405020304" charset="0"/>
+              </a:rPr>
+              <a:t>Dataset : Visual Commonsense Reasoning</a:t>
+            </a:r>
+            <a:endParaRPr lang="en-IN" dirty="0">
+              <a:latin typeface="Times New Roman" panose="02020603050405020304" charset="0"/>
+              <a:cs typeface="Times New Roman" panose="02020603050405020304" charset="0"/>
+            </a:endParaRPr>
+          </a:p>
+        </p:txBody>
+      </p:sp>
+      <p:sp>
+        <p:nvSpPr>
+          <p:cNvPr id="6" name="TextBox 5"/>
+          <p:cNvSpPr txBox="1"/>
+          <p:nvPr/>
+        </p:nvSpPr>
+        <p:spPr>
+          <a:xfrm>
+            <a:off x="1" y="1617592"/>
+            <a:ext cx="2227469" cy="923330"/>
+          </a:xfrm>
+          <a:prstGeom prst="rect">
+            <a:avLst/>
+          </a:prstGeom>
+          <a:noFill/>
+        </p:spPr>
+        <p:txBody>
+          <a:bodyPr wrap="none" rtlCol="0">
+            <a:spAutoFit/>
+          </a:bodyPr>
+          <a:lstStyle/>
+          <a:p>
+            <a:pPr>
+              <a:buFont typeface="Arial" panose="020B0604020202020204" pitchFamily="34" charset="0"/>
+              <a:buChar char="•"/>
+            </a:pPr>
+            <a:r>
+              <a:rPr lang="en-US" dirty="0"/>
+              <a:t> </a:t>
+            </a:r>
+            <a:r>
+              <a:rPr lang="en-US" dirty="0" smtClean="0"/>
+              <a:t>List </a:t>
+            </a:r>
+            <a:r>
+              <a:rPr lang="en-US" dirty="0"/>
+              <a:t>of objects</a:t>
+            </a:r>
+            <a:endParaRPr lang="en-US" dirty="0"/>
+          </a:p>
+          <a:p>
+            <a:pPr>
+              <a:buFont typeface="Arial" panose="020B0604020202020204" pitchFamily="34" charset="0"/>
+              <a:buChar char="•"/>
+            </a:pPr>
+            <a:r>
+              <a:rPr lang="en-US" dirty="0"/>
+              <a:t> A query </a:t>
+            </a:r>
+            <a:endParaRPr lang="en-US" dirty="0"/>
+          </a:p>
+          <a:p>
+            <a:pPr>
+              <a:buFont typeface="Arial" panose="020B0604020202020204" pitchFamily="34" charset="0"/>
+              <a:buChar char="•"/>
+            </a:pPr>
+            <a:r>
+              <a:rPr lang="en-US" dirty="0"/>
+              <a:t> A set of N responses</a:t>
+            </a:r>
+            <a:endParaRPr lang="en-US" dirty="0"/>
+          </a:p>
+        </p:txBody>
+      </p:sp>
     </p:spTree>
   </p:cSld>
   <p:clrMapOvr>
     <a:masterClrMapping/>
   </p:clrMapOvr>
+  <p:timing>
+    <p:tnLst>
+      <p:par>
+        <p:cTn id="1" dur="indefinite" restart="never" nodeType="tmRoot"/>
+      </p:par>
+    </p:tnLst>
+  </p:timing>
 </p:sld>
 </file>
 
@@ -6013,27 +5782,33 @@
         <p:cNvGrpSpPr/>
         <p:nvPr/>
       </p:nvGrpSpPr>
-      <p:grpSpPr/>
+      <p:grpSpPr>
+        <a:xfrm>
+          <a:off x="0" y="0"/>
+          <a:ext cx="0" cy="0"/>
+          <a:chOff x="0" y="0"/>
+          <a:chExt cx="0" cy="0"/>
+        </a:xfrm>
+      </p:grpSpPr>
       <p:pic>
         <p:nvPicPr>
-          <p:cNvPr id="7" name="Content Placeholder 6" descr="ic"/>
+          <p:cNvPr id="2" name="Picture 1" descr="Screenshot (134).png"/>
           <p:cNvPicPr>
             <a:picLocks noChangeAspect="1"/>
           </p:cNvPicPr>
-          <p:nvPr>
-            <p:ph idx="1"/>
-          </p:nvPr>
+          <p:nvPr/>
         </p:nvPicPr>
         <p:blipFill>
           <a:blip r:embed="rId1"/>
+          <a:srcRect l="2874" t="22260" r="5977" b="17634"/>
           <a:stretch>
             <a:fillRect/>
           </a:stretch>
         </p:blipFill>
         <p:spPr>
           <a:xfrm>
-            <a:off x="843915" y="1705610"/>
-            <a:ext cx="7635240" cy="3695700"/>
+            <a:off x="0" y="462454"/>
+            <a:ext cx="8873342" cy="4988911"/>
           </a:xfrm>
           <a:prstGeom prst="rect">
             <a:avLst/>
@@ -6045,6 +5820,13 @@
   <p:clrMapOvr>
     <a:masterClrMapping/>
   </p:clrMapOvr>
+  <p:timing>
+    <p:tnLst>
+      <p:par>
+        <p:cTn id="1" dur="indefinite" restart="never" nodeType="tmRoot"/>
+      </p:par>
+    </p:tnLst>
+  </p:timing>
 </p:sld>
 </file>
 
@@ -6065,87 +5847,94 @@
           <a:chExt cx="0" cy="0"/>
         </a:xfrm>
       </p:grpSpPr>
+      <p:sp>
+        <p:nvSpPr>
+          <p:cNvPr id="2" name="TextBox 1"/>
+          <p:cNvSpPr txBox="1"/>
+          <p:nvPr/>
+        </p:nvSpPr>
+        <p:spPr>
+          <a:xfrm>
+            <a:off x="536029" y="770759"/>
+            <a:ext cx="7173374" cy="646331"/>
+          </a:xfrm>
+          <a:prstGeom prst="rect">
+            <a:avLst/>
+          </a:prstGeom>
+          <a:noFill/>
+        </p:spPr>
+        <p:txBody>
+          <a:bodyPr wrap="none" rtlCol="0">
+            <a:spAutoFit/>
+          </a:bodyPr>
+          <a:lstStyle/>
+          <a:p>
+            <a:r>
+              <a:rPr lang="en-US" b="1" dirty="0" err="1" smtClean="0"/>
+              <a:t>KagNet</a:t>
+            </a:r>
+            <a:r>
+              <a:rPr lang="en-US" b="1" dirty="0" smtClean="0"/>
+              <a:t>: Knowledge-Aware Graph Networks for Commonsense Reasoning</a:t>
+            </a:r>
+            <a:endParaRPr lang="en-US" b="1" dirty="0" smtClean="0"/>
+          </a:p>
+          <a:p>
+            <a:endParaRPr lang="en-IN" dirty="0"/>
+          </a:p>
+        </p:txBody>
+      </p:sp>
+      <p:sp>
+        <p:nvSpPr>
+          <p:cNvPr id="3" name="TextBox 2"/>
+          <p:cNvSpPr txBox="1"/>
+          <p:nvPr/>
+        </p:nvSpPr>
+        <p:spPr>
+          <a:xfrm>
+            <a:off x="714704" y="1471449"/>
+            <a:ext cx="3312702" cy="369332"/>
+          </a:xfrm>
+          <a:prstGeom prst="rect">
+            <a:avLst/>
+          </a:prstGeom>
+          <a:noFill/>
+        </p:spPr>
+        <p:txBody>
+          <a:bodyPr wrap="none" rtlCol="0">
+            <a:spAutoFit/>
+          </a:bodyPr>
+          <a:lstStyle/>
+          <a:p>
+            <a:r>
+              <a:rPr lang="en-IN" dirty="0" smtClean="0">
+                <a:hlinkClick r:id="rId1"/>
+              </a:rPr>
+              <a:t>https://arxiv.org/abs/1909.02151</a:t>
+            </a:r>
+            <a:endParaRPr lang="en-IN" dirty="0"/>
+          </a:p>
+        </p:txBody>
+      </p:sp>
       <p:pic>
         <p:nvPicPr>
-          <p:cNvPr id="6" name="Content Placeholder 5"/>
+          <p:cNvPr id="5" name="Picture 4" descr="Screenshot (135).png"/>
           <p:cNvPicPr>
             <a:picLocks noChangeAspect="1"/>
           </p:cNvPicPr>
-          <p:nvPr>
-            <p:ph sz="half" idx="1"/>
-          </p:nvPr>
+          <p:nvPr/>
         </p:nvPicPr>
         <p:blipFill>
-          <a:blip r:embed="rId1"/>
+          <a:blip r:embed="rId2"/>
+          <a:srcRect l="49425" t="17762" r="6207" b="34194"/>
           <a:stretch>
             <a:fillRect/>
           </a:stretch>
         </p:blipFill>
         <p:spPr>
           <a:xfrm>
-            <a:off x="457200" y="1412875"/>
-            <a:ext cx="4038600" cy="3681095"/>
-          </a:xfrm>
-          <a:prstGeom prst="rect">
-            <a:avLst/>
-          </a:prstGeom>
-        </p:spPr>
-      </p:pic>
-      <p:sp>
-        <p:nvSpPr>
-          <p:cNvPr id="7" name="Text Box 6"/>
-          <p:cNvSpPr txBox="1"/>
-          <p:nvPr/>
-        </p:nvSpPr>
-        <p:spPr>
-          <a:xfrm>
-            <a:off x="954405" y="5604510"/>
-            <a:ext cx="7712710" cy="368300"/>
-          </a:xfrm>
-          <a:prstGeom prst="rect">
-            <a:avLst/>
-          </a:prstGeom>
-          <a:noFill/>
-        </p:spPr>
-        <p:txBody>
-          <a:bodyPr wrap="square" rtlCol="0" anchor="t">
-            <a:spAutoFit/>
-          </a:bodyPr>
-          <a:p>
-            <a:r>
-              <a:rPr lang="en-US">
-                <a:latin typeface="Georgia" panose="02040502050405020303" charset="0"/>
-                <a:cs typeface="Georgia" panose="02040502050405020303" charset="0"/>
-              </a:rPr>
-              <a:t>https://www.sciencedirect.com/science/article/pii/S0020025515006404</a:t>
-            </a:r>
-            <a:endParaRPr lang="en-US">
-              <a:latin typeface="Georgia" panose="02040502050405020303" charset="0"/>
-              <a:cs typeface="Georgia" panose="02040502050405020303" charset="0"/>
-            </a:endParaRPr>
-          </a:p>
-        </p:txBody>
-      </p:sp>
-      <p:pic>
-        <p:nvPicPr>
-          <p:cNvPr id="2" name="Content Placeholder 1"/>
-          <p:cNvPicPr>
-            <a:picLocks noChangeAspect="1"/>
-          </p:cNvPicPr>
-          <p:nvPr>
-            <p:ph sz="half" idx="2"/>
-          </p:nvPr>
-        </p:nvPicPr>
-        <p:blipFill>
-          <a:blip r:embed="rId2"/>
-          <a:stretch>
-            <a:fillRect/>
-          </a:stretch>
-        </p:blipFill>
-        <p:spPr>
-          <a:xfrm>
-            <a:off x="4695190" y="2730500"/>
-            <a:ext cx="3991610" cy="2291080"/>
+            <a:off x="693773" y="1863836"/>
+            <a:ext cx="6316629" cy="4246179"/>
           </a:xfrm>
           <a:prstGeom prst="rect">
             <a:avLst/>
@@ -6157,6 +5946,13 @@
   <p:clrMapOvr>
     <a:masterClrMapping/>
   </p:clrMapOvr>
+  <p:timing>
+    <p:tnLst>
+      <p:par>
+        <p:cTn id="1" dur="indefinite" restart="never" nodeType="tmRoot"/>
+      </p:par>
+    </p:tnLst>
+  </p:timing>
 </p:sld>
 </file>
 

--- a/Literature survey 3.pptx
+++ b/Literature survey 3.pptx
@@ -12,15 +12,16 @@
     <p:sldId id="266" r:id="rId5"/>
     <p:sldId id="270" r:id="rId6"/>
     <p:sldId id="271" r:id="rId7"/>
-    <p:sldId id="272" r:id="rId8"/>
-    <p:sldId id="258" r:id="rId9"/>
-    <p:sldId id="259" r:id="rId10"/>
-    <p:sldId id="260" r:id="rId11"/>
-    <p:sldId id="261" r:id="rId12"/>
-    <p:sldId id="262" r:id="rId13"/>
-    <p:sldId id="263" r:id="rId14"/>
-    <p:sldId id="264" r:id="rId15"/>
-    <p:sldId id="265" r:id="rId16"/>
+    <p:sldId id="281" r:id="rId8"/>
+    <p:sldId id="272" r:id="rId9"/>
+    <p:sldId id="258" r:id="rId10"/>
+    <p:sldId id="259" r:id="rId11"/>
+    <p:sldId id="260" r:id="rId12"/>
+    <p:sldId id="261" r:id="rId13"/>
+    <p:sldId id="262" r:id="rId14"/>
+    <p:sldId id="263" r:id="rId15"/>
+    <p:sldId id="264" r:id="rId16"/>
+    <p:sldId id="265" r:id="rId17"/>
   </p:sldIdLst>
   <p:sldSz cx="9144000" cy="6858000" type="screen4x3"/>
   <p:notesSz cx="6858000" cy="9144000"/>
@@ -572,6 +573,50 @@
 </file>
 
 <file path=ppt/notesSlides/notesSlide3.xml><?xml version="1.0" encoding="utf-8"?>
+<p:notes xmlns:a="http://schemas.openxmlformats.org/drawingml/2006/main" xmlns:r="http://schemas.openxmlformats.org/officeDocument/2006/relationships" xmlns:p="http://schemas.openxmlformats.org/presentationml/2006/main">
+  <p:cSld>
+    <p:spTree>
+      <p:nvGrpSpPr>
+        <p:cNvPr id="1" name=""/>
+        <p:cNvGrpSpPr/>
+        <p:nvPr/>
+      </p:nvGrpSpPr>
+      <p:grpSpPr/>
+      <p:sp>
+        <p:nvSpPr>
+          <p:cNvPr id="2" name="Slide Image Placeholder 1"/>
+          <p:cNvSpPr/>
+          <p:nvPr>
+            <p:ph type="sldImg" idx="2"/>
+          </p:nvPr>
+        </p:nvSpPr>
+        <p:spPr/>
+      </p:sp>
+      <p:sp>
+        <p:nvSpPr>
+          <p:cNvPr id="3" name="Text Placeholder 2"/>
+          <p:cNvSpPr/>
+          <p:nvPr>
+            <p:ph type="body" idx="3"/>
+          </p:nvPr>
+        </p:nvSpPr>
+        <p:spPr/>
+        <p:txBody>
+          <a:bodyPr/>
+          <a:p>
+            <a:endParaRPr lang="en-US"/>
+          </a:p>
+        </p:txBody>
+      </p:sp>
+    </p:spTree>
+  </p:cSld>
+  <p:clrMapOvr>
+    <a:masterClrMapping/>
+  </p:clrMapOvr>
+</p:notes>
+</file>
+
+<file path=ppt/notesSlides/notesSlide4.xml><?xml version="1.0" encoding="utf-8"?>
 <p:notes xmlns:a="http://schemas.openxmlformats.org/drawingml/2006/main" xmlns:r="http://schemas.openxmlformats.org/officeDocument/2006/relationships" xmlns:p="http://schemas.openxmlformats.org/presentationml/2006/main">
   <p:cSld>
     <p:spTree>
@@ -4065,25 +4110,94 @@
           <a:chExt cx="0" cy="0"/>
         </a:xfrm>
       </p:grpSpPr>
+      <p:sp>
+        <p:nvSpPr>
+          <p:cNvPr id="2" name="TextBox 1"/>
+          <p:cNvSpPr txBox="1"/>
+          <p:nvPr/>
+        </p:nvSpPr>
+        <p:spPr>
+          <a:xfrm>
+            <a:off x="536029" y="770759"/>
+            <a:ext cx="7173374" cy="646331"/>
+          </a:xfrm>
+          <a:prstGeom prst="rect">
+            <a:avLst/>
+          </a:prstGeom>
+          <a:noFill/>
+        </p:spPr>
+        <p:txBody>
+          <a:bodyPr wrap="none" rtlCol="0">
+            <a:spAutoFit/>
+          </a:bodyPr>
+          <a:lstStyle/>
+          <a:p>
+            <a:r>
+              <a:rPr lang="en-US" b="1" dirty="0" err="1" smtClean="0"/>
+              <a:t>KagNet</a:t>
+            </a:r>
+            <a:r>
+              <a:rPr lang="en-US" b="1" dirty="0" smtClean="0"/>
+              <a:t>: Knowledge-Aware Graph Networks for Commonsense Reasoning</a:t>
+            </a:r>
+            <a:endParaRPr lang="en-US" b="1" dirty="0" smtClean="0"/>
+          </a:p>
+          <a:p>
+            <a:endParaRPr lang="en-IN" dirty="0"/>
+          </a:p>
+        </p:txBody>
+      </p:sp>
+      <p:sp>
+        <p:nvSpPr>
+          <p:cNvPr id="3" name="TextBox 2"/>
+          <p:cNvSpPr txBox="1"/>
+          <p:nvPr/>
+        </p:nvSpPr>
+        <p:spPr>
+          <a:xfrm>
+            <a:off x="714704" y="1471449"/>
+            <a:ext cx="3312702" cy="369332"/>
+          </a:xfrm>
+          <a:prstGeom prst="rect">
+            <a:avLst/>
+          </a:prstGeom>
+          <a:noFill/>
+        </p:spPr>
+        <p:txBody>
+          <a:bodyPr wrap="none" rtlCol="0">
+            <a:spAutoFit/>
+          </a:bodyPr>
+          <a:lstStyle/>
+          <a:p>
+            <a:r>
+              <a:rPr lang="en-IN" dirty="0" smtClean="0">
+                <a:hlinkClick r:id="rId1"/>
+              </a:rPr>
+              <a:t>https://arxiv.org/abs/1909.02151</a:t>
+            </a:r>
+            <a:endParaRPr lang="en-IN" dirty="0"/>
+          </a:p>
+        </p:txBody>
+      </p:sp>
       <p:pic>
         <p:nvPicPr>
-          <p:cNvPr id="2" name="Picture 1" descr="Screenshot (136).png"/>
+          <p:cNvPr id="5" name="Picture 4" descr="Screenshot (135).png"/>
           <p:cNvPicPr>
             <a:picLocks noChangeAspect="1"/>
           </p:cNvPicPr>
           <p:nvPr/>
         </p:nvPicPr>
         <p:blipFill>
-          <a:blip r:embed="rId1"/>
-          <a:srcRect l="14713" t="24304" r="15402" b="24381"/>
+          <a:blip r:embed="rId2"/>
+          <a:srcRect l="49425" t="17762" r="6207" b="34194"/>
           <a:stretch>
             <a:fillRect/>
           </a:stretch>
         </p:blipFill>
         <p:spPr>
           <a:xfrm>
-            <a:off x="0" y="812801"/>
-            <a:ext cx="8702566" cy="4834759"/>
+            <a:off x="693773" y="1863836"/>
+            <a:ext cx="6316629" cy="4246179"/>
           </a:xfrm>
           <a:prstGeom prst="rect">
             <a:avLst/>
@@ -4122,87 +4236,25 @@
           <a:chExt cx="0" cy="0"/>
         </a:xfrm>
       </p:grpSpPr>
-      <p:sp>
-        <p:nvSpPr>
-          <p:cNvPr id="2" name="TextBox 1"/>
-          <p:cNvSpPr txBox="1"/>
-          <p:nvPr/>
-        </p:nvSpPr>
-        <p:spPr>
-          <a:xfrm>
-            <a:off x="536028" y="756746"/>
-            <a:ext cx="5081456" cy="369332"/>
-          </a:xfrm>
-          <a:prstGeom prst="rect">
-            <a:avLst/>
-          </a:prstGeom>
-          <a:noFill/>
-        </p:spPr>
-        <p:txBody>
-          <a:bodyPr wrap="none" rtlCol="0">
-            <a:spAutoFit/>
-          </a:bodyPr>
-          <a:lstStyle/>
-          <a:p>
-            <a:r>
-              <a:rPr lang="en-US" b="1" dirty="0" smtClean="0"/>
-              <a:t>Boost Image Captioning with Knowledge Reasoning</a:t>
-            </a:r>
-            <a:endParaRPr lang="en-IN" b="1" dirty="0"/>
-          </a:p>
-        </p:txBody>
-      </p:sp>
-      <p:sp>
-        <p:nvSpPr>
-          <p:cNvPr id="4" name="TextBox 3"/>
-          <p:cNvSpPr txBox="1"/>
-          <p:nvPr/>
-        </p:nvSpPr>
-        <p:spPr>
-          <a:xfrm>
-            <a:off x="641132" y="1429408"/>
-            <a:ext cx="3681905" cy="369332"/>
-          </a:xfrm>
-          <a:prstGeom prst="rect">
-            <a:avLst/>
-          </a:prstGeom>
-          <a:noFill/>
-        </p:spPr>
-        <p:txBody>
-          <a:bodyPr wrap="none" rtlCol="0">
-            <a:spAutoFit/>
-          </a:bodyPr>
-          <a:lstStyle/>
-          <a:p>
-            <a:r>
-              <a:rPr lang="en-IN" dirty="0" smtClean="0">
-                <a:hlinkClick r:id="rId1"/>
-              </a:rPr>
-              <a:t>https://arxiv.org/pdf/2011.00927.pdf</a:t>
-            </a:r>
-            <a:endParaRPr lang="en-IN" dirty="0"/>
-          </a:p>
-        </p:txBody>
-      </p:sp>
       <p:pic>
         <p:nvPicPr>
-          <p:cNvPr id="5" name="Picture 4" descr="Screenshot (137).png"/>
+          <p:cNvPr id="2" name="Picture 1" descr="Screenshot (136).png"/>
           <p:cNvPicPr>
             <a:picLocks noChangeAspect="1"/>
           </p:cNvPicPr>
           <p:nvPr/>
         </p:nvPicPr>
         <p:blipFill>
-          <a:blip r:embed="rId2"/>
-          <a:srcRect l="20115" t="32277" r="18506" b="17225"/>
+          <a:blip r:embed="rId1"/>
+          <a:srcRect l="14713" t="24304" r="15402" b="24381"/>
           <a:stretch>
             <a:fillRect/>
           </a:stretch>
         </p:blipFill>
         <p:spPr>
           <a:xfrm>
-            <a:off x="1177157" y="2144108"/>
-            <a:ext cx="6243146" cy="3965905"/>
+            <a:off x="0" y="812801"/>
+            <a:ext cx="8702566" cy="4834759"/>
           </a:xfrm>
           <a:prstGeom prst="rect">
             <a:avLst/>
@@ -4241,25 +4293,87 @@
           <a:chExt cx="0" cy="0"/>
         </a:xfrm>
       </p:grpSpPr>
+      <p:sp>
+        <p:nvSpPr>
+          <p:cNvPr id="2" name="TextBox 1"/>
+          <p:cNvSpPr txBox="1"/>
+          <p:nvPr/>
+        </p:nvSpPr>
+        <p:spPr>
+          <a:xfrm>
+            <a:off x="536028" y="756746"/>
+            <a:ext cx="5081456" cy="369332"/>
+          </a:xfrm>
+          <a:prstGeom prst="rect">
+            <a:avLst/>
+          </a:prstGeom>
+          <a:noFill/>
+        </p:spPr>
+        <p:txBody>
+          <a:bodyPr wrap="none" rtlCol="0">
+            <a:spAutoFit/>
+          </a:bodyPr>
+          <a:lstStyle/>
+          <a:p>
+            <a:r>
+              <a:rPr lang="en-US" b="1" dirty="0" smtClean="0"/>
+              <a:t>Boost Image Captioning with Knowledge Reasoning</a:t>
+            </a:r>
+            <a:endParaRPr lang="en-IN" b="1" dirty="0"/>
+          </a:p>
+        </p:txBody>
+      </p:sp>
+      <p:sp>
+        <p:nvSpPr>
+          <p:cNvPr id="4" name="TextBox 3"/>
+          <p:cNvSpPr txBox="1"/>
+          <p:nvPr/>
+        </p:nvSpPr>
+        <p:spPr>
+          <a:xfrm>
+            <a:off x="641132" y="1429408"/>
+            <a:ext cx="3681905" cy="369332"/>
+          </a:xfrm>
+          <a:prstGeom prst="rect">
+            <a:avLst/>
+          </a:prstGeom>
+          <a:noFill/>
+        </p:spPr>
+        <p:txBody>
+          <a:bodyPr wrap="none" rtlCol="0">
+            <a:spAutoFit/>
+          </a:bodyPr>
+          <a:lstStyle/>
+          <a:p>
+            <a:r>
+              <a:rPr lang="en-IN" dirty="0" smtClean="0">
+                <a:hlinkClick r:id="rId1"/>
+              </a:rPr>
+              <a:t>https://arxiv.org/pdf/2011.00927.pdf</a:t>
+            </a:r>
+            <a:endParaRPr lang="en-IN" dirty="0"/>
+          </a:p>
+        </p:txBody>
+      </p:sp>
       <p:pic>
         <p:nvPicPr>
-          <p:cNvPr id="2" name="Picture 1" descr="Screenshot (138).png"/>
+          <p:cNvPr id="5" name="Picture 4" descr="Screenshot (137).png"/>
           <p:cNvPicPr>
             <a:picLocks noChangeAspect="1"/>
           </p:cNvPicPr>
           <p:nvPr/>
         </p:nvPicPr>
         <p:blipFill>
-          <a:blip r:embed="rId1"/>
-          <a:srcRect l="7701" t="19193" r="6782" b="12727"/>
+          <a:blip r:embed="rId2"/>
+          <a:srcRect l="20115" t="32277" r="18506" b="17225"/>
           <a:stretch>
             <a:fillRect/>
           </a:stretch>
         </p:blipFill>
         <p:spPr>
           <a:xfrm>
-            <a:off x="1" y="910897"/>
-            <a:ext cx="8735519" cy="5213132"/>
+            <a:off x="1177157" y="2144108"/>
+            <a:ext cx="6243146" cy="3965905"/>
           </a:xfrm>
           <a:prstGeom prst="rect">
             <a:avLst/>
@@ -4282,6 +4396,63 @@
 </file>
 
 <file path=ppt/slides/slide13.xml><?xml version="1.0" encoding="utf-8"?>
+<p:sld xmlns:a="http://schemas.openxmlformats.org/drawingml/2006/main" xmlns:r="http://schemas.openxmlformats.org/officeDocument/2006/relationships" xmlns:p="http://schemas.openxmlformats.org/presentationml/2006/main">
+  <p:cSld>
+    <p:spTree>
+      <p:nvGrpSpPr>
+        <p:cNvPr id="1" name=""/>
+        <p:cNvGrpSpPr/>
+        <p:nvPr/>
+      </p:nvGrpSpPr>
+      <p:grpSpPr>
+        <a:xfrm>
+          <a:off x="0" y="0"/>
+          <a:ext cx="0" cy="0"/>
+          <a:chOff x="0" y="0"/>
+          <a:chExt cx="0" cy="0"/>
+        </a:xfrm>
+      </p:grpSpPr>
+      <p:pic>
+        <p:nvPicPr>
+          <p:cNvPr id="2" name="Picture 1" descr="Screenshot (138).png"/>
+          <p:cNvPicPr>
+            <a:picLocks noChangeAspect="1"/>
+          </p:cNvPicPr>
+          <p:nvPr/>
+        </p:nvPicPr>
+        <p:blipFill>
+          <a:blip r:embed="rId1"/>
+          <a:srcRect l="7701" t="19193" r="6782" b="12727"/>
+          <a:stretch>
+            <a:fillRect/>
+          </a:stretch>
+        </p:blipFill>
+        <p:spPr>
+          <a:xfrm>
+            <a:off x="1" y="910897"/>
+            <a:ext cx="8735519" cy="5213132"/>
+          </a:xfrm>
+          <a:prstGeom prst="rect">
+            <a:avLst/>
+          </a:prstGeom>
+        </p:spPr>
+      </p:pic>
+    </p:spTree>
+  </p:cSld>
+  <p:clrMapOvr>
+    <a:masterClrMapping/>
+  </p:clrMapOvr>
+  <p:timing>
+    <p:tnLst>
+      <p:par>
+        <p:cTn id="1" dur="indefinite" restart="never" nodeType="tmRoot"/>
+      </p:par>
+    </p:tnLst>
+  </p:timing>
+</p:sld>
+</file>
+
+<file path=ppt/slides/slide14.xml><?xml version="1.0" encoding="utf-8"?>
 <p:sld xmlns:a="http://schemas.openxmlformats.org/drawingml/2006/main" xmlns:r="http://schemas.openxmlformats.org/officeDocument/2006/relationships" xmlns:p="http://schemas.openxmlformats.org/presentationml/2006/main">
   <p:cSld>
     <p:spTree>
@@ -5410,72 +5581,155 @@
             <p:ph type="title"/>
           </p:nvPr>
         </p:nvSpPr>
-        <p:spPr/>
-        <p:txBody>
-          <a:bodyPr>
-            <a:normAutofit fontScale="90000"/>
-          </a:bodyPr>
-          <a:p>
-            <a:r>
-              <a:rPr lang="en-IN" altLang="en-US" b="1">
-                <a:latin typeface="Georgia" panose="02040502050405020303" charset="0"/>
-                <a:cs typeface="Georgia" panose="02040502050405020303" charset="0"/>
-                <a:sym typeface="+mn-ea"/>
-              </a:rPr>
-              <a:t>References</a:t>
-            </a:r>
-            <a:br>
-              <a:rPr lang="en-IN" altLang="en-US" b="1">
+        <p:spPr>
+          <a:xfrm>
+            <a:off x="628650" y="688499"/>
+            <a:ext cx="7886700" cy="679609"/>
+          </a:xfrm>
+        </p:spPr>
+        <p:txBody>
+          <a:bodyPr/>
+          <a:p>
+            <a:r>
+              <a:rPr lang="en-US" sz="1800" b="1">
                 <a:latin typeface="Georgia" panose="02040502050405020303" charset="0"/>
                 <a:cs typeface="Georgia" panose="02040502050405020303" charset="0"/>
               </a:rPr>
-            </a:br>
-            <a:endParaRPr lang="en-US"/>
-          </a:p>
-        </p:txBody>
-      </p:sp>
-      <p:sp>
-        <p:nvSpPr>
-          <p:cNvPr id="3" name="Content Placeholder 2"/>
-          <p:cNvSpPr>
-            <a:spLocks noGrp="1"/>
-          </p:cNvSpPr>
-          <p:nvPr>
-            <p:ph idx="1"/>
-          </p:nvPr>
-        </p:nvSpPr>
-        <p:spPr/>
-        <p:txBody>
-          <a:bodyPr/>
-          <a:p>
-            <a:r>
-              <a:rPr lang="en-US" sz="1800" dirty="0">
-                <a:sym typeface="+mn-ea"/>
-              </a:rPr>
-              <a:t>https://arxiv.org/pdf/2005.04790.pdf</a:t>
-            </a:r>
-            <a:endParaRPr lang="en-US" sz="1800" dirty="0">
-              <a:sym typeface="+mn-ea"/>
+              <a:t>Exploring Hate Speech Detection in Multimodal Publications</a:t>
+            </a:r>
+            <a:endParaRPr lang="en-US" sz="1800" b="1">
+              <a:latin typeface="Georgia" panose="02040502050405020303" charset="0"/>
+              <a:cs typeface="Georgia" panose="02040502050405020303" charset="0"/>
             </a:endParaRPr>
           </a:p>
-          <a:p>
-            <a:r>
-              <a:rPr lang="en-US" sz="1800" dirty="0">
-                <a:sym typeface="+mn-ea"/>
-              </a:rPr>
-              <a:t>https://arxiv.org/pdf/2008.03781.pdf</a:t>
-            </a:r>
-            <a:endParaRPr lang="en-US" sz="1800" dirty="0">
-              <a:sym typeface="+mn-ea"/>
-            </a:endParaRPr>
-          </a:p>
-          <a:p>
-            <a:endParaRPr lang="en-US" sz="1800" dirty="0">
-              <a:sym typeface="+mn-ea"/>
-            </a:endParaRPr>
-          </a:p>
-        </p:txBody>
-      </p:sp>
+        </p:txBody>
+      </p:sp>
+      <p:pic>
+        <p:nvPicPr>
+          <p:cNvPr id="4" name="Content Placeholder 3"/>
+          <p:cNvPicPr>
+            <a:picLocks noChangeAspect="1"/>
+          </p:cNvPicPr>
+          <p:nvPr>
+            <p:ph sz="half" idx="1"/>
+          </p:nvPr>
+        </p:nvPicPr>
+        <p:blipFill>
+          <a:blip r:embed="rId1"/>
+          <a:srcRect t="15960" r="548"/>
+          <a:stretch>
+            <a:fillRect/>
+          </a:stretch>
+        </p:blipFill>
+        <p:spPr>
+          <a:xfrm>
+            <a:off x="4285615" y="2183130"/>
+            <a:ext cx="4057015" cy="3054985"/>
+          </a:xfrm>
+          <a:prstGeom prst="rect">
+            <a:avLst/>
+          </a:prstGeom>
+        </p:spPr>
+      </p:pic>
+      <p:sp>
+        <p:nvSpPr>
+          <p:cNvPr id="5" name="Text Box 4"/>
+          <p:cNvSpPr txBox="1"/>
+          <p:nvPr/>
+        </p:nvSpPr>
+        <p:spPr>
+          <a:xfrm>
+            <a:off x="1050925" y="1900555"/>
+            <a:ext cx="2159000" cy="1452880"/>
+          </a:xfrm>
+          <a:prstGeom prst="rect">
+            <a:avLst/>
+          </a:prstGeom>
+          <a:noFill/>
+        </p:spPr>
+        <p:txBody>
+          <a:bodyPr wrap="square" rtlCol="0">
+            <a:spAutoFit/>
+          </a:bodyPr>
+          <a:p>
+            <a:r>
+              <a:rPr lang="en-IN" altLang="en-US" sz="1350" b="1"/>
+              <a:t>Dataset</a:t>
+            </a:r>
+            <a:r>
+              <a:rPr lang="en-IN" altLang="en-US" sz="1500" b="1"/>
+              <a:t>:</a:t>
+            </a:r>
+            <a:r>
+              <a:rPr lang="en-IN" altLang="en-US" sz="1500"/>
+              <a:t>      imageg url</a:t>
+            </a:r>
+            <a:endParaRPr lang="en-IN" altLang="en-US" sz="1500"/>
+          </a:p>
+          <a:p>
+            <a:r>
+              <a:rPr lang="en-IN" altLang="en-US" sz="1500"/>
+              <a:t>	tweet url</a:t>
+            </a:r>
+            <a:endParaRPr lang="en-IN" altLang="en-US" sz="1500"/>
+          </a:p>
+          <a:p>
+            <a:r>
+              <a:rPr lang="en-IN" altLang="en-US" sz="1500"/>
+              <a:t>	tweet text</a:t>
+            </a:r>
+            <a:endParaRPr lang="en-IN" altLang="en-US" sz="1500"/>
+          </a:p>
+          <a:p>
+            <a:r>
+              <a:rPr lang="en-IN" altLang="en-US" sz="1500"/>
+              <a:t>	label_str</a:t>
+            </a:r>
+            <a:endParaRPr lang="en-IN" altLang="en-US" sz="1500"/>
+          </a:p>
+          <a:p>
+            <a:r>
+              <a:rPr lang="en-IN" altLang="en-US" sz="1500"/>
+              <a:t>	label</a:t>
+            </a:r>
+            <a:endParaRPr lang="en-IN" altLang="en-US" sz="1500"/>
+          </a:p>
+          <a:p>
+            <a:r>
+              <a:rPr lang="en-IN" altLang="en-US" sz="1350"/>
+              <a:t>	</a:t>
+            </a:r>
+            <a:endParaRPr lang="en-IN" altLang="en-US" sz="1350"/>
+          </a:p>
+        </p:txBody>
+      </p:sp>
+      <p:pic>
+        <p:nvPicPr>
+          <p:cNvPr id="6" name="Content Placeholder 5"/>
+          <p:cNvPicPr>
+            <a:picLocks noChangeAspect="1"/>
+          </p:cNvPicPr>
+          <p:nvPr>
+            <p:ph sz="half" idx="2"/>
+          </p:nvPr>
+        </p:nvPicPr>
+        <p:blipFill>
+          <a:blip r:embed="rId2"/>
+          <a:srcRect l="-7117" t="134" r="16575" b="3485"/>
+          <a:stretch>
+            <a:fillRect/>
+          </a:stretch>
+        </p:blipFill>
+        <p:spPr>
+          <a:xfrm>
+            <a:off x="248285" y="3432175"/>
+            <a:ext cx="3886200" cy="2684780"/>
+          </a:xfrm>
+          <a:prstGeom prst="rect">
+            <a:avLst/>
+          </a:prstGeom>
+        </p:spPr>
+      </p:pic>
     </p:spTree>
   </p:cSld>
   <p:clrMapOvr>
@@ -5493,14 +5747,7 @@
         <p:cNvGrpSpPr/>
         <p:nvPr/>
       </p:nvGrpSpPr>
-      <p:grpSpPr>
-        <a:xfrm>
-          <a:off x="0" y="0"/>
-          <a:ext cx="0" cy="0"/>
-          <a:chOff x="0" y="0"/>
-          <a:chExt cx="0" cy="0"/>
-        </a:xfrm>
-      </p:grpSpPr>
+      <p:grpSpPr/>
       <p:sp>
         <p:nvSpPr>
           <p:cNvPr id="2" name="Title 1"/>
@@ -5511,28 +5758,84 @@
             <p:ph type="title"/>
           </p:nvPr>
         </p:nvSpPr>
-        <p:spPr>
-          <a:xfrm>
-            <a:off x="376177" y="2679881"/>
-            <a:ext cx="8520600" cy="1108400"/>
-          </a:xfrm>
-        </p:spPr>
-        <p:txBody>
-          <a:bodyPr/>
-          <a:lstStyle/>
-          <a:p>
-            <a:pPr algn="ctr"/>
-            <a:r>
-              <a:rPr lang="en-US" sz="2400" dirty="0">
-                <a:latin typeface="Times New Roman" panose="02020603050405020304" charset="0"/>
-                <a:cs typeface="Times New Roman" panose="02020603050405020304" charset="0"/>
+        <p:spPr/>
+        <p:txBody>
+          <a:bodyPr>
+            <a:normAutofit fontScale="90000"/>
+          </a:bodyPr>
+          <a:p>
+            <a:r>
+              <a:rPr lang="en-IN" altLang="en-US" b="1">
+                <a:latin typeface="Georgia" panose="02040502050405020303" charset="0"/>
+                <a:cs typeface="Georgia" panose="02040502050405020303" charset="0"/>
                 <a:sym typeface="+mn-ea"/>
               </a:rPr>
-              <a:t>Task 2  : Reasoning Of Meme Labelled Into Different Categories </a:t>
-            </a:r>
-            <a:endParaRPr lang="en-IN" sz="2400" dirty="0">
-              <a:latin typeface="Times New Roman" panose="02020603050405020304" charset="0"/>
-              <a:cs typeface="Times New Roman" panose="02020603050405020304" charset="0"/>
+              <a:t>References</a:t>
+            </a:r>
+            <a:br>
+              <a:rPr lang="en-IN" altLang="en-US" b="1">
+                <a:latin typeface="Georgia" panose="02040502050405020303" charset="0"/>
+                <a:cs typeface="Georgia" panose="02040502050405020303" charset="0"/>
+              </a:rPr>
+            </a:br>
+            <a:endParaRPr lang="en-US"/>
+          </a:p>
+        </p:txBody>
+      </p:sp>
+      <p:sp>
+        <p:nvSpPr>
+          <p:cNvPr id="3" name="Content Placeholder 2"/>
+          <p:cNvSpPr>
+            <a:spLocks noGrp="1"/>
+          </p:cNvSpPr>
+          <p:nvPr>
+            <p:ph idx="1"/>
+          </p:nvPr>
+        </p:nvSpPr>
+        <p:spPr/>
+        <p:txBody>
+          <a:bodyPr/>
+          <a:p>
+            <a:r>
+              <a:rPr lang="en-US" sz="1800" dirty="0">
+                <a:sym typeface="+mn-ea"/>
+              </a:rPr>
+              <a:t>https://arxiv.org/pdf/2005.04790.pdf</a:t>
+            </a:r>
+            <a:endParaRPr lang="en-US" sz="1800" dirty="0">
+              <a:sym typeface="+mn-ea"/>
+            </a:endParaRPr>
+          </a:p>
+          <a:p>
+            <a:r>
+              <a:rPr lang="en-US" sz="1800" dirty="0">
+                <a:sym typeface="+mn-ea"/>
+              </a:rPr>
+              <a:t>https://arxiv.org/pdf/2008.03781.pdf</a:t>
+            </a:r>
+            <a:endParaRPr lang="en-US" sz="1800" dirty="0">
+              <a:sym typeface="+mn-ea"/>
+            </a:endParaRPr>
+          </a:p>
+          <a:p>
+            <a:r>
+              <a:rPr lang="en-US" sz="1800" dirty="0">
+                <a:sym typeface="+mn-ea"/>
+              </a:rPr>
+              <a:t>https://arxiv.org/pdf/1910.03814.pdf</a:t>
+            </a:r>
+            <a:endParaRPr lang="en-US" sz="1800" dirty="0">
+              <a:sym typeface="+mn-ea"/>
+            </a:endParaRPr>
+          </a:p>
+          <a:p>
+            <a:endParaRPr lang="en-US" sz="1800" dirty="0">
+              <a:sym typeface="+mn-ea"/>
+            </a:endParaRPr>
+          </a:p>
+          <a:p>
+            <a:endParaRPr lang="en-US" sz="1800" dirty="0">
+              <a:sym typeface="+mn-ea"/>
             </a:endParaRPr>
           </a:p>
         </p:txBody>
@@ -5542,13 +5845,6 @@
   <p:clrMapOvr>
     <a:masterClrMapping/>
   </p:clrMapOvr>
-  <p:timing>
-    <p:tnLst>
-      <p:par>
-        <p:cTn id="1" dur="indefinite" restart="never" nodeType="tmRoot"/>
-      </p:par>
-    </p:tnLst>
-  </p:timing>
 </p:sld>
 </file>
 
@@ -5571,190 +5867,37 @@
       </p:grpSpPr>
       <p:sp>
         <p:nvSpPr>
-          <p:cNvPr id="2" name="TextBox 1"/>
-          <p:cNvSpPr txBox="1"/>
-          <p:nvPr/>
-        </p:nvSpPr>
-        <p:spPr>
-          <a:xfrm>
-            <a:off x="0" y="196193"/>
-            <a:ext cx="7650812" cy="646331"/>
-          </a:xfrm>
-          <a:prstGeom prst="rect">
-            <a:avLst/>
-          </a:prstGeom>
-          <a:noFill/>
-        </p:spPr>
-        <p:txBody>
-          <a:bodyPr wrap="none" rtlCol="0">
-            <a:spAutoFit/>
-          </a:bodyPr>
+          <p:cNvPr id="2" name="Title 1"/>
+          <p:cNvSpPr>
+            <a:spLocks noGrp="1"/>
+          </p:cNvSpPr>
+          <p:nvPr>
+            <p:ph type="title"/>
+          </p:nvPr>
+        </p:nvSpPr>
+        <p:spPr>
+          <a:xfrm>
+            <a:off x="376177" y="2679881"/>
+            <a:ext cx="8520600" cy="1108400"/>
+          </a:xfrm>
+        </p:spPr>
+        <p:txBody>
+          <a:bodyPr/>
           <a:lstStyle/>
           <a:p>
-            <a:r>
-              <a:rPr lang="en-US" b="1" dirty="0" smtClean="0"/>
-              <a:t>Connective Cognition Network for Directional Visual Commonsense Reasoning</a:t>
-            </a:r>
-            <a:endParaRPr lang="en-US" b="1" dirty="0" smtClean="0"/>
-          </a:p>
-          <a:p>
-            <a:endParaRPr lang="en-IN" b="1" dirty="0"/>
-          </a:p>
-        </p:txBody>
-      </p:sp>
-      <p:sp>
-        <p:nvSpPr>
-          <p:cNvPr id="3" name="TextBox 2"/>
-          <p:cNvSpPr txBox="1"/>
-          <p:nvPr/>
-        </p:nvSpPr>
-        <p:spPr>
-          <a:xfrm>
-            <a:off x="1" y="826814"/>
-            <a:ext cx="7672553" cy="646331"/>
-          </a:xfrm>
-          <a:prstGeom prst="rect">
-            <a:avLst/>
-          </a:prstGeom>
-          <a:noFill/>
-        </p:spPr>
-        <p:txBody>
-          <a:bodyPr wrap="square" rtlCol="0">
-            <a:spAutoFit/>
-          </a:bodyPr>
-          <a:lstStyle/>
-          <a:p>
-            <a:r>
-              <a:rPr lang="en-IN" dirty="0" smtClean="0">
-                <a:hlinkClick r:id="rId1"/>
-              </a:rPr>
-              <a:t>https://papers.nips.cc/paper/2019/file/8a56257ea05c74018291954fc56fc448-Paper.pdf</a:t>
-            </a:r>
-            <a:endParaRPr lang="en-IN" dirty="0"/>
-          </a:p>
-        </p:txBody>
-      </p:sp>
-      <p:pic>
-        <p:nvPicPr>
-          <p:cNvPr id="4" name="Picture 3" descr="Screenshot (133).png"/>
-          <p:cNvPicPr>
-            <a:picLocks noChangeAspect="1"/>
-          </p:cNvPicPr>
-          <p:nvPr/>
-        </p:nvPicPr>
-        <p:blipFill>
-          <a:blip r:embed="rId2"/>
-          <a:srcRect l="1379" t="34731" r="-1379" b="13954"/>
-          <a:stretch>
-            <a:fillRect/>
-          </a:stretch>
-        </p:blipFill>
-        <p:spPr>
-          <a:xfrm>
-            <a:off x="0" y="2550512"/>
-            <a:ext cx="9144000" cy="4106041"/>
-          </a:xfrm>
-          <a:prstGeom prst="rect">
-            <a:avLst/>
-          </a:prstGeom>
-        </p:spPr>
-      </p:pic>
-      <p:sp>
-        <p:nvSpPr>
-          <p:cNvPr id="5" name="Rectangle 4"/>
-          <p:cNvSpPr/>
-          <p:nvPr/>
-        </p:nvSpPr>
-        <p:spPr>
-          <a:xfrm>
-            <a:off x="0" y="1371600"/>
-            <a:ext cx="4090800" cy="369332"/>
-          </a:xfrm>
-          <a:prstGeom prst="rect">
-            <a:avLst/>
-          </a:prstGeom>
-        </p:spPr>
-        <p:txBody>
-          <a:bodyPr wrap="none">
-            <a:spAutoFit/>
-          </a:bodyPr>
-          <a:lstStyle/>
-          <a:p>
-            <a:r>
-              <a:rPr lang="en-US" dirty="0" smtClean="0">
+            <a:pPr algn="ctr"/>
+            <a:r>
+              <a:rPr lang="en-US" sz="2400" dirty="0">
                 <a:latin typeface="Times New Roman" panose="02020603050405020304" charset="0"/>
                 <a:cs typeface="Times New Roman" panose="02020603050405020304" charset="0"/>
+                <a:sym typeface="+mn-ea"/>
               </a:rPr>
-              <a:t>Dataset : Visual Commonsense Reasoning</a:t>
-            </a:r>
-            <a:endParaRPr lang="en-IN" dirty="0">
+              <a:t>Task 2  : Reasoning Of Meme Labelled Into Different Categories </a:t>
+            </a:r>
+            <a:endParaRPr lang="en-IN" sz="2400" dirty="0">
               <a:latin typeface="Times New Roman" panose="02020603050405020304" charset="0"/>
               <a:cs typeface="Times New Roman" panose="02020603050405020304" charset="0"/>
             </a:endParaRPr>
-          </a:p>
-        </p:txBody>
-      </p:sp>
-      <p:sp>
-        <p:nvSpPr>
-          <p:cNvPr id="6" name="TextBox 5"/>
-          <p:cNvSpPr txBox="1"/>
-          <p:nvPr/>
-        </p:nvSpPr>
-        <p:spPr>
-          <a:xfrm>
-            <a:off x="1" y="1617592"/>
-            <a:ext cx="2227469" cy="923330"/>
-          </a:xfrm>
-          <a:prstGeom prst="rect">
-            <a:avLst/>
-          </a:prstGeom>
-          <a:noFill/>
-        </p:spPr>
-        <p:txBody>
-          <a:bodyPr wrap="none" rtlCol="0">
-            <a:spAutoFit/>
-          </a:bodyPr>
-          <a:lstStyle/>
-          <a:p>
-            <a:pPr>
-              <a:buFont typeface="Arial" panose="020B0604020202020204" pitchFamily="34" charset="0"/>
-              <a:buChar char="•"/>
-            </a:pPr>
-            <a:r>
-              <a:rPr lang="en-US" dirty="0"/>
-              <a:t> </a:t>
-            </a:r>
-            <a:r>
-              <a:rPr lang="en-US" dirty="0" smtClean="0"/>
-              <a:t>List </a:t>
-            </a:r>
-            <a:r>
-              <a:rPr lang="en-US" dirty="0"/>
-              <a:t>of objects</a:t>
-            </a:r>
-            <a:endParaRPr lang="en-US" dirty="0"/>
-          </a:p>
-          <a:p>
-            <a:pPr>
-              <a:buFont typeface="Arial" panose="020B0604020202020204" pitchFamily="34" charset="0"/>
-              <a:buChar char="•"/>
-            </a:pPr>
-            <a:r>
-              <a:rPr lang="en-US" dirty="0"/>
-              <a:t> A query </a:t>
-            </a:r>
-            <a:endParaRPr lang="en-US" dirty="0"/>
-          </a:p>
-          <a:p>
-            <a:pPr>
-              <a:buFont typeface="Arial" panose="020B0604020202020204" pitchFamily="34" charset="0"/>
-              <a:buChar char="•"/>
-            </a:pPr>
-            <a:r>
-              <a:rPr lang="en-US" dirty="0"/>
-              <a:t> A set of N responses</a:t>
-            </a:r>
-            <a:endParaRPr lang="en-US" dirty="0"/>
           </a:p>
         </p:txBody>
       </p:sp>
@@ -5790,31 +5933,195 @@
           <a:chExt cx="0" cy="0"/>
         </a:xfrm>
       </p:grpSpPr>
+      <p:sp>
+        <p:nvSpPr>
+          <p:cNvPr id="2" name="TextBox 1"/>
+          <p:cNvSpPr txBox="1"/>
+          <p:nvPr/>
+        </p:nvSpPr>
+        <p:spPr>
+          <a:xfrm>
+            <a:off x="0" y="196193"/>
+            <a:ext cx="7650812" cy="646331"/>
+          </a:xfrm>
+          <a:prstGeom prst="rect">
+            <a:avLst/>
+          </a:prstGeom>
+          <a:noFill/>
+        </p:spPr>
+        <p:txBody>
+          <a:bodyPr wrap="none" rtlCol="0">
+            <a:spAutoFit/>
+          </a:bodyPr>
+          <a:lstStyle/>
+          <a:p>
+            <a:r>
+              <a:rPr lang="en-US" b="1" dirty="0" smtClean="0"/>
+              <a:t>Connective Cognition Network for Directional Visual Commonsense Reasoning</a:t>
+            </a:r>
+            <a:endParaRPr lang="en-US" b="1" dirty="0" smtClean="0"/>
+          </a:p>
+          <a:p>
+            <a:endParaRPr lang="en-IN" b="1" dirty="0"/>
+          </a:p>
+        </p:txBody>
+      </p:sp>
+      <p:sp>
+        <p:nvSpPr>
+          <p:cNvPr id="3" name="TextBox 2"/>
+          <p:cNvSpPr txBox="1"/>
+          <p:nvPr/>
+        </p:nvSpPr>
+        <p:spPr>
+          <a:xfrm>
+            <a:off x="1" y="826814"/>
+            <a:ext cx="7672553" cy="646331"/>
+          </a:xfrm>
+          <a:prstGeom prst="rect">
+            <a:avLst/>
+          </a:prstGeom>
+          <a:noFill/>
+        </p:spPr>
+        <p:txBody>
+          <a:bodyPr wrap="square" rtlCol="0">
+            <a:spAutoFit/>
+          </a:bodyPr>
+          <a:lstStyle/>
+          <a:p>
+            <a:r>
+              <a:rPr lang="en-IN" dirty="0" smtClean="0">
+                <a:hlinkClick r:id="rId1"/>
+              </a:rPr>
+              <a:t>https://papers.nips.cc/paper/2019/file/8a56257ea05c74018291954fc56fc448-Paper.pdf</a:t>
+            </a:r>
+            <a:endParaRPr lang="en-IN" dirty="0"/>
+          </a:p>
+        </p:txBody>
+      </p:sp>
       <p:pic>
         <p:nvPicPr>
-          <p:cNvPr id="2" name="Picture 1" descr="Screenshot (134).png"/>
+          <p:cNvPr id="4" name="Picture 3" descr="Screenshot (133).png"/>
           <p:cNvPicPr>
             <a:picLocks noChangeAspect="1"/>
           </p:cNvPicPr>
           <p:nvPr/>
         </p:nvPicPr>
         <p:blipFill>
-          <a:blip r:embed="rId1"/>
-          <a:srcRect l="2874" t="22260" r="5977" b="17634"/>
+          <a:blip r:embed="rId2"/>
+          <a:srcRect l="1379" t="34731" r="-1379" b="13954"/>
           <a:stretch>
             <a:fillRect/>
           </a:stretch>
         </p:blipFill>
         <p:spPr>
           <a:xfrm>
-            <a:off x="0" y="462454"/>
-            <a:ext cx="8873342" cy="4988911"/>
+            <a:off x="0" y="2550512"/>
+            <a:ext cx="9144000" cy="4106041"/>
           </a:xfrm>
           <a:prstGeom prst="rect">
             <a:avLst/>
           </a:prstGeom>
         </p:spPr>
       </p:pic>
+      <p:sp>
+        <p:nvSpPr>
+          <p:cNvPr id="5" name="Rectangle 4"/>
+          <p:cNvSpPr/>
+          <p:nvPr/>
+        </p:nvSpPr>
+        <p:spPr>
+          <a:xfrm>
+            <a:off x="0" y="1371600"/>
+            <a:ext cx="4090800" cy="369332"/>
+          </a:xfrm>
+          <a:prstGeom prst="rect">
+            <a:avLst/>
+          </a:prstGeom>
+        </p:spPr>
+        <p:txBody>
+          <a:bodyPr wrap="none">
+            <a:spAutoFit/>
+          </a:bodyPr>
+          <a:lstStyle/>
+          <a:p>
+            <a:r>
+              <a:rPr lang="en-US" dirty="0" smtClean="0">
+                <a:latin typeface="Times New Roman" panose="02020603050405020304" charset="0"/>
+                <a:cs typeface="Times New Roman" panose="02020603050405020304" charset="0"/>
+              </a:rPr>
+              <a:t>Dataset : Visual Commonsense Reasoning</a:t>
+            </a:r>
+            <a:endParaRPr lang="en-IN" dirty="0">
+              <a:latin typeface="Times New Roman" panose="02020603050405020304" charset="0"/>
+              <a:cs typeface="Times New Roman" panose="02020603050405020304" charset="0"/>
+            </a:endParaRPr>
+          </a:p>
+        </p:txBody>
+      </p:sp>
+      <p:sp>
+        <p:nvSpPr>
+          <p:cNvPr id="6" name="TextBox 5"/>
+          <p:cNvSpPr txBox="1"/>
+          <p:nvPr/>
+        </p:nvSpPr>
+        <p:spPr>
+          <a:xfrm>
+            <a:off x="1" y="1617592"/>
+            <a:ext cx="2227469" cy="923330"/>
+          </a:xfrm>
+          <a:prstGeom prst="rect">
+            <a:avLst/>
+          </a:prstGeom>
+          <a:noFill/>
+        </p:spPr>
+        <p:txBody>
+          <a:bodyPr wrap="none" rtlCol="0">
+            <a:spAutoFit/>
+          </a:bodyPr>
+          <a:lstStyle/>
+          <a:p>
+            <a:pPr>
+              <a:buFont typeface="Arial" panose="020B0604020202020204" pitchFamily="34" charset="0"/>
+              <a:buChar char="•"/>
+            </a:pPr>
+            <a:r>
+              <a:rPr lang="en-US" dirty="0"/>
+              <a:t> </a:t>
+            </a:r>
+            <a:r>
+              <a:rPr lang="en-US" dirty="0" smtClean="0"/>
+              <a:t>List </a:t>
+            </a:r>
+            <a:r>
+              <a:rPr lang="en-US" dirty="0"/>
+              <a:t>of objects</a:t>
+            </a:r>
+            <a:endParaRPr lang="en-US" dirty="0"/>
+          </a:p>
+          <a:p>
+            <a:pPr>
+              <a:buFont typeface="Arial" panose="020B0604020202020204" pitchFamily="34" charset="0"/>
+              <a:buChar char="•"/>
+            </a:pPr>
+            <a:r>
+              <a:rPr lang="en-US" dirty="0"/>
+              <a:t> A query </a:t>
+            </a:r>
+            <a:endParaRPr lang="en-US" dirty="0"/>
+          </a:p>
+          <a:p>
+            <a:pPr>
+              <a:buFont typeface="Arial" panose="020B0604020202020204" pitchFamily="34" charset="0"/>
+              <a:buChar char="•"/>
+            </a:pPr>
+            <a:r>
+              <a:rPr lang="en-US" dirty="0"/>
+              <a:t> A set of N responses</a:t>
+            </a:r>
+            <a:endParaRPr lang="en-US" dirty="0"/>
+          </a:p>
+        </p:txBody>
+      </p:sp>
     </p:spTree>
   </p:cSld>
   <p:clrMapOvr>
@@ -5847,94 +6154,25 @@
           <a:chExt cx="0" cy="0"/>
         </a:xfrm>
       </p:grpSpPr>
-      <p:sp>
-        <p:nvSpPr>
-          <p:cNvPr id="2" name="TextBox 1"/>
-          <p:cNvSpPr txBox="1"/>
-          <p:nvPr/>
-        </p:nvSpPr>
-        <p:spPr>
-          <a:xfrm>
-            <a:off x="536029" y="770759"/>
-            <a:ext cx="7173374" cy="646331"/>
-          </a:xfrm>
-          <a:prstGeom prst="rect">
-            <a:avLst/>
-          </a:prstGeom>
-          <a:noFill/>
-        </p:spPr>
-        <p:txBody>
-          <a:bodyPr wrap="none" rtlCol="0">
-            <a:spAutoFit/>
-          </a:bodyPr>
-          <a:lstStyle/>
-          <a:p>
-            <a:r>
-              <a:rPr lang="en-US" b="1" dirty="0" err="1" smtClean="0"/>
-              <a:t>KagNet</a:t>
-            </a:r>
-            <a:r>
-              <a:rPr lang="en-US" b="1" dirty="0" smtClean="0"/>
-              <a:t>: Knowledge-Aware Graph Networks for Commonsense Reasoning</a:t>
-            </a:r>
-            <a:endParaRPr lang="en-US" b="1" dirty="0" smtClean="0"/>
-          </a:p>
-          <a:p>
-            <a:endParaRPr lang="en-IN" dirty="0"/>
-          </a:p>
-        </p:txBody>
-      </p:sp>
-      <p:sp>
-        <p:nvSpPr>
-          <p:cNvPr id="3" name="TextBox 2"/>
-          <p:cNvSpPr txBox="1"/>
-          <p:nvPr/>
-        </p:nvSpPr>
-        <p:spPr>
-          <a:xfrm>
-            <a:off x="714704" y="1471449"/>
-            <a:ext cx="3312702" cy="369332"/>
-          </a:xfrm>
-          <a:prstGeom prst="rect">
-            <a:avLst/>
-          </a:prstGeom>
-          <a:noFill/>
-        </p:spPr>
-        <p:txBody>
-          <a:bodyPr wrap="none" rtlCol="0">
-            <a:spAutoFit/>
-          </a:bodyPr>
-          <a:lstStyle/>
-          <a:p>
-            <a:r>
-              <a:rPr lang="en-IN" dirty="0" smtClean="0">
-                <a:hlinkClick r:id="rId1"/>
-              </a:rPr>
-              <a:t>https://arxiv.org/abs/1909.02151</a:t>
-            </a:r>
-            <a:endParaRPr lang="en-IN" dirty="0"/>
-          </a:p>
-        </p:txBody>
-      </p:sp>
       <p:pic>
         <p:nvPicPr>
-          <p:cNvPr id="5" name="Picture 4" descr="Screenshot (135).png"/>
+          <p:cNvPr id="2" name="Picture 1" descr="Screenshot (134).png"/>
           <p:cNvPicPr>
             <a:picLocks noChangeAspect="1"/>
           </p:cNvPicPr>
           <p:nvPr/>
         </p:nvPicPr>
         <p:blipFill>
-          <a:blip r:embed="rId2"/>
-          <a:srcRect l="49425" t="17762" r="6207" b="34194"/>
+          <a:blip r:embed="rId1"/>
+          <a:srcRect l="2874" t="22260" r="5977" b="17634"/>
           <a:stretch>
             <a:fillRect/>
           </a:stretch>
         </p:blipFill>
         <p:spPr>
           <a:xfrm>
-            <a:off x="693773" y="1863836"/>
-            <a:ext cx="6316629" cy="4246179"/>
+            <a:off x="0" y="462454"/>
+            <a:ext cx="8873342" cy="4988911"/>
           </a:xfrm>
           <a:prstGeom prst="rect">
             <a:avLst/>
